--- a/Meeting/Presentation_1027.pptx
+++ b/Meeting/Presentation_1027.pptx
@@ -5,7 +5,7 @@
     <p:sldMasterId id="2147483648" r:id="rId1"/>
   </p:sldMasterIdLst>
   <p:notesMasterIdLst>
-    <p:notesMasterId r:id="rId18"/>
+    <p:notesMasterId r:id="rId22"/>
   </p:notesMasterIdLst>
   <p:sldIdLst>
     <p:sldId id="256" r:id="rId2"/>
@@ -15,15 +15,19 @@
     <p:sldId id="380" r:id="rId6"/>
     <p:sldId id="381" r:id="rId7"/>
     <p:sldId id="385" r:id="rId8"/>
-    <p:sldId id="356" r:id="rId9"/>
-    <p:sldId id="312" r:id="rId10"/>
-    <p:sldId id="320" r:id="rId11"/>
-    <p:sldId id="384" r:id="rId12"/>
-    <p:sldId id="374" r:id="rId13"/>
-    <p:sldId id="375" r:id="rId14"/>
-    <p:sldId id="377" r:id="rId15"/>
-    <p:sldId id="382" r:id="rId16"/>
-    <p:sldId id="383" r:id="rId17"/>
+    <p:sldId id="388" r:id="rId9"/>
+    <p:sldId id="387" r:id="rId10"/>
+    <p:sldId id="389" r:id="rId11"/>
+    <p:sldId id="356" r:id="rId12"/>
+    <p:sldId id="312" r:id="rId13"/>
+    <p:sldId id="320" r:id="rId14"/>
+    <p:sldId id="384" r:id="rId15"/>
+    <p:sldId id="386" r:id="rId16"/>
+    <p:sldId id="374" r:id="rId17"/>
+    <p:sldId id="375" r:id="rId18"/>
+    <p:sldId id="377" r:id="rId19"/>
+    <p:sldId id="382" r:id="rId20"/>
+    <p:sldId id="383" r:id="rId21"/>
   </p:sldIdLst>
   <p:sldSz cx="12192000" cy="6858000"/>
   <p:notesSz cx="6858000" cy="9144000"/>
@@ -212,7 +216,7 @@
           <a:p>
             <a:fld id="{FD5F46E7-AC74-B24A-8D7A-61E847F3340B}" type="datetimeFigureOut">
               <a:rPr lang="en-TW" smtClean="0"/>
-              <a:t>2023/10/17</a:t>
+              <a:t>2023/10/19</a:t>
             </a:fld>
             <a:endParaRPr lang="en-TW"/>
           </a:p>
@@ -641,7 +645,7 @@
     </p:spTree>
     <p:extLst>
       <p:ext uri="{BB962C8B-B14F-4D97-AF65-F5344CB8AC3E}">
-        <p14:creationId xmlns:p14="http://schemas.microsoft.com/office/powerpoint/2010/main" val="4192016753"/>
+        <p14:creationId xmlns:p14="http://schemas.microsoft.com/office/powerpoint/2010/main" val="2408683417"/>
       </p:ext>
     </p:extLst>
   </p:cSld>
@@ -717,6 +721,784 @@
             <a:fld id="{50B9CB7D-C514-3544-A72A-E200086B53CC}" type="slidenum">
               <a:rPr lang="en-TW" smtClean="0"/>
               <a:t>16</a:t>
+            </a:fld>
+            <a:endParaRPr lang="en-TW"/>
+          </a:p>
+        </p:txBody>
+      </p:sp>
+    </p:spTree>
+    <p:extLst>
+      <p:ext uri="{BB962C8B-B14F-4D97-AF65-F5344CB8AC3E}">
+        <p14:creationId xmlns:p14="http://schemas.microsoft.com/office/powerpoint/2010/main" val="3805032158"/>
+      </p:ext>
+    </p:extLst>
+  </p:cSld>
+  <p:clrMapOvr>
+    <a:masterClrMapping/>
+  </p:clrMapOvr>
+</p:notes>
+</file>
+
+<file path=ppt/notesSlides/notesSlide12.xml><?xml version="1.0" encoding="utf-8"?>
+<p:notes xmlns:a="http://schemas.openxmlformats.org/drawingml/2006/main" xmlns:r="http://schemas.openxmlformats.org/officeDocument/2006/relationships" xmlns:p="http://schemas.openxmlformats.org/presentationml/2006/main">
+  <p:cSld>
+    <p:spTree>
+      <p:nvGrpSpPr>
+        <p:cNvPr id="1" name=""/>
+        <p:cNvGrpSpPr/>
+        <p:nvPr/>
+      </p:nvGrpSpPr>
+      <p:grpSpPr>
+        <a:xfrm>
+          <a:off x="0" y="0"/>
+          <a:ext cx="0" cy="0"/>
+          <a:chOff x="0" y="0"/>
+          <a:chExt cx="0" cy="0"/>
+        </a:xfrm>
+      </p:grpSpPr>
+      <p:sp>
+        <p:nvSpPr>
+          <p:cNvPr id="2" name="Slide Image Placeholder 1"/>
+          <p:cNvSpPr>
+            <a:spLocks noGrp="1" noRot="1" noChangeAspect="1"/>
+          </p:cNvSpPr>
+          <p:nvPr>
+            <p:ph type="sldImg"/>
+          </p:nvPr>
+        </p:nvSpPr>
+        <p:spPr/>
+      </p:sp>
+      <p:sp>
+        <p:nvSpPr>
+          <p:cNvPr id="3" name="Notes Placeholder 2"/>
+          <p:cNvSpPr>
+            <a:spLocks noGrp="1"/>
+          </p:cNvSpPr>
+          <p:nvPr>
+            <p:ph type="body" idx="1"/>
+          </p:nvPr>
+        </p:nvSpPr>
+        <p:spPr/>
+        <p:txBody>
+          <a:bodyPr/>
+          <a:lstStyle/>
+          <a:p>
+            <a:r>
+              <a:rPr lang="zh-TW" altLang="en-US" dirty="0"/>
+              <a:t>這個</a:t>
+            </a:r>
+            <a:r>
+              <a:rPr lang="en-US" altLang="zh-TW" dirty="0"/>
+              <a:t>`</a:t>
+            </a:r>
+            <a:r>
+              <a:rPr lang="en-US" altLang="zh-TW" dirty="0" err="1"/>
+              <a:t>MLPPredictor</a:t>
+            </a:r>
+            <a:r>
+              <a:rPr lang="en-US" altLang="zh-TW" dirty="0"/>
+              <a:t>`</a:t>
+            </a:r>
+            <a:r>
+              <a:rPr lang="zh-TW" altLang="en-US" dirty="0"/>
+              <a:t>模型是用於邊預測或稱為鏈接預測的。鏈接預測的目的是預測兩個節點之間是否存在邊。這是圖學習中的一個重要任務，被應用於許多領域，例如社交網絡中的好友推薦或蛋白質互作網絡的互作預測。</a:t>
+            </a:r>
+          </a:p>
+          <a:p>
+            <a:endParaRPr lang="zh-TW" altLang="en-US" dirty="0"/>
+          </a:p>
+          <a:p>
+            <a:r>
+              <a:rPr lang="en-US" altLang="zh-TW" dirty="0"/>
+              <a:t>1. **</a:t>
+            </a:r>
+            <a:r>
+              <a:rPr lang="zh-TW" altLang="en-US" dirty="0"/>
+              <a:t>初始化 </a:t>
+            </a:r>
+            <a:r>
+              <a:rPr lang="en-US" altLang="zh-TW" dirty="0"/>
+              <a:t>(`__</a:t>
+            </a:r>
+            <a:r>
+              <a:rPr lang="en-US" altLang="zh-TW" dirty="0" err="1"/>
+              <a:t>init</a:t>
+            </a:r>
+            <a:r>
+              <a:rPr lang="en-US" altLang="zh-TW" dirty="0"/>
+              <a:t>__` </a:t>
+            </a:r>
+            <a:r>
+              <a:rPr lang="zh-TW" altLang="en-US" dirty="0"/>
+              <a:t>方法</a:t>
+            </a:r>
+            <a:r>
+              <a:rPr lang="en-US" altLang="zh-TW" dirty="0"/>
+              <a:t>)**:</a:t>
+            </a:r>
+          </a:p>
+          <a:p>
+            <a:r>
+              <a:rPr lang="en-US" altLang="zh-TW" dirty="0"/>
+              <a:t>    - </a:t>
+            </a:r>
+            <a:r>
+              <a:rPr lang="zh-TW" altLang="en-US" dirty="0"/>
+              <a:t>定義一個全連接線性層</a:t>
+            </a:r>
+            <a:r>
+              <a:rPr lang="en-US" altLang="zh-TW" dirty="0"/>
+              <a:t>`</a:t>
+            </a:r>
+            <a:r>
+              <a:rPr lang="en-US" altLang="zh-TW" dirty="0" err="1"/>
+              <a:t>self.W</a:t>
+            </a:r>
+            <a:r>
+              <a:rPr lang="en-US" altLang="zh-TW" dirty="0"/>
+              <a:t>`</a:t>
+            </a:r>
+            <a:r>
+              <a:rPr lang="zh-TW" altLang="en-US" dirty="0"/>
+              <a:t>，其輸入特徵的大小是 </a:t>
+            </a:r>
+            <a:r>
+              <a:rPr lang="en-US" altLang="zh-TW" dirty="0"/>
+              <a:t>`</a:t>
+            </a:r>
+            <a:r>
+              <a:rPr lang="en-US" altLang="zh-TW" dirty="0" err="1"/>
+              <a:t>in_features</a:t>
+            </a:r>
+            <a:r>
+              <a:rPr lang="en-US" altLang="zh-TW" dirty="0"/>
+              <a:t> * 2`</a:t>
+            </a:r>
+            <a:r>
+              <a:rPr lang="zh-TW" altLang="en-US" dirty="0"/>
+              <a:t>。這是因為我們將來源節點</a:t>
+            </a:r>
+            <a:r>
+              <a:rPr lang="en-US" altLang="zh-TW" dirty="0"/>
+              <a:t>`</a:t>
+            </a:r>
+            <a:r>
+              <a:rPr lang="en-US" altLang="zh-TW" dirty="0" err="1"/>
+              <a:t>h_u</a:t>
+            </a:r>
+            <a:r>
+              <a:rPr lang="en-US" altLang="zh-TW" dirty="0"/>
+              <a:t>`</a:t>
+            </a:r>
+            <a:r>
+              <a:rPr lang="zh-TW" altLang="en-US" dirty="0"/>
+              <a:t>和目標節點</a:t>
+            </a:r>
+            <a:r>
+              <a:rPr lang="en-US" altLang="zh-TW" dirty="0"/>
+              <a:t>`</a:t>
+            </a:r>
+            <a:r>
+              <a:rPr lang="en-US" altLang="zh-TW" dirty="0" err="1"/>
+              <a:t>h_v</a:t>
+            </a:r>
+            <a:r>
+              <a:rPr lang="en-US" altLang="zh-TW" dirty="0"/>
+              <a:t>`</a:t>
+            </a:r>
+            <a:r>
+              <a:rPr lang="zh-TW" altLang="en-US" dirty="0"/>
+              <a:t>的表示向量拼接起來，所以尺寸變為雙倍。</a:t>
+            </a:r>
+          </a:p>
+          <a:p>
+            <a:r>
+              <a:rPr lang="zh-TW" altLang="en-US" dirty="0"/>
+              <a:t>    </a:t>
+            </a:r>
+            <a:r>
+              <a:rPr lang="en-US" altLang="zh-TW" dirty="0"/>
+              <a:t>- </a:t>
+            </a:r>
+            <a:r>
+              <a:rPr lang="zh-TW" altLang="en-US" dirty="0"/>
+              <a:t>輸出的尺寸是 </a:t>
+            </a:r>
+            <a:r>
+              <a:rPr lang="en-US" altLang="zh-TW" dirty="0"/>
+              <a:t>`</a:t>
+            </a:r>
+            <a:r>
+              <a:rPr lang="en-US" altLang="zh-TW" dirty="0" err="1"/>
+              <a:t>out_classes</a:t>
+            </a:r>
+            <a:r>
+              <a:rPr lang="en-US" altLang="zh-TW" dirty="0"/>
+              <a:t>`</a:t>
+            </a:r>
+            <a:r>
+              <a:rPr lang="zh-TW" altLang="en-US" dirty="0"/>
+              <a:t>，這對應於邊的類別數量。</a:t>
+            </a:r>
+          </a:p>
+          <a:p>
+            <a:endParaRPr lang="zh-TW" altLang="en-US" dirty="0"/>
+          </a:p>
+          <a:p>
+            <a:r>
+              <a:rPr lang="en-US" altLang="zh-TW" dirty="0"/>
+              <a:t>2. **</a:t>
+            </a:r>
+            <a:r>
+              <a:rPr lang="en-US" altLang="zh-TW" dirty="0" err="1"/>
+              <a:t>apply_edges</a:t>
+            </a:r>
+            <a:r>
+              <a:rPr lang="en-US" altLang="zh-TW" dirty="0"/>
+              <a:t> </a:t>
+            </a:r>
+            <a:r>
+              <a:rPr lang="zh-TW" altLang="en-US" dirty="0"/>
+              <a:t>方法**</a:t>
+            </a:r>
+            <a:r>
+              <a:rPr lang="en-US" altLang="zh-TW" dirty="0"/>
+              <a:t>:</a:t>
+            </a:r>
+          </a:p>
+          <a:p>
+            <a:r>
+              <a:rPr lang="en-US" altLang="zh-TW" dirty="0"/>
+              <a:t>    - </a:t>
+            </a:r>
+            <a:r>
+              <a:rPr lang="zh-TW" altLang="en-US" dirty="0"/>
+              <a:t>這個方法的作用是為圖中的每一條邊計算一個</a:t>
+            </a:r>
+            <a:r>
+              <a:rPr lang="en-US" altLang="zh-TW" dirty="0"/>
+              <a:t>'score'</a:t>
+            </a:r>
+            <a:r>
+              <a:rPr lang="zh-TW" altLang="en-US" dirty="0"/>
+              <a:t>。這個</a:t>
+            </a:r>
+            <a:r>
+              <a:rPr lang="en-US" altLang="zh-TW" dirty="0"/>
+              <a:t>'score'</a:t>
+            </a:r>
+            <a:r>
+              <a:rPr lang="zh-TW" altLang="en-US" dirty="0"/>
+              <a:t>可以被解釋為邊的類別。</a:t>
+            </a:r>
+          </a:p>
+          <a:p>
+            <a:r>
+              <a:rPr lang="zh-TW" altLang="en-US" dirty="0"/>
+              <a:t>    </a:t>
+            </a:r>
+            <a:r>
+              <a:rPr lang="en-US" altLang="zh-TW" dirty="0"/>
+              <a:t>- </a:t>
+            </a:r>
+            <a:r>
+              <a:rPr lang="zh-TW" altLang="en-US" dirty="0"/>
+              <a:t>它首先從圖中提取來源節點</a:t>
+            </a:r>
+            <a:r>
+              <a:rPr lang="en-US" altLang="zh-TW" dirty="0"/>
+              <a:t>`</a:t>
+            </a:r>
+            <a:r>
+              <a:rPr lang="en-US" altLang="zh-TW" dirty="0" err="1"/>
+              <a:t>h_u</a:t>
+            </a:r>
+            <a:r>
+              <a:rPr lang="en-US" altLang="zh-TW" dirty="0"/>
+              <a:t>`</a:t>
+            </a:r>
+            <a:r>
+              <a:rPr lang="zh-TW" altLang="en-US" dirty="0"/>
+              <a:t>和目標節點</a:t>
+            </a:r>
+            <a:r>
+              <a:rPr lang="en-US" altLang="zh-TW" dirty="0"/>
+              <a:t>`</a:t>
+            </a:r>
+            <a:r>
+              <a:rPr lang="en-US" altLang="zh-TW" dirty="0" err="1"/>
+              <a:t>h_v</a:t>
+            </a:r>
+            <a:r>
+              <a:rPr lang="en-US" altLang="zh-TW" dirty="0"/>
+              <a:t>`</a:t>
+            </a:r>
+            <a:r>
+              <a:rPr lang="zh-TW" altLang="en-US" dirty="0"/>
+              <a:t>的表示向量。</a:t>
+            </a:r>
+          </a:p>
+          <a:p>
+            <a:r>
+              <a:rPr lang="zh-TW" altLang="en-US" dirty="0"/>
+              <a:t>    </a:t>
+            </a:r>
+            <a:r>
+              <a:rPr lang="en-US" altLang="zh-TW" dirty="0"/>
+              <a:t>- </a:t>
+            </a:r>
+            <a:r>
+              <a:rPr lang="zh-TW" altLang="en-US" dirty="0"/>
+              <a:t>接著，它將這兩個表示向量拼接起來，並通過</a:t>
+            </a:r>
+            <a:r>
+              <a:rPr lang="en-US" altLang="zh-TW" dirty="0"/>
+              <a:t>`</a:t>
+            </a:r>
+            <a:r>
+              <a:rPr lang="en-US" altLang="zh-TW" dirty="0" err="1"/>
+              <a:t>self.W</a:t>
+            </a:r>
+            <a:r>
+              <a:rPr lang="en-US" altLang="zh-TW" dirty="0"/>
+              <a:t>`</a:t>
+            </a:r>
+            <a:r>
+              <a:rPr lang="zh-TW" altLang="en-US" dirty="0"/>
+              <a:t>線性層計算</a:t>
+            </a:r>
+            <a:r>
+              <a:rPr lang="en-US" altLang="zh-TW" dirty="0"/>
+              <a:t>'score'</a:t>
+            </a:r>
+            <a:r>
+              <a:rPr lang="zh-TW" altLang="en-US" dirty="0"/>
+              <a:t>。</a:t>
+            </a:r>
+          </a:p>
+          <a:p>
+            <a:endParaRPr lang="zh-TW" altLang="en-US" dirty="0"/>
+          </a:p>
+          <a:p>
+            <a:r>
+              <a:rPr lang="en-US" altLang="zh-TW" dirty="0"/>
+              <a:t>3. **</a:t>
+            </a:r>
+            <a:r>
+              <a:rPr lang="zh-TW" altLang="en-US" dirty="0"/>
+              <a:t>前向方法 </a:t>
+            </a:r>
+            <a:r>
+              <a:rPr lang="en-US" altLang="zh-TW" dirty="0"/>
+              <a:t>(`forward`)**:</a:t>
+            </a:r>
+          </a:p>
+          <a:p>
+            <a:r>
+              <a:rPr lang="en-US" altLang="zh-TW" dirty="0"/>
+              <a:t>    - </a:t>
+            </a:r>
+            <a:r>
+              <a:rPr lang="zh-TW" altLang="en-US" dirty="0"/>
+              <a:t>接收一個圖和它的節點表示</a:t>
+            </a:r>
+            <a:r>
+              <a:rPr lang="en-US" altLang="zh-TW" dirty="0"/>
+              <a:t>`h`</a:t>
+            </a:r>
+            <a:r>
+              <a:rPr lang="zh-TW" altLang="en-US" dirty="0"/>
+              <a:t>。</a:t>
+            </a:r>
+          </a:p>
+          <a:p>
+            <a:r>
+              <a:rPr lang="zh-TW" altLang="en-US" dirty="0"/>
+              <a:t>    </a:t>
+            </a:r>
+            <a:r>
+              <a:rPr lang="en-US" altLang="zh-TW" dirty="0"/>
+              <a:t>- </a:t>
+            </a:r>
+            <a:r>
+              <a:rPr lang="zh-TW" altLang="en-US" dirty="0"/>
+              <a:t>它將這些節點表示設定為圖的節點數據。</a:t>
+            </a:r>
+          </a:p>
+          <a:p>
+            <a:r>
+              <a:rPr lang="zh-TW" altLang="en-US" dirty="0"/>
+              <a:t>    </a:t>
+            </a:r>
+            <a:r>
+              <a:rPr lang="en-US" altLang="zh-TW" dirty="0"/>
+              <a:t>- </a:t>
+            </a:r>
+            <a:r>
+              <a:rPr lang="zh-TW" altLang="en-US" dirty="0"/>
+              <a:t>使用</a:t>
+            </a:r>
+            <a:r>
+              <a:rPr lang="en-US" altLang="zh-TW" dirty="0"/>
+              <a:t>`</a:t>
+            </a:r>
+            <a:r>
+              <a:rPr lang="en-US" altLang="zh-TW" dirty="0" err="1"/>
+              <a:t>apply_edges</a:t>
+            </a:r>
+            <a:r>
+              <a:rPr lang="en-US" altLang="zh-TW" dirty="0"/>
+              <a:t>`</a:t>
+            </a:r>
+            <a:r>
+              <a:rPr lang="zh-TW" altLang="en-US" dirty="0"/>
+              <a:t>方法為圖中的每一條邊計算一個</a:t>
+            </a:r>
+            <a:r>
+              <a:rPr lang="en-US" altLang="zh-TW" dirty="0"/>
+              <a:t>'score'</a:t>
+            </a:r>
+            <a:r>
+              <a:rPr lang="zh-TW" altLang="en-US" dirty="0"/>
+              <a:t>。</a:t>
+            </a:r>
+          </a:p>
+          <a:p>
+            <a:r>
+              <a:rPr lang="zh-TW" altLang="en-US" dirty="0"/>
+              <a:t>    </a:t>
+            </a:r>
+            <a:r>
+              <a:rPr lang="en-US" altLang="zh-TW" dirty="0"/>
+              <a:t>- </a:t>
+            </a:r>
+            <a:r>
+              <a:rPr lang="zh-TW" altLang="en-US" dirty="0"/>
+              <a:t>返回邊的</a:t>
+            </a:r>
+            <a:r>
+              <a:rPr lang="en-US" altLang="zh-TW" dirty="0"/>
+              <a:t>'score'</a:t>
+            </a:r>
+            <a:r>
+              <a:rPr lang="zh-TW" altLang="en-US" dirty="0"/>
+              <a:t>。</a:t>
+            </a:r>
+          </a:p>
+          <a:p>
+            <a:endParaRPr lang="zh-TW" altLang="en-US" dirty="0"/>
+          </a:p>
+          <a:p>
+            <a:r>
+              <a:rPr lang="zh-TW" altLang="en-US" dirty="0"/>
+              <a:t>總之，</a:t>
+            </a:r>
+            <a:r>
+              <a:rPr lang="en-US" altLang="zh-TW" dirty="0"/>
+              <a:t>`</a:t>
+            </a:r>
+            <a:r>
+              <a:rPr lang="en-US" altLang="zh-TW" dirty="0" err="1"/>
+              <a:t>MLPPredictor</a:t>
+            </a:r>
+            <a:r>
+              <a:rPr lang="en-US" altLang="zh-TW" dirty="0"/>
+              <a:t>`</a:t>
+            </a:r>
+            <a:r>
+              <a:rPr lang="zh-TW" altLang="en-US" dirty="0"/>
+              <a:t>使用來源和目標節點的表示計算圖中每一條邊的</a:t>
+            </a:r>
+            <a:r>
+              <a:rPr lang="en-US" altLang="zh-TW" dirty="0"/>
+              <a:t>'score'</a:t>
+            </a:r>
+            <a:r>
+              <a:rPr lang="zh-TW" altLang="en-US" dirty="0"/>
+              <a:t>，這些</a:t>
+            </a:r>
+            <a:r>
+              <a:rPr lang="en-US" altLang="zh-TW" dirty="0"/>
+              <a:t>'score'</a:t>
+            </a:r>
+            <a:r>
+              <a:rPr lang="zh-TW" altLang="en-US" dirty="0"/>
+              <a:t>可以用於邊的預測任務。</a:t>
+            </a:r>
+            <a:endParaRPr lang="en-US" altLang="zh-TW" dirty="0"/>
+          </a:p>
+        </p:txBody>
+      </p:sp>
+      <p:sp>
+        <p:nvSpPr>
+          <p:cNvPr id="4" name="Slide Number Placeholder 3"/>
+          <p:cNvSpPr>
+            <a:spLocks noGrp="1"/>
+          </p:cNvSpPr>
+          <p:nvPr>
+            <p:ph type="sldNum" sz="quarter" idx="5"/>
+          </p:nvPr>
+        </p:nvSpPr>
+        <p:spPr/>
+        <p:txBody>
+          <a:bodyPr/>
+          <a:lstStyle/>
+          <a:p>
+            <a:fld id="{50B9CB7D-C514-3544-A72A-E200086B53CC}" type="slidenum">
+              <a:rPr lang="en-TW" smtClean="0"/>
+              <a:t>17</a:t>
+            </a:fld>
+            <a:endParaRPr lang="en-TW"/>
+          </a:p>
+        </p:txBody>
+      </p:sp>
+    </p:spTree>
+    <p:extLst>
+      <p:ext uri="{BB962C8B-B14F-4D97-AF65-F5344CB8AC3E}">
+        <p14:creationId xmlns:p14="http://schemas.microsoft.com/office/powerpoint/2010/main" val="3672188344"/>
+      </p:ext>
+    </p:extLst>
+  </p:cSld>
+  <p:clrMapOvr>
+    <a:masterClrMapping/>
+  </p:clrMapOvr>
+</p:notes>
+</file>
+
+<file path=ppt/notesSlides/notesSlide13.xml><?xml version="1.0" encoding="utf-8"?>
+<p:notes xmlns:a="http://schemas.openxmlformats.org/drawingml/2006/main" xmlns:r="http://schemas.openxmlformats.org/officeDocument/2006/relationships" xmlns:p="http://schemas.openxmlformats.org/presentationml/2006/main">
+  <p:cSld>
+    <p:spTree>
+      <p:nvGrpSpPr>
+        <p:cNvPr id="1" name=""/>
+        <p:cNvGrpSpPr/>
+        <p:nvPr/>
+      </p:nvGrpSpPr>
+      <p:grpSpPr>
+        <a:xfrm>
+          <a:off x="0" y="0"/>
+          <a:ext cx="0" cy="0"/>
+          <a:chOff x="0" y="0"/>
+          <a:chExt cx="0" cy="0"/>
+        </a:xfrm>
+      </p:grpSpPr>
+      <p:sp>
+        <p:nvSpPr>
+          <p:cNvPr id="2" name="Slide Image Placeholder 1"/>
+          <p:cNvSpPr>
+            <a:spLocks noGrp="1" noRot="1" noChangeAspect="1"/>
+          </p:cNvSpPr>
+          <p:nvPr>
+            <p:ph type="sldImg"/>
+          </p:nvPr>
+        </p:nvSpPr>
+        <p:spPr/>
+      </p:sp>
+      <p:sp>
+        <p:nvSpPr>
+          <p:cNvPr id="3" name="Notes Placeholder 2"/>
+          <p:cNvSpPr>
+            <a:spLocks noGrp="1"/>
+          </p:cNvSpPr>
+          <p:nvPr>
+            <p:ph type="body" idx="1"/>
+          </p:nvPr>
+        </p:nvSpPr>
+        <p:spPr/>
+        <p:txBody>
+          <a:bodyPr/>
+          <a:lstStyle/>
+          <a:p>
+            <a:endParaRPr lang="en-US" altLang="zh-TW" dirty="0"/>
+          </a:p>
+        </p:txBody>
+      </p:sp>
+      <p:sp>
+        <p:nvSpPr>
+          <p:cNvPr id="4" name="Slide Number Placeholder 3"/>
+          <p:cNvSpPr>
+            <a:spLocks noGrp="1"/>
+          </p:cNvSpPr>
+          <p:nvPr>
+            <p:ph type="sldNum" sz="quarter" idx="5"/>
+          </p:nvPr>
+        </p:nvSpPr>
+        <p:spPr/>
+        <p:txBody>
+          <a:bodyPr/>
+          <a:lstStyle/>
+          <a:p>
+            <a:fld id="{50B9CB7D-C514-3544-A72A-E200086B53CC}" type="slidenum">
+              <a:rPr lang="en-TW" smtClean="0"/>
+              <a:t>18</a:t>
+            </a:fld>
+            <a:endParaRPr lang="en-TW"/>
+          </a:p>
+        </p:txBody>
+      </p:sp>
+    </p:spTree>
+    <p:extLst>
+      <p:ext uri="{BB962C8B-B14F-4D97-AF65-F5344CB8AC3E}">
+        <p14:creationId xmlns:p14="http://schemas.microsoft.com/office/powerpoint/2010/main" val="1815942656"/>
+      </p:ext>
+    </p:extLst>
+  </p:cSld>
+  <p:clrMapOvr>
+    <a:masterClrMapping/>
+  </p:clrMapOvr>
+</p:notes>
+</file>
+
+<file path=ppt/notesSlides/notesSlide14.xml><?xml version="1.0" encoding="utf-8"?>
+<p:notes xmlns:a="http://schemas.openxmlformats.org/drawingml/2006/main" xmlns:r="http://schemas.openxmlformats.org/officeDocument/2006/relationships" xmlns:p="http://schemas.openxmlformats.org/presentationml/2006/main">
+  <p:cSld>
+    <p:spTree>
+      <p:nvGrpSpPr>
+        <p:cNvPr id="1" name=""/>
+        <p:cNvGrpSpPr/>
+        <p:nvPr/>
+      </p:nvGrpSpPr>
+      <p:grpSpPr>
+        <a:xfrm>
+          <a:off x="0" y="0"/>
+          <a:ext cx="0" cy="0"/>
+          <a:chOff x="0" y="0"/>
+          <a:chExt cx="0" cy="0"/>
+        </a:xfrm>
+      </p:grpSpPr>
+      <p:sp>
+        <p:nvSpPr>
+          <p:cNvPr id="2" name="Slide Image Placeholder 1"/>
+          <p:cNvSpPr>
+            <a:spLocks noGrp="1" noRot="1" noChangeAspect="1"/>
+          </p:cNvSpPr>
+          <p:nvPr>
+            <p:ph type="sldImg"/>
+          </p:nvPr>
+        </p:nvSpPr>
+        <p:spPr/>
+      </p:sp>
+      <p:sp>
+        <p:nvSpPr>
+          <p:cNvPr id="3" name="Notes Placeholder 2"/>
+          <p:cNvSpPr>
+            <a:spLocks noGrp="1"/>
+          </p:cNvSpPr>
+          <p:nvPr>
+            <p:ph type="body" idx="1"/>
+          </p:nvPr>
+        </p:nvSpPr>
+        <p:spPr/>
+        <p:txBody>
+          <a:bodyPr/>
+          <a:lstStyle/>
+          <a:p>
+            <a:endParaRPr lang="en-US" altLang="zh-TW" dirty="0"/>
+          </a:p>
+        </p:txBody>
+      </p:sp>
+      <p:sp>
+        <p:nvSpPr>
+          <p:cNvPr id="4" name="Slide Number Placeholder 3"/>
+          <p:cNvSpPr>
+            <a:spLocks noGrp="1"/>
+          </p:cNvSpPr>
+          <p:nvPr>
+            <p:ph type="sldNum" sz="quarter" idx="5"/>
+          </p:nvPr>
+        </p:nvSpPr>
+        <p:spPr/>
+        <p:txBody>
+          <a:bodyPr/>
+          <a:lstStyle/>
+          <a:p>
+            <a:fld id="{50B9CB7D-C514-3544-A72A-E200086B53CC}" type="slidenum">
+              <a:rPr lang="en-TW" smtClean="0"/>
+              <a:t>19</a:t>
+            </a:fld>
+            <a:endParaRPr lang="en-TW"/>
+          </a:p>
+        </p:txBody>
+      </p:sp>
+    </p:spTree>
+    <p:extLst>
+      <p:ext uri="{BB962C8B-B14F-4D97-AF65-F5344CB8AC3E}">
+        <p14:creationId xmlns:p14="http://schemas.microsoft.com/office/powerpoint/2010/main" val="4192016753"/>
+      </p:ext>
+    </p:extLst>
+  </p:cSld>
+  <p:clrMapOvr>
+    <a:masterClrMapping/>
+  </p:clrMapOvr>
+</p:notes>
+</file>
+
+<file path=ppt/notesSlides/notesSlide15.xml><?xml version="1.0" encoding="utf-8"?>
+<p:notes xmlns:a="http://schemas.openxmlformats.org/drawingml/2006/main" xmlns:r="http://schemas.openxmlformats.org/officeDocument/2006/relationships" xmlns:p="http://schemas.openxmlformats.org/presentationml/2006/main">
+  <p:cSld>
+    <p:spTree>
+      <p:nvGrpSpPr>
+        <p:cNvPr id="1" name=""/>
+        <p:cNvGrpSpPr/>
+        <p:nvPr/>
+      </p:nvGrpSpPr>
+      <p:grpSpPr>
+        <a:xfrm>
+          <a:off x="0" y="0"/>
+          <a:ext cx="0" cy="0"/>
+          <a:chOff x="0" y="0"/>
+          <a:chExt cx="0" cy="0"/>
+        </a:xfrm>
+      </p:grpSpPr>
+      <p:sp>
+        <p:nvSpPr>
+          <p:cNvPr id="2" name="Slide Image Placeholder 1"/>
+          <p:cNvSpPr>
+            <a:spLocks noGrp="1" noRot="1" noChangeAspect="1"/>
+          </p:cNvSpPr>
+          <p:nvPr>
+            <p:ph type="sldImg"/>
+          </p:nvPr>
+        </p:nvSpPr>
+        <p:spPr/>
+      </p:sp>
+      <p:sp>
+        <p:nvSpPr>
+          <p:cNvPr id="3" name="Notes Placeholder 2"/>
+          <p:cNvSpPr>
+            <a:spLocks noGrp="1"/>
+          </p:cNvSpPr>
+          <p:nvPr>
+            <p:ph type="body" idx="1"/>
+          </p:nvPr>
+        </p:nvSpPr>
+        <p:spPr/>
+        <p:txBody>
+          <a:bodyPr/>
+          <a:lstStyle/>
+          <a:p>
+            <a:endParaRPr lang="en-US" altLang="zh-TW" dirty="0"/>
+          </a:p>
+        </p:txBody>
+      </p:sp>
+      <p:sp>
+        <p:nvSpPr>
+          <p:cNvPr id="4" name="Slide Number Placeholder 3"/>
+          <p:cNvSpPr>
+            <a:spLocks noGrp="1"/>
+          </p:cNvSpPr>
+          <p:nvPr>
+            <p:ph type="sldNum" sz="quarter" idx="5"/>
+          </p:nvPr>
+        </p:nvSpPr>
+        <p:spPr/>
+        <p:txBody>
+          <a:bodyPr/>
+          <a:lstStyle/>
+          <a:p>
+            <a:fld id="{50B9CB7D-C514-3544-A72A-E200086B53CC}" type="slidenum">
+              <a:rPr lang="en-TW" smtClean="0"/>
+              <a:t>20</a:t>
             </a:fld>
             <a:endParaRPr lang="en-TW"/>
           </a:p>
@@ -1136,7 +1918,7 @@
           <a:p>
             <a:fld id="{50B9CB7D-C514-3544-A72A-E200086B53CC}" type="slidenum">
               <a:rPr lang="en-TW" smtClean="0"/>
-              <a:t>9</a:t>
+              <a:t>8</a:t>
             </a:fld>
             <a:endParaRPr lang="en-TW"/>
           </a:p>
@@ -1145,7 +1927,7 @@
     </p:spTree>
     <p:extLst>
       <p:ext uri="{BB962C8B-B14F-4D97-AF65-F5344CB8AC3E}">
-        <p14:creationId xmlns:p14="http://schemas.microsoft.com/office/powerpoint/2010/main" val="905481662"/>
+        <p14:creationId xmlns:p14="http://schemas.microsoft.com/office/powerpoint/2010/main" val="1137171516"/>
       </p:ext>
     </p:extLst>
   </p:cSld>
@@ -1220,7 +2002,7 @@
           <a:p>
             <a:fld id="{50B9CB7D-C514-3544-A72A-E200086B53CC}" type="slidenum">
               <a:rPr lang="en-TW" smtClean="0"/>
-              <a:t>12</a:t>
+              <a:t>9</a:t>
             </a:fld>
             <a:endParaRPr lang="en-TW"/>
           </a:p>
@@ -1229,7 +2011,7 @@
     </p:spTree>
     <p:extLst>
       <p:ext uri="{BB962C8B-B14F-4D97-AF65-F5344CB8AC3E}">
-        <p14:creationId xmlns:p14="http://schemas.microsoft.com/office/powerpoint/2010/main" val="3805032158"/>
+        <p14:creationId xmlns:p14="http://schemas.microsoft.com/office/powerpoint/2010/main" val="97691654"/>
       </p:ext>
     </p:extLst>
   </p:cSld>
@@ -1283,448 +2065,6 @@
           <a:bodyPr/>
           <a:lstStyle/>
           <a:p>
-            <a:r>
-              <a:rPr lang="zh-TW" altLang="en-US" dirty="0"/>
-              <a:t>這個</a:t>
-            </a:r>
-            <a:r>
-              <a:rPr lang="en-US" altLang="zh-TW" dirty="0"/>
-              <a:t>`</a:t>
-            </a:r>
-            <a:r>
-              <a:rPr lang="en-US" altLang="zh-TW" dirty="0" err="1"/>
-              <a:t>MLPPredictor</a:t>
-            </a:r>
-            <a:r>
-              <a:rPr lang="en-US" altLang="zh-TW" dirty="0"/>
-              <a:t>`</a:t>
-            </a:r>
-            <a:r>
-              <a:rPr lang="zh-TW" altLang="en-US" dirty="0"/>
-              <a:t>模型是用於邊預測或稱為鏈接預測的。鏈接預測的目的是預測兩個節點之間是否存在邊。這是圖學習中的一個重要任務，被應用於許多領域，例如社交網絡中的好友推薦或蛋白質互作網絡的互作預測。</a:t>
-            </a:r>
-          </a:p>
-          <a:p>
-            <a:endParaRPr lang="zh-TW" altLang="en-US" dirty="0"/>
-          </a:p>
-          <a:p>
-            <a:r>
-              <a:rPr lang="en-US" altLang="zh-TW" dirty="0"/>
-              <a:t>1. **</a:t>
-            </a:r>
-            <a:r>
-              <a:rPr lang="zh-TW" altLang="en-US" dirty="0"/>
-              <a:t>初始化 </a:t>
-            </a:r>
-            <a:r>
-              <a:rPr lang="en-US" altLang="zh-TW" dirty="0"/>
-              <a:t>(`__</a:t>
-            </a:r>
-            <a:r>
-              <a:rPr lang="en-US" altLang="zh-TW" dirty="0" err="1"/>
-              <a:t>init</a:t>
-            </a:r>
-            <a:r>
-              <a:rPr lang="en-US" altLang="zh-TW" dirty="0"/>
-              <a:t>__` </a:t>
-            </a:r>
-            <a:r>
-              <a:rPr lang="zh-TW" altLang="en-US" dirty="0"/>
-              <a:t>方法</a:t>
-            </a:r>
-            <a:r>
-              <a:rPr lang="en-US" altLang="zh-TW" dirty="0"/>
-              <a:t>)**:</a:t>
-            </a:r>
-          </a:p>
-          <a:p>
-            <a:r>
-              <a:rPr lang="en-US" altLang="zh-TW" dirty="0"/>
-              <a:t>    - </a:t>
-            </a:r>
-            <a:r>
-              <a:rPr lang="zh-TW" altLang="en-US" dirty="0"/>
-              <a:t>定義一個全連接線性層</a:t>
-            </a:r>
-            <a:r>
-              <a:rPr lang="en-US" altLang="zh-TW" dirty="0"/>
-              <a:t>`</a:t>
-            </a:r>
-            <a:r>
-              <a:rPr lang="en-US" altLang="zh-TW" dirty="0" err="1"/>
-              <a:t>self.W</a:t>
-            </a:r>
-            <a:r>
-              <a:rPr lang="en-US" altLang="zh-TW" dirty="0"/>
-              <a:t>`</a:t>
-            </a:r>
-            <a:r>
-              <a:rPr lang="zh-TW" altLang="en-US" dirty="0"/>
-              <a:t>，其輸入特徵的大小是 </a:t>
-            </a:r>
-            <a:r>
-              <a:rPr lang="en-US" altLang="zh-TW" dirty="0"/>
-              <a:t>`</a:t>
-            </a:r>
-            <a:r>
-              <a:rPr lang="en-US" altLang="zh-TW" dirty="0" err="1"/>
-              <a:t>in_features</a:t>
-            </a:r>
-            <a:r>
-              <a:rPr lang="en-US" altLang="zh-TW" dirty="0"/>
-              <a:t> * 2`</a:t>
-            </a:r>
-            <a:r>
-              <a:rPr lang="zh-TW" altLang="en-US" dirty="0"/>
-              <a:t>。這是因為我們將來源節點</a:t>
-            </a:r>
-            <a:r>
-              <a:rPr lang="en-US" altLang="zh-TW" dirty="0"/>
-              <a:t>`</a:t>
-            </a:r>
-            <a:r>
-              <a:rPr lang="en-US" altLang="zh-TW" dirty="0" err="1"/>
-              <a:t>h_u</a:t>
-            </a:r>
-            <a:r>
-              <a:rPr lang="en-US" altLang="zh-TW" dirty="0"/>
-              <a:t>`</a:t>
-            </a:r>
-            <a:r>
-              <a:rPr lang="zh-TW" altLang="en-US" dirty="0"/>
-              <a:t>和目標節點</a:t>
-            </a:r>
-            <a:r>
-              <a:rPr lang="en-US" altLang="zh-TW" dirty="0"/>
-              <a:t>`</a:t>
-            </a:r>
-            <a:r>
-              <a:rPr lang="en-US" altLang="zh-TW" dirty="0" err="1"/>
-              <a:t>h_v</a:t>
-            </a:r>
-            <a:r>
-              <a:rPr lang="en-US" altLang="zh-TW" dirty="0"/>
-              <a:t>`</a:t>
-            </a:r>
-            <a:r>
-              <a:rPr lang="zh-TW" altLang="en-US" dirty="0"/>
-              <a:t>的表示向量拼接起來，所以尺寸變為雙倍。</a:t>
-            </a:r>
-          </a:p>
-          <a:p>
-            <a:r>
-              <a:rPr lang="zh-TW" altLang="en-US" dirty="0"/>
-              <a:t>    </a:t>
-            </a:r>
-            <a:r>
-              <a:rPr lang="en-US" altLang="zh-TW" dirty="0"/>
-              <a:t>- </a:t>
-            </a:r>
-            <a:r>
-              <a:rPr lang="zh-TW" altLang="en-US" dirty="0"/>
-              <a:t>輸出的尺寸是 </a:t>
-            </a:r>
-            <a:r>
-              <a:rPr lang="en-US" altLang="zh-TW" dirty="0"/>
-              <a:t>`</a:t>
-            </a:r>
-            <a:r>
-              <a:rPr lang="en-US" altLang="zh-TW" dirty="0" err="1"/>
-              <a:t>out_classes</a:t>
-            </a:r>
-            <a:r>
-              <a:rPr lang="en-US" altLang="zh-TW" dirty="0"/>
-              <a:t>`</a:t>
-            </a:r>
-            <a:r>
-              <a:rPr lang="zh-TW" altLang="en-US" dirty="0"/>
-              <a:t>，這對應於邊的類別數量。</a:t>
-            </a:r>
-          </a:p>
-          <a:p>
-            <a:endParaRPr lang="zh-TW" altLang="en-US" dirty="0"/>
-          </a:p>
-          <a:p>
-            <a:r>
-              <a:rPr lang="en-US" altLang="zh-TW" dirty="0"/>
-              <a:t>2. **</a:t>
-            </a:r>
-            <a:r>
-              <a:rPr lang="en-US" altLang="zh-TW" dirty="0" err="1"/>
-              <a:t>apply_edges</a:t>
-            </a:r>
-            <a:r>
-              <a:rPr lang="en-US" altLang="zh-TW" dirty="0"/>
-              <a:t> </a:t>
-            </a:r>
-            <a:r>
-              <a:rPr lang="zh-TW" altLang="en-US" dirty="0"/>
-              <a:t>方法**</a:t>
-            </a:r>
-            <a:r>
-              <a:rPr lang="en-US" altLang="zh-TW" dirty="0"/>
-              <a:t>:</a:t>
-            </a:r>
-          </a:p>
-          <a:p>
-            <a:r>
-              <a:rPr lang="en-US" altLang="zh-TW" dirty="0"/>
-              <a:t>    - </a:t>
-            </a:r>
-            <a:r>
-              <a:rPr lang="zh-TW" altLang="en-US" dirty="0"/>
-              <a:t>這個方法的作用是為圖中的每一條邊計算一個</a:t>
-            </a:r>
-            <a:r>
-              <a:rPr lang="en-US" altLang="zh-TW" dirty="0"/>
-              <a:t>'score'</a:t>
-            </a:r>
-            <a:r>
-              <a:rPr lang="zh-TW" altLang="en-US" dirty="0"/>
-              <a:t>。這個</a:t>
-            </a:r>
-            <a:r>
-              <a:rPr lang="en-US" altLang="zh-TW" dirty="0"/>
-              <a:t>'score'</a:t>
-            </a:r>
-            <a:r>
-              <a:rPr lang="zh-TW" altLang="en-US" dirty="0"/>
-              <a:t>可以被解釋為邊的類別。</a:t>
-            </a:r>
-          </a:p>
-          <a:p>
-            <a:r>
-              <a:rPr lang="zh-TW" altLang="en-US" dirty="0"/>
-              <a:t>    </a:t>
-            </a:r>
-            <a:r>
-              <a:rPr lang="en-US" altLang="zh-TW" dirty="0"/>
-              <a:t>- </a:t>
-            </a:r>
-            <a:r>
-              <a:rPr lang="zh-TW" altLang="en-US" dirty="0"/>
-              <a:t>它首先從圖中提取來源節點</a:t>
-            </a:r>
-            <a:r>
-              <a:rPr lang="en-US" altLang="zh-TW" dirty="0"/>
-              <a:t>`</a:t>
-            </a:r>
-            <a:r>
-              <a:rPr lang="en-US" altLang="zh-TW" dirty="0" err="1"/>
-              <a:t>h_u</a:t>
-            </a:r>
-            <a:r>
-              <a:rPr lang="en-US" altLang="zh-TW" dirty="0"/>
-              <a:t>`</a:t>
-            </a:r>
-            <a:r>
-              <a:rPr lang="zh-TW" altLang="en-US" dirty="0"/>
-              <a:t>和目標節點</a:t>
-            </a:r>
-            <a:r>
-              <a:rPr lang="en-US" altLang="zh-TW" dirty="0"/>
-              <a:t>`</a:t>
-            </a:r>
-            <a:r>
-              <a:rPr lang="en-US" altLang="zh-TW" dirty="0" err="1"/>
-              <a:t>h_v</a:t>
-            </a:r>
-            <a:r>
-              <a:rPr lang="en-US" altLang="zh-TW" dirty="0"/>
-              <a:t>`</a:t>
-            </a:r>
-            <a:r>
-              <a:rPr lang="zh-TW" altLang="en-US" dirty="0"/>
-              <a:t>的表示向量。</a:t>
-            </a:r>
-          </a:p>
-          <a:p>
-            <a:r>
-              <a:rPr lang="zh-TW" altLang="en-US" dirty="0"/>
-              <a:t>    </a:t>
-            </a:r>
-            <a:r>
-              <a:rPr lang="en-US" altLang="zh-TW" dirty="0"/>
-              <a:t>- </a:t>
-            </a:r>
-            <a:r>
-              <a:rPr lang="zh-TW" altLang="en-US" dirty="0"/>
-              <a:t>接著，它將這兩個表示向量拼接起來，並通過</a:t>
-            </a:r>
-            <a:r>
-              <a:rPr lang="en-US" altLang="zh-TW" dirty="0"/>
-              <a:t>`</a:t>
-            </a:r>
-            <a:r>
-              <a:rPr lang="en-US" altLang="zh-TW" dirty="0" err="1"/>
-              <a:t>self.W</a:t>
-            </a:r>
-            <a:r>
-              <a:rPr lang="en-US" altLang="zh-TW" dirty="0"/>
-              <a:t>`</a:t>
-            </a:r>
-            <a:r>
-              <a:rPr lang="zh-TW" altLang="en-US" dirty="0"/>
-              <a:t>線性層計算</a:t>
-            </a:r>
-            <a:r>
-              <a:rPr lang="en-US" altLang="zh-TW" dirty="0"/>
-              <a:t>'score'</a:t>
-            </a:r>
-            <a:r>
-              <a:rPr lang="zh-TW" altLang="en-US" dirty="0"/>
-              <a:t>。</a:t>
-            </a:r>
-          </a:p>
-          <a:p>
-            <a:endParaRPr lang="zh-TW" altLang="en-US" dirty="0"/>
-          </a:p>
-          <a:p>
-            <a:r>
-              <a:rPr lang="en-US" altLang="zh-TW" dirty="0"/>
-              <a:t>3. **</a:t>
-            </a:r>
-            <a:r>
-              <a:rPr lang="zh-TW" altLang="en-US" dirty="0"/>
-              <a:t>前向方法 </a:t>
-            </a:r>
-            <a:r>
-              <a:rPr lang="en-US" altLang="zh-TW" dirty="0"/>
-              <a:t>(`forward`)**:</a:t>
-            </a:r>
-          </a:p>
-          <a:p>
-            <a:r>
-              <a:rPr lang="en-US" altLang="zh-TW" dirty="0"/>
-              <a:t>    - </a:t>
-            </a:r>
-            <a:r>
-              <a:rPr lang="zh-TW" altLang="en-US" dirty="0"/>
-              <a:t>接收一個圖和它的節點表示</a:t>
-            </a:r>
-            <a:r>
-              <a:rPr lang="en-US" altLang="zh-TW" dirty="0"/>
-              <a:t>`h`</a:t>
-            </a:r>
-            <a:r>
-              <a:rPr lang="zh-TW" altLang="en-US" dirty="0"/>
-              <a:t>。</a:t>
-            </a:r>
-          </a:p>
-          <a:p>
-            <a:r>
-              <a:rPr lang="zh-TW" altLang="en-US" dirty="0"/>
-              <a:t>    </a:t>
-            </a:r>
-            <a:r>
-              <a:rPr lang="en-US" altLang="zh-TW" dirty="0"/>
-              <a:t>- </a:t>
-            </a:r>
-            <a:r>
-              <a:rPr lang="zh-TW" altLang="en-US" dirty="0"/>
-              <a:t>它將這些節點表示設定為圖的節點數據。</a:t>
-            </a:r>
-          </a:p>
-          <a:p>
-            <a:r>
-              <a:rPr lang="zh-TW" altLang="en-US" dirty="0"/>
-              <a:t>    </a:t>
-            </a:r>
-            <a:r>
-              <a:rPr lang="en-US" altLang="zh-TW" dirty="0"/>
-              <a:t>- </a:t>
-            </a:r>
-            <a:r>
-              <a:rPr lang="zh-TW" altLang="en-US" dirty="0"/>
-              <a:t>使用</a:t>
-            </a:r>
-            <a:r>
-              <a:rPr lang="en-US" altLang="zh-TW" dirty="0"/>
-              <a:t>`</a:t>
-            </a:r>
-            <a:r>
-              <a:rPr lang="en-US" altLang="zh-TW" dirty="0" err="1"/>
-              <a:t>apply_edges</a:t>
-            </a:r>
-            <a:r>
-              <a:rPr lang="en-US" altLang="zh-TW" dirty="0"/>
-              <a:t>`</a:t>
-            </a:r>
-            <a:r>
-              <a:rPr lang="zh-TW" altLang="en-US" dirty="0"/>
-              <a:t>方法為圖中的每一條邊計算一個</a:t>
-            </a:r>
-            <a:r>
-              <a:rPr lang="en-US" altLang="zh-TW" dirty="0"/>
-              <a:t>'score'</a:t>
-            </a:r>
-            <a:r>
-              <a:rPr lang="zh-TW" altLang="en-US" dirty="0"/>
-              <a:t>。</a:t>
-            </a:r>
-          </a:p>
-          <a:p>
-            <a:r>
-              <a:rPr lang="zh-TW" altLang="en-US" dirty="0"/>
-              <a:t>    </a:t>
-            </a:r>
-            <a:r>
-              <a:rPr lang="en-US" altLang="zh-TW" dirty="0"/>
-              <a:t>- </a:t>
-            </a:r>
-            <a:r>
-              <a:rPr lang="zh-TW" altLang="en-US" dirty="0"/>
-              <a:t>返回邊的</a:t>
-            </a:r>
-            <a:r>
-              <a:rPr lang="en-US" altLang="zh-TW" dirty="0"/>
-              <a:t>'score'</a:t>
-            </a:r>
-            <a:r>
-              <a:rPr lang="zh-TW" altLang="en-US" dirty="0"/>
-              <a:t>。</a:t>
-            </a:r>
-          </a:p>
-          <a:p>
-            <a:endParaRPr lang="zh-TW" altLang="en-US" dirty="0"/>
-          </a:p>
-          <a:p>
-            <a:r>
-              <a:rPr lang="zh-TW" altLang="en-US" dirty="0"/>
-              <a:t>總之，</a:t>
-            </a:r>
-            <a:r>
-              <a:rPr lang="en-US" altLang="zh-TW" dirty="0"/>
-              <a:t>`</a:t>
-            </a:r>
-            <a:r>
-              <a:rPr lang="en-US" altLang="zh-TW" dirty="0" err="1"/>
-              <a:t>MLPPredictor</a:t>
-            </a:r>
-            <a:r>
-              <a:rPr lang="en-US" altLang="zh-TW" dirty="0"/>
-              <a:t>`</a:t>
-            </a:r>
-            <a:r>
-              <a:rPr lang="zh-TW" altLang="en-US" dirty="0"/>
-              <a:t>使用來源和目標節點的表示計算圖中每一條邊的</a:t>
-            </a:r>
-            <a:r>
-              <a:rPr lang="en-US" altLang="zh-TW" dirty="0"/>
-              <a:t>'score'</a:t>
-            </a:r>
-            <a:r>
-              <a:rPr lang="zh-TW" altLang="en-US" dirty="0"/>
-              <a:t>，這些</a:t>
-            </a:r>
-            <a:r>
-              <a:rPr lang="en-US" altLang="zh-TW" dirty="0"/>
-              <a:t>'score'</a:t>
-            </a:r>
-            <a:r>
-              <a:rPr lang="zh-TW" altLang="en-US" dirty="0"/>
-              <a:t>可以用於邊的預測任務。</a:t>
-            </a:r>
             <a:endParaRPr lang="en-US" altLang="zh-TW" dirty="0"/>
           </a:p>
         </p:txBody>
@@ -1746,7 +2086,7 @@
           <a:p>
             <a:fld id="{50B9CB7D-C514-3544-A72A-E200086B53CC}" type="slidenum">
               <a:rPr lang="en-TW" smtClean="0"/>
-              <a:t>13</a:t>
+              <a:t>10</a:t>
             </a:fld>
             <a:endParaRPr lang="en-TW"/>
           </a:p>
@@ -1755,7 +2095,7 @@
     </p:spTree>
     <p:extLst>
       <p:ext uri="{BB962C8B-B14F-4D97-AF65-F5344CB8AC3E}">
-        <p14:creationId xmlns:p14="http://schemas.microsoft.com/office/powerpoint/2010/main" val="3672188344"/>
+        <p14:creationId xmlns:p14="http://schemas.microsoft.com/office/powerpoint/2010/main" val="1641955452"/>
       </p:ext>
     </p:extLst>
   </p:cSld>
@@ -1830,7 +2170,7 @@
           <a:p>
             <a:fld id="{50B9CB7D-C514-3544-A72A-E200086B53CC}" type="slidenum">
               <a:rPr lang="en-TW" smtClean="0"/>
-              <a:t>14</a:t>
+              <a:t>12</a:t>
             </a:fld>
             <a:endParaRPr lang="en-TW"/>
           </a:p>
@@ -1839,7 +2179,7 @@
     </p:spTree>
     <p:extLst>
       <p:ext uri="{BB962C8B-B14F-4D97-AF65-F5344CB8AC3E}">
-        <p14:creationId xmlns:p14="http://schemas.microsoft.com/office/powerpoint/2010/main" val="1815942656"/>
+        <p14:creationId xmlns:p14="http://schemas.microsoft.com/office/powerpoint/2010/main" val="905481662"/>
       </p:ext>
     </p:extLst>
   </p:cSld>
@@ -1998,7 +2338,7 @@
           <a:p>
             <a:fld id="{A3414EF8-F8EE-1948-B7F8-CDE2BA55EBA3}" type="datetime1">
               <a:rPr lang="en-US" smtClean="0"/>
-              <a:t>10/17/23</a:t>
+              <a:t>10/19/23</a:t>
             </a:fld>
             <a:endParaRPr lang="en-TW"/>
           </a:p>
@@ -2198,7 +2538,7 @@
           <a:p>
             <a:fld id="{A73D7AD7-2116-5A41-8EDE-6BB6E81970E0}" type="datetime1">
               <a:rPr lang="en-US" smtClean="0"/>
-              <a:t>10/17/23</a:t>
+              <a:t>10/19/23</a:t>
             </a:fld>
             <a:endParaRPr lang="en-TW"/>
           </a:p>
@@ -2408,7 +2748,7 @@
           <a:p>
             <a:fld id="{F8B54AFA-ACA5-D643-AFA2-7E457DD24DF7}" type="datetime1">
               <a:rPr lang="en-US" smtClean="0"/>
-              <a:t>10/17/23</a:t>
+              <a:t>10/19/23</a:t>
             </a:fld>
             <a:endParaRPr lang="en-TW"/>
           </a:p>
@@ -2608,7 +2948,7 @@
           <a:p>
             <a:fld id="{9D5A1D64-0D43-8343-8F3E-0CF7D359B229}" type="datetime1">
               <a:rPr lang="en-US" smtClean="0"/>
-              <a:t>10/17/23</a:t>
+              <a:t>10/19/23</a:t>
             </a:fld>
             <a:endParaRPr lang="en-TW"/>
           </a:p>
@@ -2884,7 +3224,7 @@
           <a:p>
             <a:fld id="{7AADA2B9-C19E-4847-96A2-4C98048AC6CB}" type="datetime1">
               <a:rPr lang="en-US" smtClean="0"/>
-              <a:t>10/17/23</a:t>
+              <a:t>10/19/23</a:t>
             </a:fld>
             <a:endParaRPr lang="en-TW"/>
           </a:p>
@@ -3152,7 +3492,7 @@
           <a:p>
             <a:fld id="{6B0934B1-02FE-FD4D-9B2E-AB7942E9D2EE}" type="datetime1">
               <a:rPr lang="en-US" smtClean="0"/>
-              <a:t>10/17/23</a:t>
+              <a:t>10/19/23</a:t>
             </a:fld>
             <a:endParaRPr lang="en-TW"/>
           </a:p>
@@ -3567,7 +3907,7 @@
           <a:p>
             <a:fld id="{3ECB55BE-0370-354B-B7DC-74287DCA0691}" type="datetime1">
               <a:rPr lang="en-US" smtClean="0"/>
-              <a:t>10/17/23</a:t>
+              <a:t>10/19/23</a:t>
             </a:fld>
             <a:endParaRPr lang="en-TW"/>
           </a:p>
@@ -3709,7 +4049,7 @@
           <a:p>
             <a:fld id="{39E9E947-CD42-C640-AA68-FF39D56394B9}" type="datetime1">
               <a:rPr lang="en-US" smtClean="0"/>
-              <a:t>10/17/23</a:t>
+              <a:t>10/19/23</a:t>
             </a:fld>
             <a:endParaRPr lang="en-TW"/>
           </a:p>
@@ -3822,7 +4162,7 @@
           <a:p>
             <a:fld id="{B3588767-BFAB-074B-897C-98257EF1C28A}" type="datetime1">
               <a:rPr lang="en-US" smtClean="0"/>
-              <a:t>10/17/23</a:t>
+              <a:t>10/19/23</a:t>
             </a:fld>
             <a:endParaRPr lang="en-TW"/>
           </a:p>
@@ -4135,7 +4475,7 @@
           <a:p>
             <a:fld id="{B6DC1063-3940-FF48-A04A-958D086D794C}" type="datetime1">
               <a:rPr lang="en-US" smtClean="0"/>
-              <a:t>10/17/23</a:t>
+              <a:t>10/19/23</a:t>
             </a:fld>
             <a:endParaRPr lang="en-TW"/>
           </a:p>
@@ -4424,7 +4764,7 @@
           <a:p>
             <a:fld id="{DDCCE3AD-49F2-434D-BD1B-37AEE374DAF5}" type="datetime1">
               <a:rPr lang="en-US" smtClean="0"/>
-              <a:t>10/17/23</a:t>
+              <a:t>10/19/23</a:t>
             </a:fld>
             <a:endParaRPr lang="en-TW"/>
           </a:p>
@@ -4667,7 +5007,7 @@
           <a:p>
             <a:fld id="{C44A6C80-6E0D-374C-9F82-A170BB459CEA}" type="datetime1">
               <a:rPr lang="en-US" smtClean="0"/>
-              <a:t>10/17/23</a:t>
+              <a:t>10/19/23</a:t>
             </a:fld>
             <a:endParaRPr lang="en-TW"/>
           </a:p>
@@ -5220,10 +5560,43 @@
       </p:grpSpPr>
       <p:sp>
         <p:nvSpPr>
+          <p:cNvPr id="2" name="Title 1">
+            <a:extLst>
+              <a:ext uri="{FF2B5EF4-FFF2-40B4-BE49-F238E27FC236}">
+                <a16:creationId xmlns:a16="http://schemas.microsoft.com/office/drawing/2014/main" id="{2B533BED-E48C-5E7F-2273-C55CCE98516B}"/>
+              </a:ext>
+            </a:extLst>
+          </p:cNvPr>
+          <p:cNvSpPr>
+            <a:spLocks noGrp="1"/>
+          </p:cNvSpPr>
+          <p:nvPr>
+            <p:ph type="title"/>
+          </p:nvPr>
+        </p:nvSpPr>
+        <p:spPr>
+          <a:xfrm>
+            <a:off x="432987" y="194991"/>
+            <a:ext cx="10515600" cy="1325563"/>
+          </a:xfrm>
+        </p:spPr>
+        <p:txBody>
+          <a:bodyPr/>
+          <a:lstStyle/>
+          <a:p>
+            <a:r>
+              <a:rPr lang="en-TW" b="1" dirty="0"/>
+              <a:t>Experiment 3 - Oversampling</a:t>
+            </a:r>
+          </a:p>
+        </p:txBody>
+      </p:sp>
+      <p:sp>
+        <p:nvSpPr>
           <p:cNvPr id="4" name="Slide Number Placeholder 3">
             <a:extLst>
               <a:ext uri="{FF2B5EF4-FFF2-40B4-BE49-F238E27FC236}">
-                <a16:creationId xmlns:a16="http://schemas.microsoft.com/office/drawing/2014/main" id="{2BC4D631-FD05-0882-9331-7401BF92027E}"/>
+                <a16:creationId xmlns:a16="http://schemas.microsoft.com/office/drawing/2014/main" id="{5CD44B9F-7DE8-0932-BD70-B0BA453E653B}"/>
               </a:ext>
             </a:extLst>
           </p:cNvPr>
@@ -5243,47 +5616,14 @@
               <a:rPr lang="en-TW" smtClean="0"/>
               <a:t>10</a:t>
             </a:fld>
-            <a:endParaRPr lang="en-TW"/>
-          </a:p>
-        </p:txBody>
-      </p:sp>
-      <p:sp>
-        <p:nvSpPr>
-          <p:cNvPr id="5" name="Title 4">
-            <a:extLst>
-              <a:ext uri="{FF2B5EF4-FFF2-40B4-BE49-F238E27FC236}">
-                <a16:creationId xmlns:a16="http://schemas.microsoft.com/office/drawing/2014/main" id="{FD89D94C-6796-FFAC-888D-5EC2B2407BC6}"/>
-              </a:ext>
-            </a:extLst>
-          </p:cNvPr>
-          <p:cNvSpPr>
-            <a:spLocks noGrp="1"/>
-          </p:cNvSpPr>
-          <p:nvPr>
-            <p:ph type="ctrTitle"/>
-          </p:nvPr>
-        </p:nvSpPr>
-        <p:spPr>
-          <a:xfrm>
-            <a:off x="1524000" y="1484970"/>
-            <a:ext cx="9144000" cy="2387600"/>
-          </a:xfrm>
-        </p:spPr>
-        <p:txBody>
-          <a:bodyPr/>
-          <a:lstStyle/>
-          <a:p>
-            <a:r>
-              <a:rPr lang="en-TW" b="1" dirty="0"/>
-              <a:t>Thanks!!</a:t>
-            </a:r>
+            <a:endParaRPr lang="en-TW" dirty="0"/>
           </a:p>
         </p:txBody>
       </p:sp>
     </p:spTree>
     <p:extLst>
       <p:ext uri="{BB962C8B-B14F-4D97-AF65-F5344CB8AC3E}">
-        <p14:creationId xmlns:p14="http://schemas.microsoft.com/office/powerpoint/2010/main" val="2872018066"/>
+        <p14:creationId xmlns:p14="http://schemas.microsoft.com/office/powerpoint/2010/main" val="3479373269"/>
       </p:ext>
     </p:extLst>
   </p:cSld>
@@ -5324,6 +5664,44 @@
       </p:grpSpPr>
       <p:sp>
         <p:nvSpPr>
+          <p:cNvPr id="2" name="Title 1">
+            <a:extLst>
+              <a:ext uri="{FF2B5EF4-FFF2-40B4-BE49-F238E27FC236}">
+                <a16:creationId xmlns:a16="http://schemas.microsoft.com/office/drawing/2014/main" id="{2D1F1D5D-BC21-FE6C-199A-114DD8A93B70}"/>
+              </a:ext>
+            </a:extLst>
+          </p:cNvPr>
+          <p:cNvSpPr>
+            <a:spLocks noGrp="1"/>
+          </p:cNvSpPr>
+          <p:nvPr>
+            <p:ph type="ctrTitle"/>
+          </p:nvPr>
+        </p:nvSpPr>
+        <p:spPr>
+          <a:xfrm>
+            <a:off x="1524000" y="1566037"/>
+            <a:ext cx="9144000" cy="2387600"/>
+          </a:xfrm>
+        </p:spPr>
+        <p:txBody>
+          <a:bodyPr/>
+          <a:lstStyle/>
+          <a:p>
+            <a:pPr>
+              <a:lnSpc>
+                <a:spcPct val="110000"/>
+              </a:lnSpc>
+            </a:pPr>
+            <a:r>
+              <a:rPr lang="en-TW" b="1" dirty="0"/>
+              <a:t>Future Work</a:t>
+            </a:r>
+          </a:p>
+        </p:txBody>
+      </p:sp>
+      <p:sp>
+        <p:nvSpPr>
           <p:cNvPr id="4" name="Slide Number Placeholder 3">
             <a:extLst>
               <a:ext uri="{FF2B5EF4-FFF2-40B4-BE49-F238E27FC236}">
@@ -5351,43 +5729,10 @@
           </a:p>
         </p:txBody>
       </p:sp>
-      <p:sp>
-        <p:nvSpPr>
-          <p:cNvPr id="5" name="Title 4">
-            <a:extLst>
-              <a:ext uri="{FF2B5EF4-FFF2-40B4-BE49-F238E27FC236}">
-                <a16:creationId xmlns:a16="http://schemas.microsoft.com/office/drawing/2014/main" id="{FD89D94C-6796-FFAC-888D-5EC2B2407BC6}"/>
-              </a:ext>
-            </a:extLst>
-          </p:cNvPr>
-          <p:cNvSpPr>
-            <a:spLocks noGrp="1"/>
-          </p:cNvSpPr>
-          <p:nvPr>
-            <p:ph type="ctrTitle"/>
-          </p:nvPr>
-        </p:nvSpPr>
-        <p:spPr>
-          <a:xfrm>
-            <a:off x="1524000" y="1484970"/>
-            <a:ext cx="9144000" cy="2387600"/>
-          </a:xfrm>
-        </p:spPr>
-        <p:txBody>
-          <a:bodyPr/>
-          <a:lstStyle/>
-          <a:p>
-            <a:r>
-              <a:rPr lang="en-TW" b="1" dirty="0"/>
-              <a:t>Appendix</a:t>
-            </a:r>
-          </a:p>
-        </p:txBody>
-      </p:sp>
     </p:spTree>
     <p:extLst>
       <p:ext uri="{BB962C8B-B14F-4D97-AF65-F5344CB8AC3E}">
-        <p14:creationId xmlns:p14="http://schemas.microsoft.com/office/powerpoint/2010/main" val="854643436"/>
+        <p14:creationId xmlns:p14="http://schemas.microsoft.com/office/powerpoint/2010/main" val="2403544732"/>
       </p:ext>
     </p:extLst>
   </p:cSld>
@@ -5444,6 +5789,563 @@
         </p:nvSpPr>
         <p:spPr>
           <a:xfrm>
+            <a:off x="374904" y="319088"/>
+            <a:ext cx="10515600" cy="1325563"/>
+          </a:xfrm>
+        </p:spPr>
+        <p:txBody>
+          <a:bodyPr/>
+          <a:lstStyle/>
+          <a:p>
+            <a:r>
+              <a:rPr lang="en-TW" b="1" dirty="0"/>
+              <a:t>Future Work</a:t>
+            </a:r>
+          </a:p>
+        </p:txBody>
+      </p:sp>
+      <p:sp>
+        <p:nvSpPr>
+          <p:cNvPr id="3" name="Content Placeholder 2">
+            <a:extLst>
+              <a:ext uri="{FF2B5EF4-FFF2-40B4-BE49-F238E27FC236}">
+                <a16:creationId xmlns:a16="http://schemas.microsoft.com/office/drawing/2014/main" id="{25B0A74B-6281-327F-44E6-1E41A778AF7E}"/>
+              </a:ext>
+            </a:extLst>
+          </p:cNvPr>
+          <p:cNvSpPr>
+            <a:spLocks noGrp="1"/>
+          </p:cNvSpPr>
+          <p:nvPr>
+            <p:ph idx="1"/>
+          </p:nvPr>
+        </p:nvSpPr>
+        <p:spPr>
+          <a:xfrm>
+            <a:off x="695678" y="1706032"/>
+            <a:ext cx="10800644" cy="4832880"/>
+          </a:xfrm>
+        </p:spPr>
+        <p:txBody>
+          <a:bodyPr>
+            <a:normAutofit/>
+          </a:bodyPr>
+          <a:lstStyle/>
+          <a:p>
+            <a:pPr>
+              <a:lnSpc>
+                <a:spcPct val="110000"/>
+              </a:lnSpc>
+            </a:pPr>
+            <a:r>
+              <a:rPr lang="en-TW" b="1" dirty="0"/>
+              <a:t>GNN</a:t>
+            </a:r>
+          </a:p>
+          <a:p>
+            <a:pPr lvl="1">
+              <a:lnSpc>
+                <a:spcPct val="110000"/>
+              </a:lnSpc>
+            </a:pPr>
+            <a:r>
+              <a:rPr lang="en-US" dirty="0"/>
+              <a:t>Try some other methods to improve the performance of single triplet issue</a:t>
+            </a:r>
+          </a:p>
+          <a:p>
+            <a:pPr lvl="2">
+              <a:lnSpc>
+                <a:spcPct val="110000"/>
+              </a:lnSpc>
+            </a:pPr>
+            <a:r>
+              <a:rPr lang="en-US" dirty="0"/>
+              <a:t>Maybe try some other embeddings?</a:t>
+            </a:r>
+          </a:p>
+          <a:p>
+            <a:pPr lvl="2">
+              <a:lnSpc>
+                <a:spcPct val="110000"/>
+              </a:lnSpc>
+            </a:pPr>
+            <a:r>
+              <a:rPr lang="en-US" dirty="0"/>
+              <a:t>Maybe try some other models?</a:t>
+            </a:r>
+          </a:p>
+          <a:p>
+            <a:pPr lvl="2">
+              <a:lnSpc>
+                <a:spcPct val="110000"/>
+              </a:lnSpc>
+            </a:pPr>
+            <a:r>
+              <a:rPr lang="en-US" dirty="0"/>
+              <a:t>Maybe try some data augmentation methods?</a:t>
+            </a:r>
+          </a:p>
+          <a:p>
+            <a:pPr lvl="2">
+              <a:lnSpc>
+                <a:spcPct val="110000"/>
+              </a:lnSpc>
+            </a:pPr>
+            <a:r>
+              <a:rPr lang="en-US" dirty="0"/>
+              <a:t>…</a:t>
+            </a:r>
+          </a:p>
+          <a:p>
+            <a:pPr lvl="2">
+              <a:lnSpc>
+                <a:spcPct val="110000"/>
+              </a:lnSpc>
+            </a:pPr>
+            <a:endParaRPr lang="en-TW" dirty="0"/>
+          </a:p>
+          <a:p>
+            <a:pPr marL="0" indent="0">
+              <a:lnSpc>
+                <a:spcPct val="110000"/>
+              </a:lnSpc>
+              <a:buNone/>
+            </a:pPr>
+            <a:endParaRPr lang="en-TW" dirty="0"/>
+          </a:p>
+        </p:txBody>
+      </p:sp>
+      <p:sp>
+        <p:nvSpPr>
+          <p:cNvPr id="4" name="Slide Number Placeholder 3">
+            <a:extLst>
+              <a:ext uri="{FF2B5EF4-FFF2-40B4-BE49-F238E27FC236}">
+                <a16:creationId xmlns:a16="http://schemas.microsoft.com/office/drawing/2014/main" id="{5CD44B9F-7DE8-0932-BD70-B0BA453E653B}"/>
+              </a:ext>
+            </a:extLst>
+          </p:cNvPr>
+          <p:cNvSpPr>
+            <a:spLocks noGrp="1"/>
+          </p:cNvSpPr>
+          <p:nvPr>
+            <p:ph type="sldNum" sz="quarter" idx="12"/>
+          </p:nvPr>
+        </p:nvSpPr>
+        <p:spPr/>
+        <p:txBody>
+          <a:bodyPr/>
+          <a:lstStyle/>
+          <a:p>
+            <a:fld id="{DB156E10-B3DB-CB42-894C-E44038C8B0C4}" type="slidenum">
+              <a:rPr lang="en-TW" smtClean="0"/>
+              <a:t>12</a:t>
+            </a:fld>
+            <a:endParaRPr lang="en-TW"/>
+          </a:p>
+        </p:txBody>
+      </p:sp>
+    </p:spTree>
+    <p:extLst>
+      <p:ext uri="{BB962C8B-B14F-4D97-AF65-F5344CB8AC3E}">
+        <p14:creationId xmlns:p14="http://schemas.microsoft.com/office/powerpoint/2010/main" val="2421199054"/>
+      </p:ext>
+    </p:extLst>
+  </p:cSld>
+  <p:clrMapOvr>
+    <a:masterClrMapping/>
+  </p:clrMapOvr>
+  <mc:AlternateContent xmlns:mc="http://schemas.openxmlformats.org/markup-compatibility/2006" xmlns:p159="http://schemas.microsoft.com/office/powerpoint/2015/09/main">
+    <mc:Choice Requires="p159">
+      <p:transition xmlns:p14="http://schemas.microsoft.com/office/powerpoint/2010/main" spd="slow" p14:dur="2000">
+        <p159:morph option="byObject"/>
+      </p:transition>
+    </mc:Choice>
+    <mc:Fallback xmlns="">
+      <p:transition spd="slow">
+        <p:fade/>
+      </p:transition>
+    </mc:Fallback>
+  </mc:AlternateContent>
+</p:sld>
+</file>
+
+<file path=ppt/slides/slide13.xml><?xml version="1.0" encoding="utf-8"?>
+<p:sld xmlns:a="http://schemas.openxmlformats.org/drawingml/2006/main" xmlns:r="http://schemas.openxmlformats.org/officeDocument/2006/relationships" xmlns:p="http://schemas.openxmlformats.org/presentationml/2006/main">
+  <p:cSld>
+    <p:spTree>
+      <p:nvGrpSpPr>
+        <p:cNvPr id="1" name=""/>
+        <p:cNvGrpSpPr/>
+        <p:nvPr/>
+      </p:nvGrpSpPr>
+      <p:grpSpPr>
+        <a:xfrm>
+          <a:off x="0" y="0"/>
+          <a:ext cx="0" cy="0"/>
+          <a:chOff x="0" y="0"/>
+          <a:chExt cx="0" cy="0"/>
+        </a:xfrm>
+      </p:grpSpPr>
+      <p:sp>
+        <p:nvSpPr>
+          <p:cNvPr id="4" name="Slide Number Placeholder 3">
+            <a:extLst>
+              <a:ext uri="{FF2B5EF4-FFF2-40B4-BE49-F238E27FC236}">
+                <a16:creationId xmlns:a16="http://schemas.microsoft.com/office/drawing/2014/main" id="{2BC4D631-FD05-0882-9331-7401BF92027E}"/>
+              </a:ext>
+            </a:extLst>
+          </p:cNvPr>
+          <p:cNvSpPr>
+            <a:spLocks noGrp="1"/>
+          </p:cNvSpPr>
+          <p:nvPr>
+            <p:ph type="sldNum" sz="quarter" idx="12"/>
+          </p:nvPr>
+        </p:nvSpPr>
+        <p:spPr/>
+        <p:txBody>
+          <a:bodyPr/>
+          <a:lstStyle/>
+          <a:p>
+            <a:fld id="{DB156E10-B3DB-CB42-894C-E44038C8B0C4}" type="slidenum">
+              <a:rPr lang="en-TW" smtClean="0"/>
+              <a:t>13</a:t>
+            </a:fld>
+            <a:endParaRPr lang="en-TW"/>
+          </a:p>
+        </p:txBody>
+      </p:sp>
+      <p:sp>
+        <p:nvSpPr>
+          <p:cNvPr id="5" name="Title 4">
+            <a:extLst>
+              <a:ext uri="{FF2B5EF4-FFF2-40B4-BE49-F238E27FC236}">
+                <a16:creationId xmlns:a16="http://schemas.microsoft.com/office/drawing/2014/main" id="{FD89D94C-6796-FFAC-888D-5EC2B2407BC6}"/>
+              </a:ext>
+            </a:extLst>
+          </p:cNvPr>
+          <p:cNvSpPr>
+            <a:spLocks noGrp="1"/>
+          </p:cNvSpPr>
+          <p:nvPr>
+            <p:ph type="ctrTitle"/>
+          </p:nvPr>
+        </p:nvSpPr>
+        <p:spPr>
+          <a:xfrm>
+            <a:off x="1524000" y="1484970"/>
+            <a:ext cx="9144000" cy="2387600"/>
+          </a:xfrm>
+        </p:spPr>
+        <p:txBody>
+          <a:bodyPr/>
+          <a:lstStyle/>
+          <a:p>
+            <a:r>
+              <a:rPr lang="en-TW" b="1" dirty="0"/>
+              <a:t>Thanks!!</a:t>
+            </a:r>
+          </a:p>
+        </p:txBody>
+      </p:sp>
+    </p:spTree>
+    <p:extLst>
+      <p:ext uri="{BB962C8B-B14F-4D97-AF65-F5344CB8AC3E}">
+        <p14:creationId xmlns:p14="http://schemas.microsoft.com/office/powerpoint/2010/main" val="2872018066"/>
+      </p:ext>
+    </p:extLst>
+  </p:cSld>
+  <p:clrMapOvr>
+    <a:masterClrMapping/>
+  </p:clrMapOvr>
+  <mc:AlternateContent xmlns:mc="http://schemas.openxmlformats.org/markup-compatibility/2006" xmlns:p159="http://schemas.microsoft.com/office/powerpoint/2015/09/main">
+    <mc:Choice Requires="p159">
+      <p:transition xmlns:p14="http://schemas.microsoft.com/office/powerpoint/2010/main" spd="slow" p14:dur="2000">
+        <p159:morph option="byObject"/>
+      </p:transition>
+    </mc:Choice>
+    <mc:Fallback xmlns="">
+      <p:transition spd="slow">
+        <p:fade/>
+      </p:transition>
+    </mc:Fallback>
+  </mc:AlternateContent>
+</p:sld>
+</file>
+
+<file path=ppt/slides/slide14.xml><?xml version="1.0" encoding="utf-8"?>
+<p:sld xmlns:a="http://schemas.openxmlformats.org/drawingml/2006/main" xmlns:r="http://schemas.openxmlformats.org/officeDocument/2006/relationships" xmlns:p="http://schemas.openxmlformats.org/presentationml/2006/main">
+  <p:cSld>
+    <p:spTree>
+      <p:nvGrpSpPr>
+        <p:cNvPr id="1" name=""/>
+        <p:cNvGrpSpPr/>
+        <p:nvPr/>
+      </p:nvGrpSpPr>
+      <p:grpSpPr>
+        <a:xfrm>
+          <a:off x="0" y="0"/>
+          <a:ext cx="0" cy="0"/>
+          <a:chOff x="0" y="0"/>
+          <a:chExt cx="0" cy="0"/>
+        </a:xfrm>
+      </p:grpSpPr>
+      <p:sp>
+        <p:nvSpPr>
+          <p:cNvPr id="4" name="Slide Number Placeholder 3">
+            <a:extLst>
+              <a:ext uri="{FF2B5EF4-FFF2-40B4-BE49-F238E27FC236}">
+                <a16:creationId xmlns:a16="http://schemas.microsoft.com/office/drawing/2014/main" id="{2BC4D631-FD05-0882-9331-7401BF92027E}"/>
+              </a:ext>
+            </a:extLst>
+          </p:cNvPr>
+          <p:cNvSpPr>
+            <a:spLocks noGrp="1"/>
+          </p:cNvSpPr>
+          <p:nvPr>
+            <p:ph type="sldNum" sz="quarter" idx="12"/>
+          </p:nvPr>
+        </p:nvSpPr>
+        <p:spPr/>
+        <p:txBody>
+          <a:bodyPr/>
+          <a:lstStyle/>
+          <a:p>
+            <a:fld id="{DB156E10-B3DB-CB42-894C-E44038C8B0C4}" type="slidenum">
+              <a:rPr lang="en-TW" smtClean="0"/>
+              <a:t>14</a:t>
+            </a:fld>
+            <a:endParaRPr lang="en-TW"/>
+          </a:p>
+        </p:txBody>
+      </p:sp>
+      <p:sp>
+        <p:nvSpPr>
+          <p:cNvPr id="5" name="Title 4">
+            <a:extLst>
+              <a:ext uri="{FF2B5EF4-FFF2-40B4-BE49-F238E27FC236}">
+                <a16:creationId xmlns:a16="http://schemas.microsoft.com/office/drawing/2014/main" id="{FD89D94C-6796-FFAC-888D-5EC2B2407BC6}"/>
+              </a:ext>
+            </a:extLst>
+          </p:cNvPr>
+          <p:cNvSpPr>
+            <a:spLocks noGrp="1"/>
+          </p:cNvSpPr>
+          <p:nvPr>
+            <p:ph type="ctrTitle"/>
+          </p:nvPr>
+        </p:nvSpPr>
+        <p:spPr>
+          <a:xfrm>
+            <a:off x="1524000" y="1484970"/>
+            <a:ext cx="9144000" cy="2387600"/>
+          </a:xfrm>
+        </p:spPr>
+        <p:txBody>
+          <a:bodyPr/>
+          <a:lstStyle/>
+          <a:p>
+            <a:r>
+              <a:rPr lang="en-TW" b="1" dirty="0"/>
+              <a:t>Appendix</a:t>
+            </a:r>
+          </a:p>
+        </p:txBody>
+      </p:sp>
+    </p:spTree>
+    <p:extLst>
+      <p:ext uri="{BB962C8B-B14F-4D97-AF65-F5344CB8AC3E}">
+        <p14:creationId xmlns:p14="http://schemas.microsoft.com/office/powerpoint/2010/main" val="854643436"/>
+      </p:ext>
+    </p:extLst>
+  </p:cSld>
+  <p:clrMapOvr>
+    <a:masterClrMapping/>
+  </p:clrMapOvr>
+  <mc:AlternateContent xmlns:mc="http://schemas.openxmlformats.org/markup-compatibility/2006" xmlns:p159="http://schemas.microsoft.com/office/powerpoint/2015/09/main">
+    <mc:Choice Requires="p159">
+      <p:transition xmlns:p14="http://schemas.microsoft.com/office/powerpoint/2010/main" spd="slow" p14:dur="2000">
+        <p159:morph option="byObject"/>
+      </p:transition>
+    </mc:Choice>
+    <mc:Fallback xmlns="">
+      <p:transition spd="slow">
+        <p:fade/>
+      </p:transition>
+    </mc:Fallback>
+  </mc:AlternateContent>
+</p:sld>
+</file>
+
+<file path=ppt/slides/slide15.xml><?xml version="1.0" encoding="utf-8"?>
+<p:sld xmlns:a="http://schemas.openxmlformats.org/drawingml/2006/main" xmlns:r="http://schemas.openxmlformats.org/officeDocument/2006/relationships" xmlns:p="http://schemas.openxmlformats.org/presentationml/2006/main">
+  <p:cSld>
+    <p:spTree>
+      <p:nvGrpSpPr>
+        <p:cNvPr id="1" name=""/>
+        <p:cNvGrpSpPr/>
+        <p:nvPr/>
+      </p:nvGrpSpPr>
+      <p:grpSpPr>
+        <a:xfrm>
+          <a:off x="0" y="0"/>
+          <a:ext cx="0" cy="0"/>
+          <a:chOff x="0" y="0"/>
+          <a:chExt cx="0" cy="0"/>
+        </a:xfrm>
+      </p:grpSpPr>
+      <p:sp>
+        <p:nvSpPr>
+          <p:cNvPr id="2" name="Title 1">
+            <a:extLst>
+              <a:ext uri="{FF2B5EF4-FFF2-40B4-BE49-F238E27FC236}">
+                <a16:creationId xmlns:a16="http://schemas.microsoft.com/office/drawing/2014/main" id="{2B533BED-E48C-5E7F-2273-C55CCE98516B}"/>
+              </a:ext>
+            </a:extLst>
+          </p:cNvPr>
+          <p:cNvSpPr>
+            <a:spLocks noGrp="1"/>
+          </p:cNvSpPr>
+          <p:nvPr>
+            <p:ph type="title"/>
+          </p:nvPr>
+        </p:nvSpPr>
+        <p:spPr>
+          <a:xfrm>
+            <a:off x="432987" y="194991"/>
+            <a:ext cx="10515600" cy="1325563"/>
+          </a:xfrm>
+        </p:spPr>
+        <p:txBody>
+          <a:bodyPr/>
+          <a:lstStyle/>
+          <a:p>
+            <a:r>
+              <a:rPr lang="en-TW" b="1" dirty="0"/>
+              <a:t>Experiment 3 - Oversampling</a:t>
+            </a:r>
+          </a:p>
+        </p:txBody>
+      </p:sp>
+      <p:sp>
+        <p:nvSpPr>
+          <p:cNvPr id="4" name="Slide Number Placeholder 3">
+            <a:extLst>
+              <a:ext uri="{FF2B5EF4-FFF2-40B4-BE49-F238E27FC236}">
+                <a16:creationId xmlns:a16="http://schemas.microsoft.com/office/drawing/2014/main" id="{5CD44B9F-7DE8-0932-BD70-B0BA453E653B}"/>
+              </a:ext>
+            </a:extLst>
+          </p:cNvPr>
+          <p:cNvSpPr>
+            <a:spLocks noGrp="1"/>
+          </p:cNvSpPr>
+          <p:nvPr>
+            <p:ph type="sldNum" sz="quarter" idx="12"/>
+          </p:nvPr>
+        </p:nvSpPr>
+        <p:spPr/>
+        <p:txBody>
+          <a:bodyPr/>
+          <a:lstStyle/>
+          <a:p>
+            <a:fld id="{DB156E10-B3DB-CB42-894C-E44038C8B0C4}" type="slidenum">
+              <a:rPr lang="en-TW" smtClean="0"/>
+              <a:t>15</a:t>
+            </a:fld>
+            <a:endParaRPr lang="en-TW" dirty="0"/>
+          </a:p>
+        </p:txBody>
+      </p:sp>
+      <p:pic>
+        <p:nvPicPr>
+          <p:cNvPr id="6" name="Picture 5">
+            <a:extLst>
+              <a:ext uri="{FF2B5EF4-FFF2-40B4-BE49-F238E27FC236}">
+                <a16:creationId xmlns:a16="http://schemas.microsoft.com/office/drawing/2014/main" id="{54DD9437-5E6E-A571-64EE-C0FDDD62755A}"/>
+              </a:ext>
+            </a:extLst>
+          </p:cNvPr>
+          <p:cNvPicPr>
+            <a:picLocks noChangeAspect="1"/>
+          </p:cNvPicPr>
+          <p:nvPr/>
+        </p:nvPicPr>
+        <p:blipFill rotWithShape="1">
+          <a:blip r:embed="rId3"/>
+          <a:srcRect r="496" b="30478"/>
+          <a:stretch/>
+        </p:blipFill>
+        <p:spPr>
+          <a:xfrm>
+            <a:off x="116096" y="1520554"/>
+            <a:ext cx="12075904" cy="4748166"/>
+          </a:xfrm>
+          <a:prstGeom prst="rect">
+            <a:avLst/>
+          </a:prstGeom>
+        </p:spPr>
+      </p:pic>
+    </p:spTree>
+    <p:extLst>
+      <p:ext uri="{BB962C8B-B14F-4D97-AF65-F5344CB8AC3E}">
+        <p14:creationId xmlns:p14="http://schemas.microsoft.com/office/powerpoint/2010/main" val="3193152676"/>
+      </p:ext>
+    </p:extLst>
+  </p:cSld>
+  <p:clrMapOvr>
+    <a:masterClrMapping/>
+  </p:clrMapOvr>
+  <mc:AlternateContent xmlns:mc="http://schemas.openxmlformats.org/markup-compatibility/2006" xmlns:p159="http://schemas.microsoft.com/office/powerpoint/2015/09/main">
+    <mc:Choice Requires="p159">
+      <p:transition xmlns:p14="http://schemas.microsoft.com/office/powerpoint/2010/main" spd="slow" p14:dur="2000">
+        <p159:morph option="byObject"/>
+      </p:transition>
+    </mc:Choice>
+    <mc:Fallback xmlns="">
+      <p:transition spd="slow">
+        <p:fade/>
+      </p:transition>
+    </mc:Fallback>
+  </mc:AlternateContent>
+</p:sld>
+</file>
+
+<file path=ppt/slides/slide16.xml><?xml version="1.0" encoding="utf-8"?>
+<p:sld xmlns:a="http://schemas.openxmlformats.org/drawingml/2006/main" xmlns:r="http://schemas.openxmlformats.org/officeDocument/2006/relationships" xmlns:p="http://schemas.openxmlformats.org/presentationml/2006/main">
+  <p:cSld>
+    <p:spTree>
+      <p:nvGrpSpPr>
+        <p:cNvPr id="1" name=""/>
+        <p:cNvGrpSpPr/>
+        <p:nvPr/>
+      </p:nvGrpSpPr>
+      <p:grpSpPr>
+        <a:xfrm>
+          <a:off x="0" y="0"/>
+          <a:ext cx="0" cy="0"/>
+          <a:chOff x="0" y="0"/>
+          <a:chExt cx="0" cy="0"/>
+        </a:xfrm>
+      </p:grpSpPr>
+      <p:sp>
+        <p:nvSpPr>
+          <p:cNvPr id="2" name="Title 1">
+            <a:extLst>
+              <a:ext uri="{FF2B5EF4-FFF2-40B4-BE49-F238E27FC236}">
+                <a16:creationId xmlns:a16="http://schemas.microsoft.com/office/drawing/2014/main" id="{2B533BED-E48C-5E7F-2273-C55CCE98516B}"/>
+              </a:ext>
+            </a:extLst>
+          </p:cNvPr>
+          <p:cNvSpPr>
+            <a:spLocks noGrp="1"/>
+          </p:cNvSpPr>
+          <p:nvPr>
+            <p:ph type="title"/>
+          </p:nvPr>
+        </p:nvSpPr>
+        <p:spPr>
+          <a:xfrm>
             <a:off x="366079" y="273051"/>
             <a:ext cx="10515600" cy="1325563"/>
           </a:xfrm>
@@ -5482,7 +6384,7 @@
           <a:p>
             <a:fld id="{DB156E10-B3DB-CB42-894C-E44038C8B0C4}" type="slidenum">
               <a:rPr lang="en-TW" smtClean="0"/>
-              <a:t>12</a:t>
+              <a:t>16</a:t>
             </a:fld>
             <a:endParaRPr lang="en-TW" dirty="0"/>
           </a:p>
@@ -5725,7 +6627,7 @@
 </p:sld>
 </file>
 
-<file path=ppt/slides/slide13.xml><?xml version="1.0" encoding="utf-8"?>
+<file path=ppt/slides/slide17.xml><?xml version="1.0" encoding="utf-8"?>
 <p:sld xmlns:a="http://schemas.openxmlformats.org/drawingml/2006/main" xmlns:r="http://schemas.openxmlformats.org/officeDocument/2006/relationships" xmlns:p="http://schemas.openxmlformats.org/presentationml/2006/main">
   <p:cSld>
     <p:spTree>
@@ -5798,7 +6700,7 @@
           <a:p>
             <a:fld id="{DB156E10-B3DB-CB42-894C-E44038C8B0C4}" type="slidenum">
               <a:rPr lang="en-TW" smtClean="0"/>
-              <a:t>13</a:t>
+              <a:t>17</a:t>
             </a:fld>
             <a:endParaRPr lang="en-TW" dirty="0"/>
           </a:p>
@@ -5919,7 +6821,7 @@
 </p:sld>
 </file>
 
-<file path=ppt/slides/slide14.xml><?xml version="1.0" encoding="utf-8"?>
+<file path=ppt/slides/slide18.xml><?xml version="1.0" encoding="utf-8"?>
 <p:sld xmlns:a="http://schemas.openxmlformats.org/drawingml/2006/main" xmlns:r="http://schemas.openxmlformats.org/officeDocument/2006/relationships" xmlns:p="http://schemas.openxmlformats.org/presentationml/2006/main">
   <p:cSld>
     <p:spTree>
@@ -5992,7 +6894,7 @@
           <a:p>
             <a:fld id="{DB156E10-B3DB-CB42-894C-E44038C8B0C4}" type="slidenum">
               <a:rPr lang="en-TW" smtClean="0"/>
-              <a:t>14</a:t>
+              <a:t>18</a:t>
             </a:fld>
             <a:endParaRPr lang="en-TW" dirty="0"/>
           </a:p>
@@ -6510,7 +7412,7 @@
 </p:sld>
 </file>
 
-<file path=ppt/slides/slide15.xml><?xml version="1.0" encoding="utf-8"?>
+<file path=ppt/slides/slide19.xml><?xml version="1.0" encoding="utf-8"?>
 <p:sld xmlns:a="http://schemas.openxmlformats.org/drawingml/2006/main" xmlns:r="http://schemas.openxmlformats.org/officeDocument/2006/relationships" xmlns:p="http://schemas.openxmlformats.org/presentationml/2006/main">
   <p:cSld>
     <p:spTree>
@@ -6583,7 +7485,7 @@
           <a:p>
             <a:fld id="{DB156E10-B3DB-CB42-894C-E44038C8B0C4}" type="slidenum">
               <a:rPr lang="en-TW" smtClean="0"/>
-              <a:t>15</a:t>
+              <a:t>19</a:t>
             </a:fld>
             <a:endParaRPr lang="en-TW" dirty="0"/>
           </a:p>
@@ -6732,7 +7634,7 @@
 </p:sld>
 </file>
 
-<file path=ppt/slides/slide16.xml><?xml version="1.0" encoding="utf-8"?>
+<file path=ppt/slides/slide2.xml><?xml version="1.0" encoding="utf-8"?>
 <p:sld xmlns:a="http://schemas.openxmlformats.org/drawingml/2006/main" xmlns:r="http://schemas.openxmlformats.org/officeDocument/2006/relationships" xmlns:p="http://schemas.openxmlformats.org/presentationml/2006/main">
   <p:cSld>
     <p:spTree>
@@ -6754,6 +7656,205 @@
           <p:cNvPr id="2" name="Title 1">
             <a:extLst>
               <a:ext uri="{FF2B5EF4-FFF2-40B4-BE49-F238E27FC236}">
+                <a16:creationId xmlns:a16="http://schemas.microsoft.com/office/drawing/2014/main" id="{3CD19673-87E3-F155-70D6-C4176996AE62}"/>
+              </a:ext>
+            </a:extLst>
+          </p:cNvPr>
+          <p:cNvSpPr>
+            <a:spLocks noGrp="1"/>
+          </p:cNvSpPr>
+          <p:nvPr>
+            <p:ph type="title"/>
+          </p:nvPr>
+        </p:nvSpPr>
+        <p:spPr>
+          <a:xfrm>
+            <a:off x="536448" y="136525"/>
+            <a:ext cx="10515600" cy="1325563"/>
+          </a:xfrm>
+        </p:spPr>
+        <p:txBody>
+          <a:bodyPr/>
+          <a:lstStyle/>
+          <a:p>
+            <a:r>
+              <a:rPr lang="en-TW" b="1" dirty="0"/>
+              <a:t>Outline</a:t>
+            </a:r>
+          </a:p>
+        </p:txBody>
+      </p:sp>
+      <p:sp>
+        <p:nvSpPr>
+          <p:cNvPr id="3" name="Content Placeholder 2">
+            <a:extLst>
+              <a:ext uri="{FF2B5EF4-FFF2-40B4-BE49-F238E27FC236}">
+                <a16:creationId xmlns:a16="http://schemas.microsoft.com/office/drawing/2014/main" id="{B2F97F4C-A696-D3C3-AB2B-F5D8B5959A58}"/>
+              </a:ext>
+            </a:extLst>
+          </p:cNvPr>
+          <p:cNvSpPr>
+            <a:spLocks noGrp="1"/>
+          </p:cNvSpPr>
+          <p:nvPr>
+            <p:ph idx="1"/>
+          </p:nvPr>
+        </p:nvSpPr>
+        <p:spPr>
+          <a:xfrm>
+            <a:off x="838200" y="1394143"/>
+            <a:ext cx="10689336" cy="5030152"/>
+          </a:xfrm>
+        </p:spPr>
+        <p:txBody>
+          <a:bodyPr>
+            <a:normAutofit/>
+          </a:bodyPr>
+          <a:lstStyle/>
+          <a:p>
+            <a:pPr marL="457200" lvl="1" indent="0">
+              <a:lnSpc>
+                <a:spcPct val="110000"/>
+              </a:lnSpc>
+              <a:buNone/>
+            </a:pPr>
+            <a:endParaRPr lang="en-TW" b="1" dirty="0"/>
+          </a:p>
+          <a:p>
+            <a:pPr>
+              <a:lnSpc>
+                <a:spcPct val="110000"/>
+              </a:lnSpc>
+            </a:pPr>
+            <a:r>
+              <a:rPr lang="en-TW" b="1" dirty="0"/>
+              <a:t>GNN</a:t>
+            </a:r>
+          </a:p>
+          <a:p>
+            <a:pPr lvl="1">
+              <a:lnSpc>
+                <a:spcPct val="110000"/>
+              </a:lnSpc>
+            </a:pPr>
+            <a:r>
+              <a:rPr lang="en-US" b="1" dirty="0"/>
+              <a:t>H</a:t>
+            </a:r>
+            <a:r>
+              <a:rPr lang="en-TW" b="1" dirty="0"/>
+              <a:t>ow to solve the data imbalance</a:t>
+            </a:r>
+            <a:br>
+              <a:rPr lang="en-TW" b="1" dirty="0"/>
+            </a:br>
+            <a:endParaRPr lang="en-TW" b="1" dirty="0"/>
+          </a:p>
+          <a:p>
+            <a:pPr>
+              <a:lnSpc>
+                <a:spcPct val="110000"/>
+              </a:lnSpc>
+            </a:pPr>
+            <a:r>
+              <a:rPr lang="en-TW" b="1" dirty="0"/>
+              <a:t>Future Work</a:t>
+            </a:r>
+          </a:p>
+          <a:p>
+            <a:pPr>
+              <a:lnSpc>
+                <a:spcPct val="110000"/>
+              </a:lnSpc>
+            </a:pPr>
+            <a:endParaRPr lang="en-TW" dirty="0"/>
+          </a:p>
+          <a:p>
+            <a:pPr>
+              <a:lnSpc>
+                <a:spcPct val="110000"/>
+              </a:lnSpc>
+            </a:pPr>
+            <a:endParaRPr lang="en-TW" dirty="0"/>
+          </a:p>
+        </p:txBody>
+      </p:sp>
+      <p:sp>
+        <p:nvSpPr>
+          <p:cNvPr id="4" name="Slide Number Placeholder 3">
+            <a:extLst>
+              <a:ext uri="{FF2B5EF4-FFF2-40B4-BE49-F238E27FC236}">
+                <a16:creationId xmlns:a16="http://schemas.microsoft.com/office/drawing/2014/main" id="{BADFCDC4-2B6D-0898-DA05-192201896320}"/>
+              </a:ext>
+            </a:extLst>
+          </p:cNvPr>
+          <p:cNvSpPr>
+            <a:spLocks noGrp="1"/>
+          </p:cNvSpPr>
+          <p:nvPr>
+            <p:ph type="sldNum" sz="quarter" idx="12"/>
+          </p:nvPr>
+        </p:nvSpPr>
+        <p:spPr/>
+        <p:txBody>
+          <a:bodyPr/>
+          <a:lstStyle/>
+          <a:p>
+            <a:fld id="{DB156E10-B3DB-CB42-894C-E44038C8B0C4}" type="slidenum">
+              <a:rPr lang="en-TW" smtClean="0"/>
+              <a:t>2</a:t>
+            </a:fld>
+            <a:endParaRPr lang="en-TW"/>
+          </a:p>
+        </p:txBody>
+      </p:sp>
+    </p:spTree>
+    <p:extLst>
+      <p:ext uri="{BB962C8B-B14F-4D97-AF65-F5344CB8AC3E}">
+        <p14:creationId xmlns:p14="http://schemas.microsoft.com/office/powerpoint/2010/main" val="168948553"/>
+      </p:ext>
+    </p:extLst>
+  </p:cSld>
+  <p:clrMapOvr>
+    <a:masterClrMapping/>
+  </p:clrMapOvr>
+  <mc:AlternateContent xmlns:mc="http://schemas.openxmlformats.org/markup-compatibility/2006" xmlns:p159="http://schemas.microsoft.com/office/powerpoint/2015/09/main">
+    <mc:Choice Requires="p159">
+      <p:transition xmlns:p14="http://schemas.microsoft.com/office/powerpoint/2010/main" spd="slow" p14:dur="2000">
+        <p159:morph option="byObject"/>
+      </p:transition>
+    </mc:Choice>
+    <mc:Fallback xmlns="">
+      <p:transition spd="slow">
+        <p:fade/>
+      </p:transition>
+    </mc:Fallback>
+  </mc:AlternateContent>
+</p:sld>
+</file>
+
+<file path=ppt/slides/slide20.xml><?xml version="1.0" encoding="utf-8"?>
+<p:sld xmlns:a="http://schemas.openxmlformats.org/drawingml/2006/main" xmlns:r="http://schemas.openxmlformats.org/officeDocument/2006/relationships" xmlns:p="http://schemas.openxmlformats.org/presentationml/2006/main">
+  <p:cSld>
+    <p:spTree>
+      <p:nvGrpSpPr>
+        <p:cNvPr id="1" name=""/>
+        <p:cNvGrpSpPr/>
+        <p:nvPr/>
+      </p:nvGrpSpPr>
+      <p:grpSpPr>
+        <a:xfrm>
+          <a:off x="0" y="0"/>
+          <a:ext cx="0" cy="0"/>
+          <a:chOff x="0" y="0"/>
+          <a:chExt cx="0" cy="0"/>
+        </a:xfrm>
+      </p:grpSpPr>
+      <p:sp>
+        <p:nvSpPr>
+          <p:cNvPr id="2" name="Title 1">
+            <a:extLst>
+              <a:ext uri="{FF2B5EF4-FFF2-40B4-BE49-F238E27FC236}">
                 <a16:creationId xmlns:a16="http://schemas.microsoft.com/office/drawing/2014/main" id="{2B533BED-E48C-5E7F-2273-C55CCE98516B}"/>
               </a:ext>
             </a:extLst>
@@ -6805,7 +7906,7 @@
           <a:p>
             <a:fld id="{DB156E10-B3DB-CB42-894C-E44038C8B0C4}" type="slidenum">
               <a:rPr lang="en-TW" smtClean="0"/>
-              <a:t>16</a:t>
+              <a:t>20</a:t>
             </a:fld>
             <a:endParaRPr lang="en-TW" dirty="0"/>
           </a:p>
@@ -6953,205 +8054,6 @@
     <p:extLst>
       <p:ext uri="{BB962C8B-B14F-4D97-AF65-F5344CB8AC3E}">
         <p14:creationId xmlns:p14="http://schemas.microsoft.com/office/powerpoint/2010/main" val="845795305"/>
-      </p:ext>
-    </p:extLst>
-  </p:cSld>
-  <p:clrMapOvr>
-    <a:masterClrMapping/>
-  </p:clrMapOvr>
-  <mc:AlternateContent xmlns:mc="http://schemas.openxmlformats.org/markup-compatibility/2006" xmlns:p159="http://schemas.microsoft.com/office/powerpoint/2015/09/main">
-    <mc:Choice Requires="p159">
-      <p:transition xmlns:p14="http://schemas.microsoft.com/office/powerpoint/2010/main" spd="slow" p14:dur="2000">
-        <p159:morph option="byObject"/>
-      </p:transition>
-    </mc:Choice>
-    <mc:Fallback xmlns="">
-      <p:transition spd="slow">
-        <p:fade/>
-      </p:transition>
-    </mc:Fallback>
-  </mc:AlternateContent>
-</p:sld>
-</file>
-
-<file path=ppt/slides/slide2.xml><?xml version="1.0" encoding="utf-8"?>
-<p:sld xmlns:a="http://schemas.openxmlformats.org/drawingml/2006/main" xmlns:r="http://schemas.openxmlformats.org/officeDocument/2006/relationships" xmlns:p="http://schemas.openxmlformats.org/presentationml/2006/main">
-  <p:cSld>
-    <p:spTree>
-      <p:nvGrpSpPr>
-        <p:cNvPr id="1" name=""/>
-        <p:cNvGrpSpPr/>
-        <p:nvPr/>
-      </p:nvGrpSpPr>
-      <p:grpSpPr>
-        <a:xfrm>
-          <a:off x="0" y="0"/>
-          <a:ext cx="0" cy="0"/>
-          <a:chOff x="0" y="0"/>
-          <a:chExt cx="0" cy="0"/>
-        </a:xfrm>
-      </p:grpSpPr>
-      <p:sp>
-        <p:nvSpPr>
-          <p:cNvPr id="2" name="Title 1">
-            <a:extLst>
-              <a:ext uri="{FF2B5EF4-FFF2-40B4-BE49-F238E27FC236}">
-                <a16:creationId xmlns:a16="http://schemas.microsoft.com/office/drawing/2014/main" id="{3CD19673-87E3-F155-70D6-C4176996AE62}"/>
-              </a:ext>
-            </a:extLst>
-          </p:cNvPr>
-          <p:cNvSpPr>
-            <a:spLocks noGrp="1"/>
-          </p:cNvSpPr>
-          <p:nvPr>
-            <p:ph type="title"/>
-          </p:nvPr>
-        </p:nvSpPr>
-        <p:spPr>
-          <a:xfrm>
-            <a:off x="536448" y="136525"/>
-            <a:ext cx="10515600" cy="1325563"/>
-          </a:xfrm>
-        </p:spPr>
-        <p:txBody>
-          <a:bodyPr/>
-          <a:lstStyle/>
-          <a:p>
-            <a:r>
-              <a:rPr lang="en-TW" b="1" dirty="0"/>
-              <a:t>Outline</a:t>
-            </a:r>
-          </a:p>
-        </p:txBody>
-      </p:sp>
-      <p:sp>
-        <p:nvSpPr>
-          <p:cNvPr id="3" name="Content Placeholder 2">
-            <a:extLst>
-              <a:ext uri="{FF2B5EF4-FFF2-40B4-BE49-F238E27FC236}">
-                <a16:creationId xmlns:a16="http://schemas.microsoft.com/office/drawing/2014/main" id="{B2F97F4C-A696-D3C3-AB2B-F5D8B5959A58}"/>
-              </a:ext>
-            </a:extLst>
-          </p:cNvPr>
-          <p:cNvSpPr>
-            <a:spLocks noGrp="1"/>
-          </p:cNvSpPr>
-          <p:nvPr>
-            <p:ph idx="1"/>
-          </p:nvPr>
-        </p:nvSpPr>
-        <p:spPr>
-          <a:xfrm>
-            <a:off x="838200" y="1394143"/>
-            <a:ext cx="10689336" cy="5030152"/>
-          </a:xfrm>
-        </p:spPr>
-        <p:txBody>
-          <a:bodyPr>
-            <a:normAutofit/>
-          </a:bodyPr>
-          <a:lstStyle/>
-          <a:p>
-            <a:pPr marL="457200" lvl="1" indent="0">
-              <a:lnSpc>
-                <a:spcPct val="110000"/>
-              </a:lnSpc>
-              <a:buNone/>
-            </a:pPr>
-            <a:endParaRPr lang="en-TW" b="1" dirty="0"/>
-          </a:p>
-          <a:p>
-            <a:pPr>
-              <a:lnSpc>
-                <a:spcPct val="110000"/>
-              </a:lnSpc>
-            </a:pPr>
-            <a:r>
-              <a:rPr lang="en-TW" b="1" dirty="0"/>
-              <a:t>GNN</a:t>
-            </a:r>
-          </a:p>
-          <a:p>
-            <a:pPr lvl="1">
-              <a:lnSpc>
-                <a:spcPct val="110000"/>
-              </a:lnSpc>
-            </a:pPr>
-            <a:r>
-              <a:rPr lang="en-US" b="1" dirty="0"/>
-              <a:t>H</a:t>
-            </a:r>
-            <a:r>
-              <a:rPr lang="en-TW" b="1" dirty="0"/>
-              <a:t>ow to solve the data imbalance</a:t>
-            </a:r>
-            <a:br>
-              <a:rPr lang="en-TW" b="1" dirty="0"/>
-            </a:br>
-            <a:endParaRPr lang="en-TW" b="1" dirty="0"/>
-          </a:p>
-          <a:p>
-            <a:pPr>
-              <a:lnSpc>
-                <a:spcPct val="110000"/>
-              </a:lnSpc>
-            </a:pPr>
-            <a:r>
-              <a:rPr lang="en-TW" b="1" dirty="0"/>
-              <a:t>Future Work</a:t>
-            </a:r>
-          </a:p>
-          <a:p>
-            <a:pPr>
-              <a:lnSpc>
-                <a:spcPct val="110000"/>
-              </a:lnSpc>
-            </a:pPr>
-            <a:endParaRPr lang="en-TW" dirty="0"/>
-          </a:p>
-          <a:p>
-            <a:pPr>
-              <a:lnSpc>
-                <a:spcPct val="110000"/>
-              </a:lnSpc>
-            </a:pPr>
-            <a:endParaRPr lang="en-TW" dirty="0"/>
-          </a:p>
-        </p:txBody>
-      </p:sp>
-      <p:sp>
-        <p:nvSpPr>
-          <p:cNvPr id="4" name="Slide Number Placeholder 3">
-            <a:extLst>
-              <a:ext uri="{FF2B5EF4-FFF2-40B4-BE49-F238E27FC236}">
-                <a16:creationId xmlns:a16="http://schemas.microsoft.com/office/drawing/2014/main" id="{BADFCDC4-2B6D-0898-DA05-192201896320}"/>
-              </a:ext>
-            </a:extLst>
-          </p:cNvPr>
-          <p:cNvSpPr>
-            <a:spLocks noGrp="1"/>
-          </p:cNvSpPr>
-          <p:nvPr>
-            <p:ph type="sldNum" sz="quarter" idx="12"/>
-          </p:nvPr>
-        </p:nvSpPr>
-        <p:spPr/>
-        <p:txBody>
-          <a:bodyPr/>
-          <a:lstStyle/>
-          <a:p>
-            <a:fld id="{DB156E10-B3DB-CB42-894C-E44038C8B0C4}" type="slidenum">
-              <a:rPr lang="en-TW" smtClean="0"/>
-              <a:t>2</a:t>
-            </a:fld>
-            <a:endParaRPr lang="en-TW"/>
-          </a:p>
-        </p:txBody>
-      </p:sp>
-    </p:spTree>
-    <p:extLst>
-      <p:ext uri="{BB962C8B-B14F-4D97-AF65-F5344CB8AC3E}">
-        <p14:creationId xmlns:p14="http://schemas.microsoft.com/office/powerpoint/2010/main" val="168948553"/>
       </p:ext>
     </p:extLst>
   </p:cSld>
@@ -8487,6 +9389,126 @@
           </a:p>
         </p:txBody>
       </p:sp>
+      <p:pic>
+        <p:nvPicPr>
+          <p:cNvPr id="5" name="Picture 4">
+            <a:extLst>
+              <a:ext uri="{FF2B5EF4-FFF2-40B4-BE49-F238E27FC236}">
+                <a16:creationId xmlns:a16="http://schemas.microsoft.com/office/drawing/2014/main" id="{25E5F993-F6A2-A4F6-E813-49909507185B}"/>
+              </a:ext>
+            </a:extLst>
+          </p:cNvPr>
+          <p:cNvPicPr>
+            <a:picLocks noChangeAspect="1"/>
+          </p:cNvPicPr>
+          <p:nvPr/>
+        </p:nvPicPr>
+        <p:blipFill>
+          <a:blip r:embed="rId3"/>
+          <a:stretch>
+            <a:fillRect/>
+          </a:stretch>
+        </p:blipFill>
+        <p:spPr>
+          <a:xfrm>
+            <a:off x="522601" y="4946905"/>
+            <a:ext cx="5511800" cy="622124"/>
+          </a:xfrm>
+          <a:prstGeom prst="rect">
+            <a:avLst/>
+          </a:prstGeom>
+        </p:spPr>
+      </p:pic>
+      <p:pic>
+        <p:nvPicPr>
+          <p:cNvPr id="12" name="Picture 11">
+            <a:extLst>
+              <a:ext uri="{FF2B5EF4-FFF2-40B4-BE49-F238E27FC236}">
+                <a16:creationId xmlns:a16="http://schemas.microsoft.com/office/drawing/2014/main" id="{19C5D9B8-AF13-1201-2490-3A5C7D62271B}"/>
+              </a:ext>
+            </a:extLst>
+          </p:cNvPr>
+          <p:cNvPicPr>
+            <a:picLocks noChangeAspect="1"/>
+          </p:cNvPicPr>
+          <p:nvPr/>
+        </p:nvPicPr>
+        <p:blipFill>
+          <a:blip r:embed="rId4"/>
+          <a:stretch>
+            <a:fillRect/>
+          </a:stretch>
+        </p:blipFill>
+        <p:spPr>
+          <a:xfrm>
+            <a:off x="6157601" y="4948642"/>
+            <a:ext cx="5634998" cy="728851"/>
+          </a:xfrm>
+          <a:prstGeom prst="rect">
+            <a:avLst/>
+          </a:prstGeom>
+        </p:spPr>
+      </p:pic>
+      <p:pic>
+        <p:nvPicPr>
+          <p:cNvPr id="14" name="Picture 13">
+            <a:extLst>
+              <a:ext uri="{FF2B5EF4-FFF2-40B4-BE49-F238E27FC236}">
+                <a16:creationId xmlns:a16="http://schemas.microsoft.com/office/drawing/2014/main" id="{12A75FC0-6840-591A-D38D-7672E4D827E4}"/>
+              </a:ext>
+            </a:extLst>
+          </p:cNvPr>
+          <p:cNvPicPr>
+            <a:picLocks noChangeAspect="1"/>
+          </p:cNvPicPr>
+          <p:nvPr/>
+        </p:nvPicPr>
+        <p:blipFill>
+          <a:blip r:embed="rId5"/>
+          <a:stretch>
+            <a:fillRect/>
+          </a:stretch>
+        </p:blipFill>
+        <p:spPr>
+          <a:xfrm>
+            <a:off x="6336680" y="3873940"/>
+            <a:ext cx="5422900" cy="965200"/>
+          </a:xfrm>
+          <a:prstGeom prst="rect">
+            <a:avLst/>
+          </a:prstGeom>
+        </p:spPr>
+      </p:pic>
+      <p:pic>
+        <p:nvPicPr>
+          <p:cNvPr id="16" name="Picture 15">
+            <a:extLst>
+              <a:ext uri="{FF2B5EF4-FFF2-40B4-BE49-F238E27FC236}">
+                <a16:creationId xmlns:a16="http://schemas.microsoft.com/office/drawing/2014/main" id="{117826D2-0B5B-85E5-B35E-C59CBD5D7A5A}"/>
+              </a:ext>
+            </a:extLst>
+          </p:cNvPr>
+          <p:cNvPicPr>
+            <a:picLocks noChangeAspect="1"/>
+          </p:cNvPicPr>
+          <p:nvPr/>
+        </p:nvPicPr>
+        <p:blipFill>
+          <a:blip r:embed="rId6"/>
+          <a:stretch>
+            <a:fillRect/>
+          </a:stretch>
+        </p:blipFill>
+        <p:spPr>
+          <a:xfrm>
+            <a:off x="649601" y="3879712"/>
+            <a:ext cx="5384800" cy="952500"/>
+          </a:xfrm>
+          <a:prstGeom prst="rect">
+            <a:avLst/>
+          </a:prstGeom>
+        </p:spPr>
+      </p:pic>
     </p:spTree>
     <p:extLst>
       <p:ext uri="{BB962C8B-B14F-4D97-AF65-F5344CB8AC3E}">
@@ -8534,35 +9556,30 @@
           <p:cNvPr id="2" name="Title 1">
             <a:extLst>
               <a:ext uri="{FF2B5EF4-FFF2-40B4-BE49-F238E27FC236}">
-                <a16:creationId xmlns:a16="http://schemas.microsoft.com/office/drawing/2014/main" id="{2D1F1D5D-BC21-FE6C-199A-114DD8A93B70}"/>
-              </a:ext>
-            </a:extLst>
-          </p:cNvPr>
-          <p:cNvSpPr>
-            <a:spLocks noGrp="1"/>
-          </p:cNvSpPr>
-          <p:nvPr>
-            <p:ph type="ctrTitle"/>
+                <a16:creationId xmlns:a16="http://schemas.microsoft.com/office/drawing/2014/main" id="{2B533BED-E48C-5E7F-2273-C55CCE98516B}"/>
+              </a:ext>
+            </a:extLst>
+          </p:cNvPr>
+          <p:cNvSpPr>
+            <a:spLocks noGrp="1"/>
+          </p:cNvSpPr>
+          <p:nvPr>
+            <p:ph type="title"/>
           </p:nvPr>
         </p:nvSpPr>
         <p:spPr>
           <a:xfrm>
-            <a:off x="1524000" y="1566037"/>
-            <a:ext cx="9144000" cy="2387600"/>
+            <a:off x="432987" y="194991"/>
+            <a:ext cx="10515600" cy="1325563"/>
           </a:xfrm>
         </p:spPr>
         <p:txBody>
           <a:bodyPr/>
           <a:lstStyle/>
           <a:p>
-            <a:pPr>
-              <a:lnSpc>
-                <a:spcPct val="110000"/>
-              </a:lnSpc>
-            </a:pPr>
             <a:r>
               <a:rPr lang="en-TW" b="1" dirty="0"/>
-              <a:t>Future Work</a:t>
+              <a:t>Experiment 3 - Oversampling</a:t>
             </a:r>
           </a:p>
         </p:txBody>
@@ -8572,7 +9589,7 @@
           <p:cNvPr id="4" name="Slide Number Placeholder 3">
             <a:extLst>
               <a:ext uri="{FF2B5EF4-FFF2-40B4-BE49-F238E27FC236}">
-                <a16:creationId xmlns:a16="http://schemas.microsoft.com/office/drawing/2014/main" id="{2BC4D631-FD05-0882-9331-7401BF92027E}"/>
+                <a16:creationId xmlns:a16="http://schemas.microsoft.com/office/drawing/2014/main" id="{5CD44B9F-7DE8-0932-BD70-B0BA453E653B}"/>
               </a:ext>
             </a:extLst>
           </p:cNvPr>
@@ -8592,14 +9609,74 @@
               <a:rPr lang="en-TW" smtClean="0"/>
               <a:t>8</a:t>
             </a:fld>
-            <a:endParaRPr lang="en-TW"/>
-          </a:p>
-        </p:txBody>
-      </p:sp>
+            <a:endParaRPr lang="en-TW" dirty="0"/>
+          </a:p>
+        </p:txBody>
+      </p:sp>
+      <p:pic>
+        <p:nvPicPr>
+          <p:cNvPr id="6" name="Picture 5">
+            <a:extLst>
+              <a:ext uri="{FF2B5EF4-FFF2-40B4-BE49-F238E27FC236}">
+                <a16:creationId xmlns:a16="http://schemas.microsoft.com/office/drawing/2014/main" id="{40F69F20-0060-D263-F1DC-41D6CD8A4E7E}"/>
+              </a:ext>
+            </a:extLst>
+          </p:cNvPr>
+          <p:cNvPicPr>
+            <a:picLocks noChangeAspect="1"/>
+          </p:cNvPicPr>
+          <p:nvPr/>
+        </p:nvPicPr>
+        <p:blipFill>
+          <a:blip r:embed="rId3"/>
+          <a:stretch>
+            <a:fillRect/>
+          </a:stretch>
+        </p:blipFill>
+        <p:spPr>
+          <a:xfrm>
+            <a:off x="432987" y="1289693"/>
+            <a:ext cx="11505534" cy="5066657"/>
+          </a:xfrm>
+          <a:prstGeom prst="rect">
+            <a:avLst/>
+          </a:prstGeom>
+        </p:spPr>
+      </p:pic>
+      <p:pic>
+        <p:nvPicPr>
+          <p:cNvPr id="9" name="Picture 8">
+            <a:extLst>
+              <a:ext uri="{FF2B5EF4-FFF2-40B4-BE49-F238E27FC236}">
+                <a16:creationId xmlns:a16="http://schemas.microsoft.com/office/drawing/2014/main" id="{9EFE75CD-A8AF-DF47-EECC-F058AEF0AAD0}"/>
+              </a:ext>
+            </a:extLst>
+          </p:cNvPr>
+          <p:cNvPicPr>
+            <a:picLocks noChangeAspect="1"/>
+          </p:cNvPicPr>
+          <p:nvPr/>
+        </p:nvPicPr>
+        <p:blipFill>
+          <a:blip r:embed="rId4"/>
+          <a:stretch>
+            <a:fillRect/>
+          </a:stretch>
+        </p:blipFill>
+        <p:spPr>
+          <a:xfrm>
+            <a:off x="3796743" y="4710113"/>
+            <a:ext cx="5232400" cy="1219200"/>
+          </a:xfrm>
+          <a:prstGeom prst="rect">
+            <a:avLst/>
+          </a:prstGeom>
+        </p:spPr>
+      </p:pic>
     </p:spTree>
     <p:extLst>
       <p:ext uri="{BB962C8B-B14F-4D97-AF65-F5344CB8AC3E}">
-        <p14:creationId xmlns:p14="http://schemas.microsoft.com/office/powerpoint/2010/main" val="2403544732"/>
+        <p14:creationId xmlns:p14="http://schemas.microsoft.com/office/powerpoint/2010/main" val="2363602813"/>
       </p:ext>
     </p:extLst>
   </p:cSld>
@@ -8618,6 +9695,142 @@
       </p:transition>
     </mc:Fallback>
   </mc:AlternateContent>
+  <p:timing>
+    <p:tnLst>
+      <p:par>
+        <p:cTn id="1" dur="indefinite" restart="never" nodeType="tmRoot">
+          <p:childTnLst>
+            <p:seq concurrent="1" nextAc="seek">
+              <p:cTn id="2" dur="indefinite" nodeType="mainSeq">
+                <p:childTnLst>
+                  <p:par>
+                    <p:cTn id="3" fill="hold">
+                      <p:stCondLst>
+                        <p:cond delay="indefinite"/>
+                      </p:stCondLst>
+                      <p:childTnLst>
+                        <p:par>
+                          <p:cTn id="4" fill="hold">
+                            <p:stCondLst>
+                              <p:cond delay="0"/>
+                            </p:stCondLst>
+                            <p:childTnLst>
+                              <p:par>
+                                <p:cTn id="5" presetID="3" presetClass="entr" presetSubtype="10" fill="hold" nodeType="clickEffect">
+                                  <p:stCondLst>
+                                    <p:cond delay="0"/>
+                                  </p:stCondLst>
+                                  <p:childTnLst>
+                                    <p:set>
+                                      <p:cBhvr>
+                                        <p:cTn id="6" dur="1" fill="hold">
+                                          <p:stCondLst>
+                                            <p:cond delay="0"/>
+                                          </p:stCondLst>
+                                        </p:cTn>
+                                        <p:tgtEl>
+                                          <p:spTgt spid="9"/>
+                                        </p:tgtEl>
+                                        <p:attrNameLst>
+                                          <p:attrName>style.visibility</p:attrName>
+                                        </p:attrNameLst>
+                                      </p:cBhvr>
+                                      <p:to>
+                                        <p:strVal val="visible"/>
+                                      </p:to>
+                                    </p:set>
+                                    <p:animEffect transition="in" filter="blinds(horizontal)">
+                                      <p:cBhvr>
+                                        <p:cTn id="7" dur="500"/>
+                                        <p:tgtEl>
+                                          <p:spTgt spid="9"/>
+                                        </p:tgtEl>
+                                      </p:cBhvr>
+                                    </p:animEffect>
+                                  </p:childTnLst>
+                                </p:cTn>
+                              </p:par>
+                            </p:childTnLst>
+                          </p:cTn>
+                        </p:par>
+                      </p:childTnLst>
+                    </p:cTn>
+                  </p:par>
+                  <p:par>
+                    <p:cTn id="8" fill="hold">
+                      <p:stCondLst>
+                        <p:cond delay="indefinite"/>
+                      </p:stCondLst>
+                      <p:childTnLst>
+                        <p:par>
+                          <p:cTn id="9" fill="hold">
+                            <p:stCondLst>
+                              <p:cond delay="0"/>
+                            </p:stCondLst>
+                            <p:childTnLst>
+                              <p:par>
+                                <p:cTn id="10" presetID="3" presetClass="entr" presetSubtype="10" fill="hold" nodeType="clickEffect">
+                                  <p:stCondLst>
+                                    <p:cond delay="0"/>
+                                  </p:stCondLst>
+                                  <p:childTnLst>
+                                    <p:set>
+                                      <p:cBhvr>
+                                        <p:cTn id="11" dur="1" fill="hold">
+                                          <p:stCondLst>
+                                            <p:cond delay="0"/>
+                                          </p:stCondLst>
+                                        </p:cTn>
+                                        <p:tgtEl>
+                                          <p:spTgt spid="9"/>
+                                        </p:tgtEl>
+                                        <p:attrNameLst>
+                                          <p:attrName>style.visibility</p:attrName>
+                                        </p:attrNameLst>
+                                      </p:cBhvr>
+                                      <p:to>
+                                        <p:strVal val="visible"/>
+                                      </p:to>
+                                    </p:set>
+                                    <p:animEffect transition="in" filter="blinds(horizontal)">
+                                      <p:cBhvr>
+                                        <p:cTn id="12" dur="500"/>
+                                        <p:tgtEl>
+                                          <p:spTgt spid="9"/>
+                                        </p:tgtEl>
+                                      </p:cBhvr>
+                                    </p:animEffect>
+                                  </p:childTnLst>
+                                </p:cTn>
+                              </p:par>
+                            </p:childTnLst>
+                          </p:cTn>
+                        </p:par>
+                      </p:childTnLst>
+                    </p:cTn>
+                  </p:par>
+                </p:childTnLst>
+              </p:cTn>
+              <p:prevCondLst>
+                <p:cond evt="onPrev" delay="0">
+                  <p:tgtEl>
+                    <p:sldTgt/>
+                  </p:tgtEl>
+                </p:cond>
+              </p:prevCondLst>
+              <p:nextCondLst>
+                <p:cond evt="onNext" delay="0">
+                  <p:tgtEl>
+                    <p:sldTgt/>
+                  </p:tgtEl>
+                </p:cond>
+              </p:nextCondLst>
+            </p:seq>
+          </p:childTnLst>
+        </p:cTn>
+      </p:par>
+    </p:tnLst>
+  </p:timing>
 </p:sld>
 </file>
 
@@ -8656,7 +9869,7 @@
         </p:nvSpPr>
         <p:spPr>
           <a:xfrm>
-            <a:off x="374904" y="319088"/>
+            <a:off x="432987" y="194991"/>
             <a:ext cx="10515600" cy="1325563"/>
           </a:xfrm>
         </p:spPr>
@@ -8666,120 +9879,8 @@
           <a:p>
             <a:r>
               <a:rPr lang="en-TW" b="1" dirty="0"/>
-              <a:t>Future Work</a:t>
-            </a:r>
-          </a:p>
-        </p:txBody>
-      </p:sp>
-      <p:sp>
-        <p:nvSpPr>
-          <p:cNvPr id="3" name="Content Placeholder 2">
-            <a:extLst>
-              <a:ext uri="{FF2B5EF4-FFF2-40B4-BE49-F238E27FC236}">
-                <a16:creationId xmlns:a16="http://schemas.microsoft.com/office/drawing/2014/main" id="{25B0A74B-6281-327F-44E6-1E41A778AF7E}"/>
-              </a:ext>
-            </a:extLst>
-          </p:cNvPr>
-          <p:cNvSpPr>
-            <a:spLocks noGrp="1"/>
-          </p:cNvSpPr>
-          <p:nvPr>
-            <p:ph idx="1"/>
-          </p:nvPr>
-        </p:nvSpPr>
-        <p:spPr>
-          <a:xfrm>
-            <a:off x="695678" y="1706032"/>
-            <a:ext cx="10800644" cy="4832880"/>
-          </a:xfrm>
-        </p:spPr>
-        <p:txBody>
-          <a:bodyPr>
-            <a:normAutofit/>
-          </a:bodyPr>
-          <a:lstStyle/>
-          <a:p>
-            <a:pPr>
-              <a:lnSpc>
-                <a:spcPct val="110000"/>
-              </a:lnSpc>
-            </a:pPr>
-            <a:r>
-              <a:rPr lang="en-TW" b="1" dirty="0"/>
-              <a:t>GNN</a:t>
-            </a:r>
-          </a:p>
-          <a:p>
-            <a:pPr lvl="1">
-              <a:lnSpc>
-                <a:spcPct val="110000"/>
-              </a:lnSpc>
-            </a:pPr>
-            <a:r>
-              <a:rPr lang="en-US" dirty="0"/>
-              <a:t>Try some other methods to improve the performance of single triplet issue</a:t>
-            </a:r>
-          </a:p>
-          <a:p>
-            <a:pPr lvl="2">
-              <a:lnSpc>
-                <a:spcPct val="110000"/>
-              </a:lnSpc>
-            </a:pPr>
-            <a:r>
-              <a:rPr lang="en-US" dirty="0"/>
-              <a:t>Maybe try some other embeddings?</a:t>
-            </a:r>
-          </a:p>
-          <a:p>
-            <a:pPr lvl="2">
-              <a:lnSpc>
-                <a:spcPct val="110000"/>
-              </a:lnSpc>
-            </a:pPr>
-            <a:r>
-              <a:rPr lang="en-US" dirty="0"/>
-              <a:t>Maybe try some other models?</a:t>
-            </a:r>
-          </a:p>
-          <a:p>
-            <a:pPr lvl="2">
-              <a:lnSpc>
-                <a:spcPct val="110000"/>
-              </a:lnSpc>
-            </a:pPr>
-            <a:r>
-              <a:rPr lang="en-US" dirty="0"/>
-              <a:t>Maybe try some data augmentation methods?</a:t>
-            </a:r>
-          </a:p>
-          <a:p>
-            <a:pPr lvl="2">
-              <a:lnSpc>
-                <a:spcPct val="110000"/>
-              </a:lnSpc>
-            </a:pPr>
-            <a:r>
-              <a:rPr lang="en-US" dirty="0"/>
-              <a:t>…</a:t>
-            </a:r>
-          </a:p>
-          <a:p>
-            <a:pPr lvl="2">
-              <a:lnSpc>
-                <a:spcPct val="110000"/>
-              </a:lnSpc>
-            </a:pPr>
-            <a:endParaRPr lang="en-TW" dirty="0"/>
-          </a:p>
-          <a:p>
-            <a:pPr marL="0" indent="0">
-              <a:lnSpc>
-                <a:spcPct val="110000"/>
-              </a:lnSpc>
-              <a:buNone/>
-            </a:pPr>
-            <a:endParaRPr lang="en-TW" dirty="0"/>
+              <a:t>Experiment 3 - Oversampling</a:t>
+            </a:r>
           </a:p>
         </p:txBody>
       </p:sp>
@@ -8808,14 +9909,44 @@
               <a:rPr lang="en-TW" smtClean="0"/>
               <a:t>9</a:t>
             </a:fld>
-            <a:endParaRPr lang="en-TW"/>
-          </a:p>
-        </p:txBody>
-      </p:sp>
+            <a:endParaRPr lang="en-TW" dirty="0"/>
+          </a:p>
+        </p:txBody>
+      </p:sp>
+      <p:pic>
+        <p:nvPicPr>
+          <p:cNvPr id="5" name="Picture 4">
+            <a:extLst>
+              <a:ext uri="{FF2B5EF4-FFF2-40B4-BE49-F238E27FC236}">
+                <a16:creationId xmlns:a16="http://schemas.microsoft.com/office/drawing/2014/main" id="{9F297FD8-C0BA-42E3-7B37-D8D5DCE110D3}"/>
+              </a:ext>
+            </a:extLst>
+          </p:cNvPr>
+          <p:cNvPicPr>
+            <a:picLocks noChangeAspect="1"/>
+          </p:cNvPicPr>
+          <p:nvPr/>
+        </p:nvPicPr>
+        <p:blipFill>
+          <a:blip r:embed="rId3"/>
+          <a:stretch>
+            <a:fillRect/>
+          </a:stretch>
+        </p:blipFill>
+        <p:spPr>
+          <a:xfrm>
+            <a:off x="838200" y="1210455"/>
+            <a:ext cx="10651573" cy="5247177"/>
+          </a:xfrm>
+          <a:prstGeom prst="rect">
+            <a:avLst/>
+          </a:prstGeom>
+        </p:spPr>
+      </p:pic>
     </p:spTree>
     <p:extLst>
       <p:ext uri="{BB962C8B-B14F-4D97-AF65-F5344CB8AC3E}">
-        <p14:creationId xmlns:p14="http://schemas.microsoft.com/office/powerpoint/2010/main" val="2421199054"/>
+        <p14:creationId xmlns:p14="http://schemas.microsoft.com/office/powerpoint/2010/main" val="557268766"/>
       </p:ext>
     </p:extLst>
   </p:cSld>

--- a/Meeting/Presentation_1027.pptx
+++ b/Meeting/Presentation_1027.pptx
@@ -5,7 +5,7 @@
     <p:sldMasterId id="2147483648" r:id="rId1"/>
   </p:sldMasterIdLst>
   <p:notesMasterIdLst>
-    <p:notesMasterId r:id="rId22"/>
+    <p:notesMasterId r:id="rId23"/>
   </p:notesMasterIdLst>
   <p:sldIdLst>
     <p:sldId id="256" r:id="rId2"/>
@@ -13,21 +13,22 @@
     <p:sldId id="378" r:id="rId4"/>
     <p:sldId id="365" r:id="rId5"/>
     <p:sldId id="380" r:id="rId6"/>
-    <p:sldId id="381" r:id="rId7"/>
-    <p:sldId id="385" r:id="rId8"/>
-    <p:sldId id="388" r:id="rId9"/>
-    <p:sldId id="387" r:id="rId10"/>
-    <p:sldId id="389" r:id="rId11"/>
+    <p:sldId id="385" r:id="rId7"/>
+    <p:sldId id="388" r:id="rId8"/>
+    <p:sldId id="387" r:id="rId9"/>
+    <p:sldId id="389" r:id="rId10"/>
+    <p:sldId id="390" r:id="rId11"/>
     <p:sldId id="356" r:id="rId12"/>
     <p:sldId id="312" r:id="rId13"/>
     <p:sldId id="320" r:id="rId14"/>
     <p:sldId id="384" r:id="rId15"/>
-    <p:sldId id="386" r:id="rId16"/>
-    <p:sldId id="374" r:id="rId17"/>
-    <p:sldId id="375" r:id="rId18"/>
-    <p:sldId id="377" r:id="rId19"/>
-    <p:sldId id="382" r:id="rId20"/>
-    <p:sldId id="383" r:id="rId21"/>
+    <p:sldId id="381" r:id="rId16"/>
+    <p:sldId id="386" r:id="rId17"/>
+    <p:sldId id="374" r:id="rId18"/>
+    <p:sldId id="375" r:id="rId19"/>
+    <p:sldId id="377" r:id="rId20"/>
+    <p:sldId id="382" r:id="rId21"/>
+    <p:sldId id="383" r:id="rId22"/>
   </p:sldIdLst>
   <p:sldSz cx="12192000" cy="6858000"/>
   <p:notesSz cx="6858000" cy="9144000"/>
@@ -216,7 +217,7 @@
           <a:p>
             <a:fld id="{FD5F46E7-AC74-B24A-8D7A-61E847F3340B}" type="datetimeFigureOut">
               <a:rPr lang="en-TW" smtClean="0"/>
-              <a:t>2023/10/19</a:t>
+              <a:t>2023/10/26</a:t>
             </a:fld>
             <a:endParaRPr lang="en-TW"/>
           </a:p>
@@ -645,7 +646,7 @@
     </p:spTree>
     <p:extLst>
       <p:ext uri="{BB962C8B-B14F-4D97-AF65-F5344CB8AC3E}">
-        <p14:creationId xmlns:p14="http://schemas.microsoft.com/office/powerpoint/2010/main" val="2408683417"/>
+        <p14:creationId xmlns:p14="http://schemas.microsoft.com/office/powerpoint/2010/main" val="4021884669"/>
       </p:ext>
     </p:extLst>
   </p:cSld>
@@ -729,7 +730,7 @@
     </p:spTree>
     <p:extLst>
       <p:ext uri="{BB962C8B-B14F-4D97-AF65-F5344CB8AC3E}">
-        <p14:creationId xmlns:p14="http://schemas.microsoft.com/office/powerpoint/2010/main" val="3805032158"/>
+        <p14:creationId xmlns:p14="http://schemas.microsoft.com/office/powerpoint/2010/main" val="2408683417"/>
       </p:ext>
     </p:extLst>
   </p:cSld>
@@ -783,448 +784,6 @@
           <a:bodyPr/>
           <a:lstStyle/>
           <a:p>
-            <a:r>
-              <a:rPr lang="zh-TW" altLang="en-US" dirty="0"/>
-              <a:t>這個</a:t>
-            </a:r>
-            <a:r>
-              <a:rPr lang="en-US" altLang="zh-TW" dirty="0"/>
-              <a:t>`</a:t>
-            </a:r>
-            <a:r>
-              <a:rPr lang="en-US" altLang="zh-TW" dirty="0" err="1"/>
-              <a:t>MLPPredictor</a:t>
-            </a:r>
-            <a:r>
-              <a:rPr lang="en-US" altLang="zh-TW" dirty="0"/>
-              <a:t>`</a:t>
-            </a:r>
-            <a:r>
-              <a:rPr lang="zh-TW" altLang="en-US" dirty="0"/>
-              <a:t>模型是用於邊預測或稱為鏈接預測的。鏈接預測的目的是預測兩個節點之間是否存在邊。這是圖學習中的一個重要任務，被應用於許多領域，例如社交網絡中的好友推薦或蛋白質互作網絡的互作預測。</a:t>
-            </a:r>
-          </a:p>
-          <a:p>
-            <a:endParaRPr lang="zh-TW" altLang="en-US" dirty="0"/>
-          </a:p>
-          <a:p>
-            <a:r>
-              <a:rPr lang="en-US" altLang="zh-TW" dirty="0"/>
-              <a:t>1. **</a:t>
-            </a:r>
-            <a:r>
-              <a:rPr lang="zh-TW" altLang="en-US" dirty="0"/>
-              <a:t>初始化 </a:t>
-            </a:r>
-            <a:r>
-              <a:rPr lang="en-US" altLang="zh-TW" dirty="0"/>
-              <a:t>(`__</a:t>
-            </a:r>
-            <a:r>
-              <a:rPr lang="en-US" altLang="zh-TW" dirty="0" err="1"/>
-              <a:t>init</a:t>
-            </a:r>
-            <a:r>
-              <a:rPr lang="en-US" altLang="zh-TW" dirty="0"/>
-              <a:t>__` </a:t>
-            </a:r>
-            <a:r>
-              <a:rPr lang="zh-TW" altLang="en-US" dirty="0"/>
-              <a:t>方法</a:t>
-            </a:r>
-            <a:r>
-              <a:rPr lang="en-US" altLang="zh-TW" dirty="0"/>
-              <a:t>)**:</a:t>
-            </a:r>
-          </a:p>
-          <a:p>
-            <a:r>
-              <a:rPr lang="en-US" altLang="zh-TW" dirty="0"/>
-              <a:t>    - </a:t>
-            </a:r>
-            <a:r>
-              <a:rPr lang="zh-TW" altLang="en-US" dirty="0"/>
-              <a:t>定義一個全連接線性層</a:t>
-            </a:r>
-            <a:r>
-              <a:rPr lang="en-US" altLang="zh-TW" dirty="0"/>
-              <a:t>`</a:t>
-            </a:r>
-            <a:r>
-              <a:rPr lang="en-US" altLang="zh-TW" dirty="0" err="1"/>
-              <a:t>self.W</a:t>
-            </a:r>
-            <a:r>
-              <a:rPr lang="en-US" altLang="zh-TW" dirty="0"/>
-              <a:t>`</a:t>
-            </a:r>
-            <a:r>
-              <a:rPr lang="zh-TW" altLang="en-US" dirty="0"/>
-              <a:t>，其輸入特徵的大小是 </a:t>
-            </a:r>
-            <a:r>
-              <a:rPr lang="en-US" altLang="zh-TW" dirty="0"/>
-              <a:t>`</a:t>
-            </a:r>
-            <a:r>
-              <a:rPr lang="en-US" altLang="zh-TW" dirty="0" err="1"/>
-              <a:t>in_features</a:t>
-            </a:r>
-            <a:r>
-              <a:rPr lang="en-US" altLang="zh-TW" dirty="0"/>
-              <a:t> * 2`</a:t>
-            </a:r>
-            <a:r>
-              <a:rPr lang="zh-TW" altLang="en-US" dirty="0"/>
-              <a:t>。這是因為我們將來源節點</a:t>
-            </a:r>
-            <a:r>
-              <a:rPr lang="en-US" altLang="zh-TW" dirty="0"/>
-              <a:t>`</a:t>
-            </a:r>
-            <a:r>
-              <a:rPr lang="en-US" altLang="zh-TW" dirty="0" err="1"/>
-              <a:t>h_u</a:t>
-            </a:r>
-            <a:r>
-              <a:rPr lang="en-US" altLang="zh-TW" dirty="0"/>
-              <a:t>`</a:t>
-            </a:r>
-            <a:r>
-              <a:rPr lang="zh-TW" altLang="en-US" dirty="0"/>
-              <a:t>和目標節點</a:t>
-            </a:r>
-            <a:r>
-              <a:rPr lang="en-US" altLang="zh-TW" dirty="0"/>
-              <a:t>`</a:t>
-            </a:r>
-            <a:r>
-              <a:rPr lang="en-US" altLang="zh-TW" dirty="0" err="1"/>
-              <a:t>h_v</a:t>
-            </a:r>
-            <a:r>
-              <a:rPr lang="en-US" altLang="zh-TW" dirty="0"/>
-              <a:t>`</a:t>
-            </a:r>
-            <a:r>
-              <a:rPr lang="zh-TW" altLang="en-US" dirty="0"/>
-              <a:t>的表示向量拼接起來，所以尺寸變為雙倍。</a:t>
-            </a:r>
-          </a:p>
-          <a:p>
-            <a:r>
-              <a:rPr lang="zh-TW" altLang="en-US" dirty="0"/>
-              <a:t>    </a:t>
-            </a:r>
-            <a:r>
-              <a:rPr lang="en-US" altLang="zh-TW" dirty="0"/>
-              <a:t>- </a:t>
-            </a:r>
-            <a:r>
-              <a:rPr lang="zh-TW" altLang="en-US" dirty="0"/>
-              <a:t>輸出的尺寸是 </a:t>
-            </a:r>
-            <a:r>
-              <a:rPr lang="en-US" altLang="zh-TW" dirty="0"/>
-              <a:t>`</a:t>
-            </a:r>
-            <a:r>
-              <a:rPr lang="en-US" altLang="zh-TW" dirty="0" err="1"/>
-              <a:t>out_classes</a:t>
-            </a:r>
-            <a:r>
-              <a:rPr lang="en-US" altLang="zh-TW" dirty="0"/>
-              <a:t>`</a:t>
-            </a:r>
-            <a:r>
-              <a:rPr lang="zh-TW" altLang="en-US" dirty="0"/>
-              <a:t>，這對應於邊的類別數量。</a:t>
-            </a:r>
-          </a:p>
-          <a:p>
-            <a:endParaRPr lang="zh-TW" altLang="en-US" dirty="0"/>
-          </a:p>
-          <a:p>
-            <a:r>
-              <a:rPr lang="en-US" altLang="zh-TW" dirty="0"/>
-              <a:t>2. **</a:t>
-            </a:r>
-            <a:r>
-              <a:rPr lang="en-US" altLang="zh-TW" dirty="0" err="1"/>
-              <a:t>apply_edges</a:t>
-            </a:r>
-            <a:r>
-              <a:rPr lang="en-US" altLang="zh-TW" dirty="0"/>
-              <a:t> </a:t>
-            </a:r>
-            <a:r>
-              <a:rPr lang="zh-TW" altLang="en-US" dirty="0"/>
-              <a:t>方法**</a:t>
-            </a:r>
-            <a:r>
-              <a:rPr lang="en-US" altLang="zh-TW" dirty="0"/>
-              <a:t>:</a:t>
-            </a:r>
-          </a:p>
-          <a:p>
-            <a:r>
-              <a:rPr lang="en-US" altLang="zh-TW" dirty="0"/>
-              <a:t>    - </a:t>
-            </a:r>
-            <a:r>
-              <a:rPr lang="zh-TW" altLang="en-US" dirty="0"/>
-              <a:t>這個方法的作用是為圖中的每一條邊計算一個</a:t>
-            </a:r>
-            <a:r>
-              <a:rPr lang="en-US" altLang="zh-TW" dirty="0"/>
-              <a:t>'score'</a:t>
-            </a:r>
-            <a:r>
-              <a:rPr lang="zh-TW" altLang="en-US" dirty="0"/>
-              <a:t>。這個</a:t>
-            </a:r>
-            <a:r>
-              <a:rPr lang="en-US" altLang="zh-TW" dirty="0"/>
-              <a:t>'score'</a:t>
-            </a:r>
-            <a:r>
-              <a:rPr lang="zh-TW" altLang="en-US" dirty="0"/>
-              <a:t>可以被解釋為邊的類別。</a:t>
-            </a:r>
-          </a:p>
-          <a:p>
-            <a:r>
-              <a:rPr lang="zh-TW" altLang="en-US" dirty="0"/>
-              <a:t>    </a:t>
-            </a:r>
-            <a:r>
-              <a:rPr lang="en-US" altLang="zh-TW" dirty="0"/>
-              <a:t>- </a:t>
-            </a:r>
-            <a:r>
-              <a:rPr lang="zh-TW" altLang="en-US" dirty="0"/>
-              <a:t>它首先從圖中提取來源節點</a:t>
-            </a:r>
-            <a:r>
-              <a:rPr lang="en-US" altLang="zh-TW" dirty="0"/>
-              <a:t>`</a:t>
-            </a:r>
-            <a:r>
-              <a:rPr lang="en-US" altLang="zh-TW" dirty="0" err="1"/>
-              <a:t>h_u</a:t>
-            </a:r>
-            <a:r>
-              <a:rPr lang="en-US" altLang="zh-TW" dirty="0"/>
-              <a:t>`</a:t>
-            </a:r>
-            <a:r>
-              <a:rPr lang="zh-TW" altLang="en-US" dirty="0"/>
-              <a:t>和目標節點</a:t>
-            </a:r>
-            <a:r>
-              <a:rPr lang="en-US" altLang="zh-TW" dirty="0"/>
-              <a:t>`</a:t>
-            </a:r>
-            <a:r>
-              <a:rPr lang="en-US" altLang="zh-TW" dirty="0" err="1"/>
-              <a:t>h_v</a:t>
-            </a:r>
-            <a:r>
-              <a:rPr lang="en-US" altLang="zh-TW" dirty="0"/>
-              <a:t>`</a:t>
-            </a:r>
-            <a:r>
-              <a:rPr lang="zh-TW" altLang="en-US" dirty="0"/>
-              <a:t>的表示向量。</a:t>
-            </a:r>
-          </a:p>
-          <a:p>
-            <a:r>
-              <a:rPr lang="zh-TW" altLang="en-US" dirty="0"/>
-              <a:t>    </a:t>
-            </a:r>
-            <a:r>
-              <a:rPr lang="en-US" altLang="zh-TW" dirty="0"/>
-              <a:t>- </a:t>
-            </a:r>
-            <a:r>
-              <a:rPr lang="zh-TW" altLang="en-US" dirty="0"/>
-              <a:t>接著，它將這兩個表示向量拼接起來，並通過</a:t>
-            </a:r>
-            <a:r>
-              <a:rPr lang="en-US" altLang="zh-TW" dirty="0"/>
-              <a:t>`</a:t>
-            </a:r>
-            <a:r>
-              <a:rPr lang="en-US" altLang="zh-TW" dirty="0" err="1"/>
-              <a:t>self.W</a:t>
-            </a:r>
-            <a:r>
-              <a:rPr lang="en-US" altLang="zh-TW" dirty="0"/>
-              <a:t>`</a:t>
-            </a:r>
-            <a:r>
-              <a:rPr lang="zh-TW" altLang="en-US" dirty="0"/>
-              <a:t>線性層計算</a:t>
-            </a:r>
-            <a:r>
-              <a:rPr lang="en-US" altLang="zh-TW" dirty="0"/>
-              <a:t>'score'</a:t>
-            </a:r>
-            <a:r>
-              <a:rPr lang="zh-TW" altLang="en-US" dirty="0"/>
-              <a:t>。</a:t>
-            </a:r>
-          </a:p>
-          <a:p>
-            <a:endParaRPr lang="zh-TW" altLang="en-US" dirty="0"/>
-          </a:p>
-          <a:p>
-            <a:r>
-              <a:rPr lang="en-US" altLang="zh-TW" dirty="0"/>
-              <a:t>3. **</a:t>
-            </a:r>
-            <a:r>
-              <a:rPr lang="zh-TW" altLang="en-US" dirty="0"/>
-              <a:t>前向方法 </a:t>
-            </a:r>
-            <a:r>
-              <a:rPr lang="en-US" altLang="zh-TW" dirty="0"/>
-              <a:t>(`forward`)**:</a:t>
-            </a:r>
-          </a:p>
-          <a:p>
-            <a:r>
-              <a:rPr lang="en-US" altLang="zh-TW" dirty="0"/>
-              <a:t>    - </a:t>
-            </a:r>
-            <a:r>
-              <a:rPr lang="zh-TW" altLang="en-US" dirty="0"/>
-              <a:t>接收一個圖和它的節點表示</a:t>
-            </a:r>
-            <a:r>
-              <a:rPr lang="en-US" altLang="zh-TW" dirty="0"/>
-              <a:t>`h`</a:t>
-            </a:r>
-            <a:r>
-              <a:rPr lang="zh-TW" altLang="en-US" dirty="0"/>
-              <a:t>。</a:t>
-            </a:r>
-          </a:p>
-          <a:p>
-            <a:r>
-              <a:rPr lang="zh-TW" altLang="en-US" dirty="0"/>
-              <a:t>    </a:t>
-            </a:r>
-            <a:r>
-              <a:rPr lang="en-US" altLang="zh-TW" dirty="0"/>
-              <a:t>- </a:t>
-            </a:r>
-            <a:r>
-              <a:rPr lang="zh-TW" altLang="en-US" dirty="0"/>
-              <a:t>它將這些節點表示設定為圖的節點數據。</a:t>
-            </a:r>
-          </a:p>
-          <a:p>
-            <a:r>
-              <a:rPr lang="zh-TW" altLang="en-US" dirty="0"/>
-              <a:t>    </a:t>
-            </a:r>
-            <a:r>
-              <a:rPr lang="en-US" altLang="zh-TW" dirty="0"/>
-              <a:t>- </a:t>
-            </a:r>
-            <a:r>
-              <a:rPr lang="zh-TW" altLang="en-US" dirty="0"/>
-              <a:t>使用</a:t>
-            </a:r>
-            <a:r>
-              <a:rPr lang="en-US" altLang="zh-TW" dirty="0"/>
-              <a:t>`</a:t>
-            </a:r>
-            <a:r>
-              <a:rPr lang="en-US" altLang="zh-TW" dirty="0" err="1"/>
-              <a:t>apply_edges</a:t>
-            </a:r>
-            <a:r>
-              <a:rPr lang="en-US" altLang="zh-TW" dirty="0"/>
-              <a:t>`</a:t>
-            </a:r>
-            <a:r>
-              <a:rPr lang="zh-TW" altLang="en-US" dirty="0"/>
-              <a:t>方法為圖中的每一條邊計算一個</a:t>
-            </a:r>
-            <a:r>
-              <a:rPr lang="en-US" altLang="zh-TW" dirty="0"/>
-              <a:t>'score'</a:t>
-            </a:r>
-            <a:r>
-              <a:rPr lang="zh-TW" altLang="en-US" dirty="0"/>
-              <a:t>。</a:t>
-            </a:r>
-          </a:p>
-          <a:p>
-            <a:r>
-              <a:rPr lang="zh-TW" altLang="en-US" dirty="0"/>
-              <a:t>    </a:t>
-            </a:r>
-            <a:r>
-              <a:rPr lang="en-US" altLang="zh-TW" dirty="0"/>
-              <a:t>- </a:t>
-            </a:r>
-            <a:r>
-              <a:rPr lang="zh-TW" altLang="en-US" dirty="0"/>
-              <a:t>返回邊的</a:t>
-            </a:r>
-            <a:r>
-              <a:rPr lang="en-US" altLang="zh-TW" dirty="0"/>
-              <a:t>'score'</a:t>
-            </a:r>
-            <a:r>
-              <a:rPr lang="zh-TW" altLang="en-US" dirty="0"/>
-              <a:t>。</a:t>
-            </a:r>
-          </a:p>
-          <a:p>
-            <a:endParaRPr lang="zh-TW" altLang="en-US" dirty="0"/>
-          </a:p>
-          <a:p>
-            <a:r>
-              <a:rPr lang="zh-TW" altLang="en-US" dirty="0"/>
-              <a:t>總之，</a:t>
-            </a:r>
-            <a:r>
-              <a:rPr lang="en-US" altLang="zh-TW" dirty="0"/>
-              <a:t>`</a:t>
-            </a:r>
-            <a:r>
-              <a:rPr lang="en-US" altLang="zh-TW" dirty="0" err="1"/>
-              <a:t>MLPPredictor</a:t>
-            </a:r>
-            <a:r>
-              <a:rPr lang="en-US" altLang="zh-TW" dirty="0"/>
-              <a:t>`</a:t>
-            </a:r>
-            <a:r>
-              <a:rPr lang="zh-TW" altLang="en-US" dirty="0"/>
-              <a:t>使用來源和目標節點的表示計算圖中每一條邊的</a:t>
-            </a:r>
-            <a:r>
-              <a:rPr lang="en-US" altLang="zh-TW" dirty="0"/>
-              <a:t>'score'</a:t>
-            </a:r>
-            <a:r>
-              <a:rPr lang="zh-TW" altLang="en-US" dirty="0"/>
-              <a:t>，這些</a:t>
-            </a:r>
-            <a:r>
-              <a:rPr lang="en-US" altLang="zh-TW" dirty="0"/>
-              <a:t>'score'</a:t>
-            </a:r>
-            <a:r>
-              <a:rPr lang="zh-TW" altLang="en-US" dirty="0"/>
-              <a:t>可以用於邊的預測任務。</a:t>
-            </a:r>
             <a:endParaRPr lang="en-US" altLang="zh-TW" dirty="0"/>
           </a:p>
         </p:txBody>
@@ -1255,7 +814,7 @@
     </p:spTree>
     <p:extLst>
       <p:ext uri="{BB962C8B-B14F-4D97-AF65-F5344CB8AC3E}">
-        <p14:creationId xmlns:p14="http://schemas.microsoft.com/office/powerpoint/2010/main" val="3672188344"/>
+        <p14:creationId xmlns:p14="http://schemas.microsoft.com/office/powerpoint/2010/main" val="3805032158"/>
       </p:ext>
     </p:extLst>
   </p:cSld>
@@ -1309,6 +868,448 @@
           <a:bodyPr/>
           <a:lstStyle/>
           <a:p>
+            <a:r>
+              <a:rPr lang="zh-TW" altLang="en-US" dirty="0"/>
+              <a:t>這個</a:t>
+            </a:r>
+            <a:r>
+              <a:rPr lang="en-US" altLang="zh-TW" dirty="0"/>
+              <a:t>`</a:t>
+            </a:r>
+            <a:r>
+              <a:rPr lang="en-US" altLang="zh-TW" dirty="0" err="1"/>
+              <a:t>MLPPredictor</a:t>
+            </a:r>
+            <a:r>
+              <a:rPr lang="en-US" altLang="zh-TW" dirty="0"/>
+              <a:t>`</a:t>
+            </a:r>
+            <a:r>
+              <a:rPr lang="zh-TW" altLang="en-US" dirty="0"/>
+              <a:t>模型是用於邊預測或稱為鏈接預測的。鏈接預測的目的是預測兩個節點之間是否存在邊。這是圖學習中的一個重要任務，被應用於許多領域，例如社交網絡中的好友推薦或蛋白質互作網絡的互作預測。</a:t>
+            </a:r>
+          </a:p>
+          <a:p>
+            <a:endParaRPr lang="zh-TW" altLang="en-US" dirty="0"/>
+          </a:p>
+          <a:p>
+            <a:r>
+              <a:rPr lang="en-US" altLang="zh-TW" dirty="0"/>
+              <a:t>1. **</a:t>
+            </a:r>
+            <a:r>
+              <a:rPr lang="zh-TW" altLang="en-US" dirty="0"/>
+              <a:t>初始化 </a:t>
+            </a:r>
+            <a:r>
+              <a:rPr lang="en-US" altLang="zh-TW" dirty="0"/>
+              <a:t>(`__</a:t>
+            </a:r>
+            <a:r>
+              <a:rPr lang="en-US" altLang="zh-TW" dirty="0" err="1"/>
+              <a:t>init</a:t>
+            </a:r>
+            <a:r>
+              <a:rPr lang="en-US" altLang="zh-TW" dirty="0"/>
+              <a:t>__` </a:t>
+            </a:r>
+            <a:r>
+              <a:rPr lang="zh-TW" altLang="en-US" dirty="0"/>
+              <a:t>方法</a:t>
+            </a:r>
+            <a:r>
+              <a:rPr lang="en-US" altLang="zh-TW" dirty="0"/>
+              <a:t>)**:</a:t>
+            </a:r>
+          </a:p>
+          <a:p>
+            <a:r>
+              <a:rPr lang="en-US" altLang="zh-TW" dirty="0"/>
+              <a:t>    - </a:t>
+            </a:r>
+            <a:r>
+              <a:rPr lang="zh-TW" altLang="en-US" dirty="0"/>
+              <a:t>定義一個全連接線性層</a:t>
+            </a:r>
+            <a:r>
+              <a:rPr lang="en-US" altLang="zh-TW" dirty="0"/>
+              <a:t>`</a:t>
+            </a:r>
+            <a:r>
+              <a:rPr lang="en-US" altLang="zh-TW" dirty="0" err="1"/>
+              <a:t>self.W</a:t>
+            </a:r>
+            <a:r>
+              <a:rPr lang="en-US" altLang="zh-TW" dirty="0"/>
+              <a:t>`</a:t>
+            </a:r>
+            <a:r>
+              <a:rPr lang="zh-TW" altLang="en-US" dirty="0"/>
+              <a:t>，其輸入特徵的大小是 </a:t>
+            </a:r>
+            <a:r>
+              <a:rPr lang="en-US" altLang="zh-TW" dirty="0"/>
+              <a:t>`</a:t>
+            </a:r>
+            <a:r>
+              <a:rPr lang="en-US" altLang="zh-TW" dirty="0" err="1"/>
+              <a:t>in_features</a:t>
+            </a:r>
+            <a:r>
+              <a:rPr lang="en-US" altLang="zh-TW" dirty="0"/>
+              <a:t> * 2`</a:t>
+            </a:r>
+            <a:r>
+              <a:rPr lang="zh-TW" altLang="en-US" dirty="0"/>
+              <a:t>。這是因為我們將來源節點</a:t>
+            </a:r>
+            <a:r>
+              <a:rPr lang="en-US" altLang="zh-TW" dirty="0"/>
+              <a:t>`</a:t>
+            </a:r>
+            <a:r>
+              <a:rPr lang="en-US" altLang="zh-TW" dirty="0" err="1"/>
+              <a:t>h_u</a:t>
+            </a:r>
+            <a:r>
+              <a:rPr lang="en-US" altLang="zh-TW" dirty="0"/>
+              <a:t>`</a:t>
+            </a:r>
+            <a:r>
+              <a:rPr lang="zh-TW" altLang="en-US" dirty="0"/>
+              <a:t>和目標節點</a:t>
+            </a:r>
+            <a:r>
+              <a:rPr lang="en-US" altLang="zh-TW" dirty="0"/>
+              <a:t>`</a:t>
+            </a:r>
+            <a:r>
+              <a:rPr lang="en-US" altLang="zh-TW" dirty="0" err="1"/>
+              <a:t>h_v</a:t>
+            </a:r>
+            <a:r>
+              <a:rPr lang="en-US" altLang="zh-TW" dirty="0"/>
+              <a:t>`</a:t>
+            </a:r>
+            <a:r>
+              <a:rPr lang="zh-TW" altLang="en-US" dirty="0"/>
+              <a:t>的表示向量拼接起來，所以尺寸變為雙倍。</a:t>
+            </a:r>
+          </a:p>
+          <a:p>
+            <a:r>
+              <a:rPr lang="zh-TW" altLang="en-US" dirty="0"/>
+              <a:t>    </a:t>
+            </a:r>
+            <a:r>
+              <a:rPr lang="en-US" altLang="zh-TW" dirty="0"/>
+              <a:t>- </a:t>
+            </a:r>
+            <a:r>
+              <a:rPr lang="zh-TW" altLang="en-US" dirty="0"/>
+              <a:t>輸出的尺寸是 </a:t>
+            </a:r>
+            <a:r>
+              <a:rPr lang="en-US" altLang="zh-TW" dirty="0"/>
+              <a:t>`</a:t>
+            </a:r>
+            <a:r>
+              <a:rPr lang="en-US" altLang="zh-TW" dirty="0" err="1"/>
+              <a:t>out_classes</a:t>
+            </a:r>
+            <a:r>
+              <a:rPr lang="en-US" altLang="zh-TW" dirty="0"/>
+              <a:t>`</a:t>
+            </a:r>
+            <a:r>
+              <a:rPr lang="zh-TW" altLang="en-US" dirty="0"/>
+              <a:t>，這對應於邊的類別數量。</a:t>
+            </a:r>
+          </a:p>
+          <a:p>
+            <a:endParaRPr lang="zh-TW" altLang="en-US" dirty="0"/>
+          </a:p>
+          <a:p>
+            <a:r>
+              <a:rPr lang="en-US" altLang="zh-TW" dirty="0"/>
+              <a:t>2. **</a:t>
+            </a:r>
+            <a:r>
+              <a:rPr lang="en-US" altLang="zh-TW" dirty="0" err="1"/>
+              <a:t>apply_edges</a:t>
+            </a:r>
+            <a:r>
+              <a:rPr lang="en-US" altLang="zh-TW" dirty="0"/>
+              <a:t> </a:t>
+            </a:r>
+            <a:r>
+              <a:rPr lang="zh-TW" altLang="en-US" dirty="0"/>
+              <a:t>方法**</a:t>
+            </a:r>
+            <a:r>
+              <a:rPr lang="en-US" altLang="zh-TW" dirty="0"/>
+              <a:t>:</a:t>
+            </a:r>
+          </a:p>
+          <a:p>
+            <a:r>
+              <a:rPr lang="en-US" altLang="zh-TW" dirty="0"/>
+              <a:t>    - </a:t>
+            </a:r>
+            <a:r>
+              <a:rPr lang="zh-TW" altLang="en-US" dirty="0"/>
+              <a:t>這個方法的作用是為圖中的每一條邊計算一個</a:t>
+            </a:r>
+            <a:r>
+              <a:rPr lang="en-US" altLang="zh-TW" dirty="0"/>
+              <a:t>'score'</a:t>
+            </a:r>
+            <a:r>
+              <a:rPr lang="zh-TW" altLang="en-US" dirty="0"/>
+              <a:t>。這個</a:t>
+            </a:r>
+            <a:r>
+              <a:rPr lang="en-US" altLang="zh-TW" dirty="0"/>
+              <a:t>'score'</a:t>
+            </a:r>
+            <a:r>
+              <a:rPr lang="zh-TW" altLang="en-US" dirty="0"/>
+              <a:t>可以被解釋為邊的類別。</a:t>
+            </a:r>
+          </a:p>
+          <a:p>
+            <a:r>
+              <a:rPr lang="zh-TW" altLang="en-US" dirty="0"/>
+              <a:t>    </a:t>
+            </a:r>
+            <a:r>
+              <a:rPr lang="en-US" altLang="zh-TW" dirty="0"/>
+              <a:t>- </a:t>
+            </a:r>
+            <a:r>
+              <a:rPr lang="zh-TW" altLang="en-US" dirty="0"/>
+              <a:t>它首先從圖中提取來源節點</a:t>
+            </a:r>
+            <a:r>
+              <a:rPr lang="en-US" altLang="zh-TW" dirty="0"/>
+              <a:t>`</a:t>
+            </a:r>
+            <a:r>
+              <a:rPr lang="en-US" altLang="zh-TW" dirty="0" err="1"/>
+              <a:t>h_u</a:t>
+            </a:r>
+            <a:r>
+              <a:rPr lang="en-US" altLang="zh-TW" dirty="0"/>
+              <a:t>`</a:t>
+            </a:r>
+            <a:r>
+              <a:rPr lang="zh-TW" altLang="en-US" dirty="0"/>
+              <a:t>和目標節點</a:t>
+            </a:r>
+            <a:r>
+              <a:rPr lang="en-US" altLang="zh-TW" dirty="0"/>
+              <a:t>`</a:t>
+            </a:r>
+            <a:r>
+              <a:rPr lang="en-US" altLang="zh-TW" dirty="0" err="1"/>
+              <a:t>h_v</a:t>
+            </a:r>
+            <a:r>
+              <a:rPr lang="en-US" altLang="zh-TW" dirty="0"/>
+              <a:t>`</a:t>
+            </a:r>
+            <a:r>
+              <a:rPr lang="zh-TW" altLang="en-US" dirty="0"/>
+              <a:t>的表示向量。</a:t>
+            </a:r>
+          </a:p>
+          <a:p>
+            <a:r>
+              <a:rPr lang="zh-TW" altLang="en-US" dirty="0"/>
+              <a:t>    </a:t>
+            </a:r>
+            <a:r>
+              <a:rPr lang="en-US" altLang="zh-TW" dirty="0"/>
+              <a:t>- </a:t>
+            </a:r>
+            <a:r>
+              <a:rPr lang="zh-TW" altLang="en-US" dirty="0"/>
+              <a:t>接著，它將這兩個表示向量拼接起來，並通過</a:t>
+            </a:r>
+            <a:r>
+              <a:rPr lang="en-US" altLang="zh-TW" dirty="0"/>
+              <a:t>`</a:t>
+            </a:r>
+            <a:r>
+              <a:rPr lang="en-US" altLang="zh-TW" dirty="0" err="1"/>
+              <a:t>self.W</a:t>
+            </a:r>
+            <a:r>
+              <a:rPr lang="en-US" altLang="zh-TW" dirty="0"/>
+              <a:t>`</a:t>
+            </a:r>
+            <a:r>
+              <a:rPr lang="zh-TW" altLang="en-US" dirty="0"/>
+              <a:t>線性層計算</a:t>
+            </a:r>
+            <a:r>
+              <a:rPr lang="en-US" altLang="zh-TW" dirty="0"/>
+              <a:t>'score'</a:t>
+            </a:r>
+            <a:r>
+              <a:rPr lang="zh-TW" altLang="en-US" dirty="0"/>
+              <a:t>。</a:t>
+            </a:r>
+          </a:p>
+          <a:p>
+            <a:endParaRPr lang="zh-TW" altLang="en-US" dirty="0"/>
+          </a:p>
+          <a:p>
+            <a:r>
+              <a:rPr lang="en-US" altLang="zh-TW" dirty="0"/>
+              <a:t>3. **</a:t>
+            </a:r>
+            <a:r>
+              <a:rPr lang="zh-TW" altLang="en-US" dirty="0"/>
+              <a:t>前向方法 </a:t>
+            </a:r>
+            <a:r>
+              <a:rPr lang="en-US" altLang="zh-TW" dirty="0"/>
+              <a:t>(`forward`)**:</a:t>
+            </a:r>
+          </a:p>
+          <a:p>
+            <a:r>
+              <a:rPr lang="en-US" altLang="zh-TW" dirty="0"/>
+              <a:t>    - </a:t>
+            </a:r>
+            <a:r>
+              <a:rPr lang="zh-TW" altLang="en-US" dirty="0"/>
+              <a:t>接收一個圖和它的節點表示</a:t>
+            </a:r>
+            <a:r>
+              <a:rPr lang="en-US" altLang="zh-TW" dirty="0"/>
+              <a:t>`h`</a:t>
+            </a:r>
+            <a:r>
+              <a:rPr lang="zh-TW" altLang="en-US" dirty="0"/>
+              <a:t>。</a:t>
+            </a:r>
+          </a:p>
+          <a:p>
+            <a:r>
+              <a:rPr lang="zh-TW" altLang="en-US" dirty="0"/>
+              <a:t>    </a:t>
+            </a:r>
+            <a:r>
+              <a:rPr lang="en-US" altLang="zh-TW" dirty="0"/>
+              <a:t>- </a:t>
+            </a:r>
+            <a:r>
+              <a:rPr lang="zh-TW" altLang="en-US" dirty="0"/>
+              <a:t>它將這些節點表示設定為圖的節點數據。</a:t>
+            </a:r>
+          </a:p>
+          <a:p>
+            <a:r>
+              <a:rPr lang="zh-TW" altLang="en-US" dirty="0"/>
+              <a:t>    </a:t>
+            </a:r>
+            <a:r>
+              <a:rPr lang="en-US" altLang="zh-TW" dirty="0"/>
+              <a:t>- </a:t>
+            </a:r>
+            <a:r>
+              <a:rPr lang="zh-TW" altLang="en-US" dirty="0"/>
+              <a:t>使用</a:t>
+            </a:r>
+            <a:r>
+              <a:rPr lang="en-US" altLang="zh-TW" dirty="0"/>
+              <a:t>`</a:t>
+            </a:r>
+            <a:r>
+              <a:rPr lang="en-US" altLang="zh-TW" dirty="0" err="1"/>
+              <a:t>apply_edges</a:t>
+            </a:r>
+            <a:r>
+              <a:rPr lang="en-US" altLang="zh-TW" dirty="0"/>
+              <a:t>`</a:t>
+            </a:r>
+            <a:r>
+              <a:rPr lang="zh-TW" altLang="en-US" dirty="0"/>
+              <a:t>方法為圖中的每一條邊計算一個</a:t>
+            </a:r>
+            <a:r>
+              <a:rPr lang="en-US" altLang="zh-TW" dirty="0"/>
+              <a:t>'score'</a:t>
+            </a:r>
+            <a:r>
+              <a:rPr lang="zh-TW" altLang="en-US" dirty="0"/>
+              <a:t>。</a:t>
+            </a:r>
+          </a:p>
+          <a:p>
+            <a:r>
+              <a:rPr lang="zh-TW" altLang="en-US" dirty="0"/>
+              <a:t>    </a:t>
+            </a:r>
+            <a:r>
+              <a:rPr lang="en-US" altLang="zh-TW" dirty="0"/>
+              <a:t>- </a:t>
+            </a:r>
+            <a:r>
+              <a:rPr lang="zh-TW" altLang="en-US" dirty="0"/>
+              <a:t>返回邊的</a:t>
+            </a:r>
+            <a:r>
+              <a:rPr lang="en-US" altLang="zh-TW" dirty="0"/>
+              <a:t>'score'</a:t>
+            </a:r>
+            <a:r>
+              <a:rPr lang="zh-TW" altLang="en-US" dirty="0"/>
+              <a:t>。</a:t>
+            </a:r>
+          </a:p>
+          <a:p>
+            <a:endParaRPr lang="zh-TW" altLang="en-US" dirty="0"/>
+          </a:p>
+          <a:p>
+            <a:r>
+              <a:rPr lang="zh-TW" altLang="en-US" dirty="0"/>
+              <a:t>總之，</a:t>
+            </a:r>
+            <a:r>
+              <a:rPr lang="en-US" altLang="zh-TW" dirty="0"/>
+              <a:t>`</a:t>
+            </a:r>
+            <a:r>
+              <a:rPr lang="en-US" altLang="zh-TW" dirty="0" err="1"/>
+              <a:t>MLPPredictor</a:t>
+            </a:r>
+            <a:r>
+              <a:rPr lang="en-US" altLang="zh-TW" dirty="0"/>
+              <a:t>`</a:t>
+            </a:r>
+            <a:r>
+              <a:rPr lang="zh-TW" altLang="en-US" dirty="0"/>
+              <a:t>使用來源和目標節點的表示計算圖中每一條邊的</a:t>
+            </a:r>
+            <a:r>
+              <a:rPr lang="en-US" altLang="zh-TW" dirty="0"/>
+              <a:t>'score'</a:t>
+            </a:r>
+            <a:r>
+              <a:rPr lang="zh-TW" altLang="en-US" dirty="0"/>
+              <a:t>，這些</a:t>
+            </a:r>
+            <a:r>
+              <a:rPr lang="en-US" altLang="zh-TW" dirty="0"/>
+              <a:t>'score'</a:t>
+            </a:r>
+            <a:r>
+              <a:rPr lang="zh-TW" altLang="en-US" dirty="0"/>
+              <a:t>可以用於邊的預測任務。</a:t>
+            </a:r>
             <a:endParaRPr lang="en-US" altLang="zh-TW" dirty="0"/>
           </a:p>
         </p:txBody>
@@ -1339,7 +1340,7 @@
     </p:spTree>
     <p:extLst>
       <p:ext uri="{BB962C8B-B14F-4D97-AF65-F5344CB8AC3E}">
-        <p14:creationId xmlns:p14="http://schemas.microsoft.com/office/powerpoint/2010/main" val="1815942656"/>
+        <p14:creationId xmlns:p14="http://schemas.microsoft.com/office/powerpoint/2010/main" val="3672188344"/>
       </p:ext>
     </p:extLst>
   </p:cSld>
@@ -1423,7 +1424,7 @@
     </p:spTree>
     <p:extLst>
       <p:ext uri="{BB962C8B-B14F-4D97-AF65-F5344CB8AC3E}">
-        <p14:creationId xmlns:p14="http://schemas.microsoft.com/office/powerpoint/2010/main" val="4192016753"/>
+        <p14:creationId xmlns:p14="http://schemas.microsoft.com/office/powerpoint/2010/main" val="1815942656"/>
       </p:ext>
     </p:extLst>
   </p:cSld>
@@ -1499,6 +1500,90 @@
             <a:fld id="{50B9CB7D-C514-3544-A72A-E200086B53CC}" type="slidenum">
               <a:rPr lang="en-TW" smtClean="0"/>
               <a:t>20</a:t>
+            </a:fld>
+            <a:endParaRPr lang="en-TW"/>
+          </a:p>
+        </p:txBody>
+      </p:sp>
+    </p:spTree>
+    <p:extLst>
+      <p:ext uri="{BB962C8B-B14F-4D97-AF65-F5344CB8AC3E}">
+        <p14:creationId xmlns:p14="http://schemas.microsoft.com/office/powerpoint/2010/main" val="4192016753"/>
+      </p:ext>
+    </p:extLst>
+  </p:cSld>
+  <p:clrMapOvr>
+    <a:masterClrMapping/>
+  </p:clrMapOvr>
+</p:notes>
+</file>
+
+<file path=ppt/notesSlides/notesSlide16.xml><?xml version="1.0" encoding="utf-8"?>
+<p:notes xmlns:a="http://schemas.openxmlformats.org/drawingml/2006/main" xmlns:r="http://schemas.openxmlformats.org/officeDocument/2006/relationships" xmlns:p="http://schemas.openxmlformats.org/presentationml/2006/main">
+  <p:cSld>
+    <p:spTree>
+      <p:nvGrpSpPr>
+        <p:cNvPr id="1" name=""/>
+        <p:cNvGrpSpPr/>
+        <p:nvPr/>
+      </p:nvGrpSpPr>
+      <p:grpSpPr>
+        <a:xfrm>
+          <a:off x="0" y="0"/>
+          <a:ext cx="0" cy="0"/>
+          <a:chOff x="0" y="0"/>
+          <a:chExt cx="0" cy="0"/>
+        </a:xfrm>
+      </p:grpSpPr>
+      <p:sp>
+        <p:nvSpPr>
+          <p:cNvPr id="2" name="Slide Image Placeholder 1"/>
+          <p:cNvSpPr>
+            <a:spLocks noGrp="1" noRot="1" noChangeAspect="1"/>
+          </p:cNvSpPr>
+          <p:nvPr>
+            <p:ph type="sldImg"/>
+          </p:nvPr>
+        </p:nvSpPr>
+        <p:spPr/>
+      </p:sp>
+      <p:sp>
+        <p:nvSpPr>
+          <p:cNvPr id="3" name="Notes Placeholder 2"/>
+          <p:cNvSpPr>
+            <a:spLocks noGrp="1"/>
+          </p:cNvSpPr>
+          <p:nvPr>
+            <p:ph type="body" idx="1"/>
+          </p:nvPr>
+        </p:nvSpPr>
+        <p:spPr/>
+        <p:txBody>
+          <a:bodyPr/>
+          <a:lstStyle/>
+          <a:p>
+            <a:endParaRPr lang="en-US" altLang="zh-TW" dirty="0"/>
+          </a:p>
+        </p:txBody>
+      </p:sp>
+      <p:sp>
+        <p:nvSpPr>
+          <p:cNvPr id="4" name="Slide Number Placeholder 3"/>
+          <p:cNvSpPr>
+            <a:spLocks noGrp="1"/>
+          </p:cNvSpPr>
+          <p:nvPr>
+            <p:ph type="sldNum" sz="quarter" idx="5"/>
+          </p:nvPr>
+        </p:nvSpPr>
+        <p:spPr/>
+        <p:txBody>
+          <a:bodyPr/>
+          <a:lstStyle/>
+          <a:p>
+            <a:fld id="{50B9CB7D-C514-3544-A72A-E200086B53CC}" type="slidenum">
+              <a:rPr lang="en-TW" smtClean="0"/>
+              <a:t>21</a:t>
             </a:fld>
             <a:endParaRPr lang="en-TW"/>
           </a:p>
@@ -1759,7 +1844,7 @@
     </p:spTree>
     <p:extLst>
       <p:ext uri="{BB962C8B-B14F-4D97-AF65-F5344CB8AC3E}">
-        <p14:creationId xmlns:p14="http://schemas.microsoft.com/office/powerpoint/2010/main" val="4021884669"/>
+        <p14:creationId xmlns:p14="http://schemas.microsoft.com/office/powerpoint/2010/main" val="1641760375"/>
       </p:ext>
     </p:extLst>
   </p:cSld>
@@ -1843,7 +1928,7 @@
     </p:spTree>
     <p:extLst>
       <p:ext uri="{BB962C8B-B14F-4D97-AF65-F5344CB8AC3E}">
-        <p14:creationId xmlns:p14="http://schemas.microsoft.com/office/powerpoint/2010/main" val="1641760375"/>
+        <p14:creationId xmlns:p14="http://schemas.microsoft.com/office/powerpoint/2010/main" val="1137171516"/>
       </p:ext>
     </p:extLst>
   </p:cSld>
@@ -1927,7 +2012,7 @@
     </p:spTree>
     <p:extLst>
       <p:ext uri="{BB962C8B-B14F-4D97-AF65-F5344CB8AC3E}">
-        <p14:creationId xmlns:p14="http://schemas.microsoft.com/office/powerpoint/2010/main" val="1137171516"/>
+        <p14:creationId xmlns:p14="http://schemas.microsoft.com/office/powerpoint/2010/main" val="97691654"/>
       </p:ext>
     </p:extLst>
   </p:cSld>
@@ -1981,7 +2066,18 @@
           <a:bodyPr/>
           <a:lstStyle/>
           <a:p>
-            <a:endParaRPr lang="en-US" altLang="zh-TW" dirty="0"/>
+            <a:r>
+              <a:rPr lang="en-US" altLang="zh-TW" dirty="0"/>
+              <a:t>https://</a:t>
+            </a:r>
+            <a:r>
+              <a:rPr lang="en-US" altLang="zh-TW" dirty="0" err="1"/>
+              <a:t>www.kdnuggets.com</a:t>
+            </a:r>
+            <a:r>
+              <a:rPr lang="en-US" altLang="zh-TW" dirty="0"/>
+              <a:t>/2017/06/7-techniques-handle-imbalanced-data.html</a:t>
+            </a:r>
           </a:p>
         </p:txBody>
       </p:sp>
@@ -2011,7 +2107,7 @@
     </p:spTree>
     <p:extLst>
       <p:ext uri="{BB962C8B-B14F-4D97-AF65-F5344CB8AC3E}">
-        <p14:creationId xmlns:p14="http://schemas.microsoft.com/office/powerpoint/2010/main" val="97691654"/>
+        <p14:creationId xmlns:p14="http://schemas.microsoft.com/office/powerpoint/2010/main" val="1641955452"/>
       </p:ext>
     </p:extLst>
   </p:cSld>
@@ -2065,7 +2161,18 @@
           <a:bodyPr/>
           <a:lstStyle/>
           <a:p>
-            <a:endParaRPr lang="en-US" altLang="zh-TW" dirty="0"/>
+            <a:r>
+              <a:rPr lang="en-US" altLang="zh-TW" dirty="0"/>
+              <a:t>https://</a:t>
+            </a:r>
+            <a:r>
+              <a:rPr lang="en-US" altLang="zh-TW" dirty="0" err="1"/>
+              <a:t>www.kdnuggets.com</a:t>
+            </a:r>
+            <a:r>
+              <a:rPr lang="en-US" altLang="zh-TW" dirty="0"/>
+              <a:t>/2017/06/7-techniques-handle-imbalanced-data.html</a:t>
+            </a:r>
           </a:p>
         </p:txBody>
       </p:sp>
@@ -2095,7 +2202,7 @@
     </p:spTree>
     <p:extLst>
       <p:ext uri="{BB962C8B-B14F-4D97-AF65-F5344CB8AC3E}">
-        <p14:creationId xmlns:p14="http://schemas.microsoft.com/office/powerpoint/2010/main" val="1641955452"/>
+        <p14:creationId xmlns:p14="http://schemas.microsoft.com/office/powerpoint/2010/main" val="4094532789"/>
       </p:ext>
     </p:extLst>
   </p:cSld>
@@ -2338,7 +2445,7 @@
           <a:p>
             <a:fld id="{A3414EF8-F8EE-1948-B7F8-CDE2BA55EBA3}" type="datetime1">
               <a:rPr lang="en-US" smtClean="0"/>
-              <a:t>10/19/23</a:t>
+              <a:t>10/26/23</a:t>
             </a:fld>
             <a:endParaRPr lang="en-TW"/>
           </a:p>
@@ -2538,7 +2645,7 @@
           <a:p>
             <a:fld id="{A73D7AD7-2116-5A41-8EDE-6BB6E81970E0}" type="datetime1">
               <a:rPr lang="en-US" smtClean="0"/>
-              <a:t>10/19/23</a:t>
+              <a:t>10/26/23</a:t>
             </a:fld>
             <a:endParaRPr lang="en-TW"/>
           </a:p>
@@ -2748,7 +2855,7 @@
           <a:p>
             <a:fld id="{F8B54AFA-ACA5-D643-AFA2-7E457DD24DF7}" type="datetime1">
               <a:rPr lang="en-US" smtClean="0"/>
-              <a:t>10/19/23</a:t>
+              <a:t>10/26/23</a:t>
             </a:fld>
             <a:endParaRPr lang="en-TW"/>
           </a:p>
@@ -2948,7 +3055,7 @@
           <a:p>
             <a:fld id="{9D5A1D64-0D43-8343-8F3E-0CF7D359B229}" type="datetime1">
               <a:rPr lang="en-US" smtClean="0"/>
-              <a:t>10/19/23</a:t>
+              <a:t>10/26/23</a:t>
             </a:fld>
             <a:endParaRPr lang="en-TW"/>
           </a:p>
@@ -3224,7 +3331,7 @@
           <a:p>
             <a:fld id="{7AADA2B9-C19E-4847-96A2-4C98048AC6CB}" type="datetime1">
               <a:rPr lang="en-US" smtClean="0"/>
-              <a:t>10/19/23</a:t>
+              <a:t>10/26/23</a:t>
             </a:fld>
             <a:endParaRPr lang="en-TW"/>
           </a:p>
@@ -3492,7 +3599,7 @@
           <a:p>
             <a:fld id="{6B0934B1-02FE-FD4D-9B2E-AB7942E9D2EE}" type="datetime1">
               <a:rPr lang="en-US" smtClean="0"/>
-              <a:t>10/19/23</a:t>
+              <a:t>10/26/23</a:t>
             </a:fld>
             <a:endParaRPr lang="en-TW"/>
           </a:p>
@@ -3907,7 +4014,7 @@
           <a:p>
             <a:fld id="{3ECB55BE-0370-354B-B7DC-74287DCA0691}" type="datetime1">
               <a:rPr lang="en-US" smtClean="0"/>
-              <a:t>10/19/23</a:t>
+              <a:t>10/26/23</a:t>
             </a:fld>
             <a:endParaRPr lang="en-TW"/>
           </a:p>
@@ -4049,7 +4156,7 @@
           <a:p>
             <a:fld id="{39E9E947-CD42-C640-AA68-FF39D56394B9}" type="datetime1">
               <a:rPr lang="en-US" smtClean="0"/>
-              <a:t>10/19/23</a:t>
+              <a:t>10/26/23</a:t>
             </a:fld>
             <a:endParaRPr lang="en-TW"/>
           </a:p>
@@ -4162,7 +4269,7 @@
           <a:p>
             <a:fld id="{B3588767-BFAB-074B-897C-98257EF1C28A}" type="datetime1">
               <a:rPr lang="en-US" smtClean="0"/>
-              <a:t>10/19/23</a:t>
+              <a:t>10/26/23</a:t>
             </a:fld>
             <a:endParaRPr lang="en-TW"/>
           </a:p>
@@ -4475,7 +4582,7 @@
           <a:p>
             <a:fld id="{B6DC1063-3940-FF48-A04A-958D086D794C}" type="datetime1">
               <a:rPr lang="en-US" smtClean="0"/>
-              <a:t>10/19/23</a:t>
+              <a:t>10/26/23</a:t>
             </a:fld>
             <a:endParaRPr lang="en-TW"/>
           </a:p>
@@ -4764,7 +4871,7 @@
           <a:p>
             <a:fld id="{DDCCE3AD-49F2-434D-BD1B-37AEE374DAF5}" type="datetime1">
               <a:rPr lang="en-US" smtClean="0"/>
-              <a:t>10/19/23</a:t>
+              <a:t>10/26/23</a:t>
             </a:fld>
             <a:endParaRPr lang="en-TW"/>
           </a:p>
@@ -5007,7 +5114,7 @@
           <a:p>
             <a:fld id="{C44A6C80-6E0D-374C-9F82-A170BB459CEA}" type="datetime1">
               <a:rPr lang="en-US" smtClean="0"/>
-              <a:t>10/19/23</a:t>
+              <a:t>10/26/23</a:t>
             </a:fld>
             <a:endParaRPr lang="en-TW"/>
           </a:p>
@@ -5586,7 +5693,7 @@
           <a:p>
             <a:r>
               <a:rPr lang="en-TW" b="1" dirty="0"/>
-              <a:t>Experiment 3 - Oversampling</a:t>
+              <a:t>Experiment 3 – GCN model</a:t>
             </a:r>
           </a:p>
         </p:txBody>
@@ -5620,10 +5727,109 @@
           </a:p>
         </p:txBody>
       </p:sp>
+      <p:pic>
+        <p:nvPicPr>
+          <p:cNvPr id="7" name="Picture 6">
+            <a:extLst>
+              <a:ext uri="{FF2B5EF4-FFF2-40B4-BE49-F238E27FC236}">
+                <a16:creationId xmlns:a16="http://schemas.microsoft.com/office/drawing/2014/main" id="{FB89C8BD-A6D5-A8FE-7DE6-75AB748B02E9}"/>
+              </a:ext>
+            </a:extLst>
+          </p:cNvPr>
+          <p:cNvPicPr>
+            <a:picLocks noChangeAspect="1"/>
+          </p:cNvPicPr>
+          <p:nvPr/>
+        </p:nvPicPr>
+        <p:blipFill>
+          <a:blip r:embed="rId3"/>
+          <a:stretch>
+            <a:fillRect/>
+          </a:stretch>
+        </p:blipFill>
+        <p:spPr>
+          <a:xfrm>
+            <a:off x="1046339" y="1794883"/>
+            <a:ext cx="7772400" cy="2389257"/>
+          </a:xfrm>
+          <a:prstGeom prst="rect">
+            <a:avLst/>
+          </a:prstGeom>
+        </p:spPr>
+      </p:pic>
+      <p:sp>
+        <p:nvSpPr>
+          <p:cNvPr id="8" name="TextBox 7">
+            <a:extLst>
+              <a:ext uri="{FF2B5EF4-FFF2-40B4-BE49-F238E27FC236}">
+                <a16:creationId xmlns:a16="http://schemas.microsoft.com/office/drawing/2014/main" id="{6EC57DE3-BF8F-B362-0763-AC99608F11B2}"/>
+              </a:ext>
+            </a:extLst>
+          </p:cNvPr>
+          <p:cNvSpPr txBox="1"/>
+          <p:nvPr/>
+        </p:nvSpPr>
+        <p:spPr>
+          <a:xfrm>
+            <a:off x="709930" y="4368806"/>
+            <a:ext cx="8746690" cy="369332"/>
+          </a:xfrm>
+          <a:prstGeom prst="rect">
+            <a:avLst/>
+          </a:prstGeom>
+          <a:noFill/>
+        </p:spPr>
+        <p:txBody>
+          <a:bodyPr wrap="none" rtlCol="0">
+            <a:spAutoFit/>
+          </a:bodyPr>
+          <a:lstStyle/>
+          <a:p>
+            <a:pPr marL="285750" indent="-285750">
+              <a:buFont typeface="Arial" panose="020B0604020202020204" pitchFamily="34" charset="0"/>
+              <a:buChar char="•"/>
+            </a:pPr>
+            <a:r>
+              <a:rPr lang="en-TW" dirty="0"/>
+              <a:t>Maybe a easier model could remember the easier data? (single triplet graph in our case)</a:t>
+            </a:r>
+          </a:p>
+        </p:txBody>
+      </p:sp>
+      <p:pic>
+        <p:nvPicPr>
+          <p:cNvPr id="10" name="Picture 9">
+            <a:extLst>
+              <a:ext uri="{FF2B5EF4-FFF2-40B4-BE49-F238E27FC236}">
+                <a16:creationId xmlns:a16="http://schemas.microsoft.com/office/drawing/2014/main" id="{EEDBEB3B-FBAA-FD47-EB4E-6C73BF20D438}"/>
+              </a:ext>
+            </a:extLst>
+          </p:cNvPr>
+          <p:cNvPicPr>
+            <a:picLocks noChangeAspect="1"/>
+          </p:cNvPicPr>
+          <p:nvPr/>
+        </p:nvPicPr>
+        <p:blipFill>
+          <a:blip r:embed="rId4"/>
+          <a:stretch>
+            <a:fillRect/>
+          </a:stretch>
+        </p:blipFill>
+        <p:spPr>
+          <a:xfrm>
+            <a:off x="1046339" y="4738138"/>
+            <a:ext cx="6464300" cy="850900"/>
+          </a:xfrm>
+          <a:prstGeom prst="rect">
+            <a:avLst/>
+          </a:prstGeom>
+        </p:spPr>
+      </p:pic>
     </p:spTree>
     <p:extLst>
       <p:ext uri="{BB962C8B-B14F-4D97-AF65-F5344CB8AC3E}">
-        <p14:creationId xmlns:p14="http://schemas.microsoft.com/office/powerpoint/2010/main" val="3479373269"/>
+        <p14:creationId xmlns:p14="http://schemas.microsoft.com/office/powerpoint/2010/main" val="2120845462"/>
       </p:ext>
     </p:extLst>
   </p:cSld>
@@ -5822,7 +6028,7 @@
         </p:nvSpPr>
         <p:spPr>
           <a:xfrm>
-            <a:off x="695678" y="1706032"/>
+            <a:off x="695678" y="1584061"/>
             <a:ext cx="10800644" cy="4832880"/>
           </a:xfrm>
         </p:spPr>
@@ -5898,7 +6104,43 @@
             </a:r>
           </a:p>
           <a:p>
-            <a:pPr lvl="2">
+            <a:pPr lvl="1">
+              <a:lnSpc>
+                <a:spcPct val="110000"/>
+              </a:lnSpc>
+            </a:pPr>
+            <a:endParaRPr lang="en-TW" dirty="0"/>
+          </a:p>
+          <a:p>
+            <a:pPr marL="800100" lvl="1" indent="-342900"/>
+            <a:r>
+              <a:rPr lang="en-TW" dirty="0"/>
+              <a:t>Could I train a specific model for small graph and then</a:t>
+            </a:r>
+          </a:p>
+          <a:p>
+            <a:pPr lvl="2"/>
+            <a:r>
+              <a:rPr lang="en-TW" dirty="0"/>
+              <a:t>Decide which model to be used based on the data</a:t>
+            </a:r>
+          </a:p>
+          <a:p>
+            <a:pPr lvl="2"/>
+            <a:r>
+              <a:rPr lang="en-TW" dirty="0"/>
+              <a:t>Ensemble</a:t>
+            </a:r>
+          </a:p>
+          <a:p>
+            <a:pPr lvl="2"/>
+            <a:r>
+              <a:rPr lang="en-TW" dirty="0"/>
+              <a:t>…</a:t>
+            </a:r>
+          </a:p>
+          <a:p>
+            <a:pPr lvl="1">
               <a:lnSpc>
                 <a:spcPct val="110000"/>
               </a:lnSpc>
@@ -6252,6 +6494,451 @@
             <a:fld id="{DB156E10-B3DB-CB42-894C-E44038C8B0C4}" type="slidenum">
               <a:rPr lang="en-TW" smtClean="0"/>
               <a:t>15</a:t>
+            </a:fld>
+            <a:endParaRPr lang="en-TW" dirty="0"/>
+          </a:p>
+        </p:txBody>
+      </p:sp>
+      <p:sp>
+        <p:nvSpPr>
+          <p:cNvPr id="10" name="TextBox 9">
+            <a:extLst>
+              <a:ext uri="{FF2B5EF4-FFF2-40B4-BE49-F238E27FC236}">
+                <a16:creationId xmlns:a16="http://schemas.microsoft.com/office/drawing/2014/main" id="{711571ED-9573-706A-BDFA-548120472BE4}"/>
+              </a:ext>
+            </a:extLst>
+          </p:cNvPr>
+          <p:cNvSpPr txBox="1"/>
+          <p:nvPr/>
+        </p:nvSpPr>
+        <p:spPr>
+          <a:xfrm>
+            <a:off x="568311" y="1414401"/>
+            <a:ext cx="11268761" cy="461665"/>
+          </a:xfrm>
+          <a:prstGeom prst="rect">
+            <a:avLst/>
+          </a:prstGeom>
+          <a:noFill/>
+        </p:spPr>
+        <p:txBody>
+          <a:bodyPr wrap="square" rtlCol="0">
+            <a:spAutoFit/>
+          </a:bodyPr>
+          <a:lstStyle/>
+          <a:p>
+            <a:pPr marL="342900" indent="-342900">
+              <a:buFont typeface="Arial" panose="020B0604020202020204" pitchFamily="34" charset="0"/>
+              <a:buChar char="•"/>
+            </a:pPr>
+            <a:r>
+              <a:rPr lang="en-US" altLang="zh-TW" sz="2400" dirty="0"/>
+              <a:t>Current Trial: </a:t>
+            </a:r>
+            <a:r>
+              <a:rPr lang="en-US" sz="2400" dirty="0"/>
+              <a:t>Duplicate the data with single triplets </a:t>
+            </a:r>
+            <a:r>
+              <a:rPr lang="en-US" sz="2200" dirty="0">
+                <a:sym typeface="Wingdings" pitchFamily="2" charset="2"/>
+              </a:rPr>
+              <a:t></a:t>
+            </a:r>
+            <a:r>
+              <a:rPr lang="en-US" sz="2400" dirty="0">
+                <a:sym typeface="Wingdings" pitchFamily="2" charset="2"/>
+              </a:rPr>
+              <a:t> 20, 40, 80, 320 times</a:t>
+            </a:r>
+            <a:endParaRPr lang="en-TW" sz="2400" dirty="0"/>
+          </a:p>
+        </p:txBody>
+      </p:sp>
+      <p:pic>
+        <p:nvPicPr>
+          <p:cNvPr id="7" name="Picture 6">
+            <a:extLst>
+              <a:ext uri="{FF2B5EF4-FFF2-40B4-BE49-F238E27FC236}">
+                <a16:creationId xmlns:a16="http://schemas.microsoft.com/office/drawing/2014/main" id="{892E52AC-0E67-CCD1-1166-ECB39FB59737}"/>
+              </a:ext>
+            </a:extLst>
+          </p:cNvPr>
+          <p:cNvPicPr>
+            <a:picLocks noChangeAspect="1"/>
+          </p:cNvPicPr>
+          <p:nvPr/>
+        </p:nvPicPr>
+        <p:blipFill>
+          <a:blip r:embed="rId3"/>
+          <a:stretch>
+            <a:fillRect/>
+          </a:stretch>
+        </p:blipFill>
+        <p:spPr>
+          <a:xfrm>
+            <a:off x="1201293" y="5111750"/>
+            <a:ext cx="5207000" cy="1244600"/>
+          </a:xfrm>
+          <a:prstGeom prst="rect">
+            <a:avLst/>
+          </a:prstGeom>
+        </p:spPr>
+      </p:pic>
+      <p:sp>
+        <p:nvSpPr>
+          <p:cNvPr id="8" name="TextBox 7">
+            <a:extLst>
+              <a:ext uri="{FF2B5EF4-FFF2-40B4-BE49-F238E27FC236}">
+                <a16:creationId xmlns:a16="http://schemas.microsoft.com/office/drawing/2014/main" id="{76D972DD-0555-01AC-7D14-F02801FCA7F2}"/>
+              </a:ext>
+            </a:extLst>
+          </p:cNvPr>
+          <p:cNvSpPr txBox="1"/>
+          <p:nvPr/>
+        </p:nvSpPr>
+        <p:spPr>
+          <a:xfrm>
+            <a:off x="161994" y="5549384"/>
+            <a:ext cx="990977" cy="369332"/>
+          </a:xfrm>
+          <a:prstGeom prst="rect">
+            <a:avLst/>
+          </a:prstGeom>
+          <a:noFill/>
+        </p:spPr>
+        <p:txBody>
+          <a:bodyPr wrap="none" rtlCol="0">
+            <a:spAutoFit/>
+          </a:bodyPr>
+          <a:lstStyle/>
+          <a:p>
+            <a:r>
+              <a:rPr lang="en-TW" dirty="0"/>
+              <a:t>80 times</a:t>
+            </a:r>
+          </a:p>
+        </p:txBody>
+      </p:sp>
+      <p:pic>
+        <p:nvPicPr>
+          <p:cNvPr id="12" name="Picture 11">
+            <a:extLst>
+              <a:ext uri="{FF2B5EF4-FFF2-40B4-BE49-F238E27FC236}">
+                <a16:creationId xmlns:a16="http://schemas.microsoft.com/office/drawing/2014/main" id="{3E40C777-F9B9-13AF-9257-DBA45FFC0AC4}"/>
+              </a:ext>
+            </a:extLst>
+          </p:cNvPr>
+          <p:cNvPicPr>
+            <a:picLocks noChangeAspect="1"/>
+          </p:cNvPicPr>
+          <p:nvPr/>
+        </p:nvPicPr>
+        <p:blipFill>
+          <a:blip r:embed="rId4"/>
+          <a:stretch>
+            <a:fillRect/>
+          </a:stretch>
+        </p:blipFill>
+        <p:spPr>
+          <a:xfrm>
+            <a:off x="1201293" y="3790702"/>
+            <a:ext cx="5207000" cy="1206500"/>
+          </a:xfrm>
+          <a:prstGeom prst="rect">
+            <a:avLst/>
+          </a:prstGeom>
+        </p:spPr>
+      </p:pic>
+      <p:pic>
+        <p:nvPicPr>
+          <p:cNvPr id="15" name="Picture 14">
+            <a:extLst>
+              <a:ext uri="{FF2B5EF4-FFF2-40B4-BE49-F238E27FC236}">
+                <a16:creationId xmlns:a16="http://schemas.microsoft.com/office/drawing/2014/main" id="{A332D99E-B192-E98E-821B-1EFE48FCFC08}"/>
+              </a:ext>
+            </a:extLst>
+          </p:cNvPr>
+          <p:cNvPicPr>
+            <a:picLocks noChangeAspect="1"/>
+          </p:cNvPicPr>
+          <p:nvPr/>
+        </p:nvPicPr>
+        <p:blipFill>
+          <a:blip r:embed="rId5"/>
+          <a:stretch>
+            <a:fillRect/>
+          </a:stretch>
+        </p:blipFill>
+        <p:spPr>
+          <a:xfrm>
+            <a:off x="1226693" y="2447946"/>
+            <a:ext cx="5181600" cy="1270000"/>
+          </a:xfrm>
+          <a:prstGeom prst="rect">
+            <a:avLst/>
+          </a:prstGeom>
+        </p:spPr>
+      </p:pic>
+      <p:sp>
+        <p:nvSpPr>
+          <p:cNvPr id="16" name="TextBox 15">
+            <a:extLst>
+              <a:ext uri="{FF2B5EF4-FFF2-40B4-BE49-F238E27FC236}">
+                <a16:creationId xmlns:a16="http://schemas.microsoft.com/office/drawing/2014/main" id="{FADF55D8-92CE-CA6E-E408-A61F6EA76742}"/>
+              </a:ext>
+            </a:extLst>
+          </p:cNvPr>
+          <p:cNvSpPr txBox="1"/>
+          <p:nvPr/>
+        </p:nvSpPr>
+        <p:spPr>
+          <a:xfrm>
+            <a:off x="161993" y="4219048"/>
+            <a:ext cx="990977" cy="369332"/>
+          </a:xfrm>
+          <a:prstGeom prst="rect">
+            <a:avLst/>
+          </a:prstGeom>
+          <a:noFill/>
+        </p:spPr>
+        <p:txBody>
+          <a:bodyPr wrap="none" rtlCol="0">
+            <a:spAutoFit/>
+          </a:bodyPr>
+          <a:lstStyle/>
+          <a:p>
+            <a:r>
+              <a:rPr lang="en-TW" dirty="0"/>
+              <a:t>40 times</a:t>
+            </a:r>
+          </a:p>
+        </p:txBody>
+      </p:sp>
+      <p:sp>
+        <p:nvSpPr>
+          <p:cNvPr id="17" name="TextBox 16">
+            <a:extLst>
+              <a:ext uri="{FF2B5EF4-FFF2-40B4-BE49-F238E27FC236}">
+                <a16:creationId xmlns:a16="http://schemas.microsoft.com/office/drawing/2014/main" id="{1C4B9190-F177-330E-10F7-0C98F8014ACB}"/>
+              </a:ext>
+            </a:extLst>
+          </p:cNvPr>
+          <p:cNvSpPr txBox="1"/>
+          <p:nvPr/>
+        </p:nvSpPr>
+        <p:spPr>
+          <a:xfrm>
+            <a:off x="161405" y="2898280"/>
+            <a:ext cx="990977" cy="369332"/>
+          </a:xfrm>
+          <a:prstGeom prst="rect">
+            <a:avLst/>
+          </a:prstGeom>
+          <a:noFill/>
+        </p:spPr>
+        <p:txBody>
+          <a:bodyPr wrap="none" rtlCol="0">
+            <a:spAutoFit/>
+          </a:bodyPr>
+          <a:lstStyle/>
+          <a:p>
+            <a:r>
+              <a:rPr lang="en-TW" dirty="0"/>
+              <a:t>20 times</a:t>
+            </a:r>
+          </a:p>
+        </p:txBody>
+      </p:sp>
+      <p:pic>
+        <p:nvPicPr>
+          <p:cNvPr id="19" name="Picture 18">
+            <a:extLst>
+              <a:ext uri="{FF2B5EF4-FFF2-40B4-BE49-F238E27FC236}">
+                <a16:creationId xmlns:a16="http://schemas.microsoft.com/office/drawing/2014/main" id="{2073933C-0287-DFC8-459E-9016B06FE925}"/>
+              </a:ext>
+            </a:extLst>
+          </p:cNvPr>
+          <p:cNvPicPr>
+            <a:picLocks noChangeAspect="1"/>
+          </p:cNvPicPr>
+          <p:nvPr/>
+        </p:nvPicPr>
+        <p:blipFill>
+          <a:blip r:embed="rId6"/>
+          <a:stretch>
+            <a:fillRect/>
+          </a:stretch>
+        </p:blipFill>
+        <p:spPr>
+          <a:xfrm>
+            <a:off x="6556915" y="2503250"/>
+            <a:ext cx="5054600" cy="1104900"/>
+          </a:xfrm>
+          <a:prstGeom prst="rect">
+            <a:avLst/>
+          </a:prstGeom>
+        </p:spPr>
+      </p:pic>
+      <p:pic>
+        <p:nvPicPr>
+          <p:cNvPr id="21" name="Picture 20">
+            <a:extLst>
+              <a:ext uri="{FF2B5EF4-FFF2-40B4-BE49-F238E27FC236}">
+                <a16:creationId xmlns:a16="http://schemas.microsoft.com/office/drawing/2014/main" id="{19A4305F-495A-8454-DF94-16515B9C313D}"/>
+              </a:ext>
+            </a:extLst>
+          </p:cNvPr>
+          <p:cNvPicPr>
+            <a:picLocks noChangeAspect="1"/>
+          </p:cNvPicPr>
+          <p:nvPr/>
+        </p:nvPicPr>
+        <p:blipFill>
+          <a:blip r:embed="rId7"/>
+          <a:stretch>
+            <a:fillRect/>
+          </a:stretch>
+        </p:blipFill>
+        <p:spPr>
+          <a:xfrm>
+            <a:off x="6493105" y="3968502"/>
+            <a:ext cx="5118410" cy="1028700"/>
+          </a:xfrm>
+          <a:prstGeom prst="rect">
+            <a:avLst/>
+          </a:prstGeom>
+        </p:spPr>
+      </p:pic>
+      <p:pic>
+        <p:nvPicPr>
+          <p:cNvPr id="23" name="Picture 22">
+            <a:extLst>
+              <a:ext uri="{FF2B5EF4-FFF2-40B4-BE49-F238E27FC236}">
+                <a16:creationId xmlns:a16="http://schemas.microsoft.com/office/drawing/2014/main" id="{09F89658-A67A-313E-EAB0-841038B298FE}"/>
+              </a:ext>
+            </a:extLst>
+          </p:cNvPr>
+          <p:cNvPicPr>
+            <a:picLocks noChangeAspect="1"/>
+          </p:cNvPicPr>
+          <p:nvPr/>
+        </p:nvPicPr>
+        <p:blipFill>
+          <a:blip r:embed="rId8"/>
+          <a:stretch>
+            <a:fillRect/>
+          </a:stretch>
+        </p:blipFill>
+        <p:spPr>
+          <a:xfrm>
+            <a:off x="6366415" y="5302436"/>
+            <a:ext cx="5245100" cy="1028700"/>
+          </a:xfrm>
+          <a:prstGeom prst="rect">
+            <a:avLst/>
+          </a:prstGeom>
+        </p:spPr>
+      </p:pic>
+    </p:spTree>
+    <p:extLst>
+      <p:ext uri="{BB962C8B-B14F-4D97-AF65-F5344CB8AC3E}">
+        <p14:creationId xmlns:p14="http://schemas.microsoft.com/office/powerpoint/2010/main" val="2597300154"/>
+      </p:ext>
+    </p:extLst>
+  </p:cSld>
+  <p:clrMapOvr>
+    <a:masterClrMapping/>
+  </p:clrMapOvr>
+  <mc:AlternateContent xmlns:mc="http://schemas.openxmlformats.org/markup-compatibility/2006" xmlns:p159="http://schemas.microsoft.com/office/powerpoint/2015/09/main">
+    <mc:Choice Requires="p159">
+      <p:transition xmlns:p14="http://schemas.microsoft.com/office/powerpoint/2010/main" spd="slow" p14:dur="2000">
+        <p159:morph option="byObject"/>
+      </p:transition>
+    </mc:Choice>
+    <mc:Fallback xmlns="">
+      <p:transition spd="slow">
+        <p:fade/>
+      </p:transition>
+    </mc:Fallback>
+  </mc:AlternateContent>
+</p:sld>
+</file>
+
+<file path=ppt/slides/slide16.xml><?xml version="1.0" encoding="utf-8"?>
+<p:sld xmlns:a="http://schemas.openxmlformats.org/drawingml/2006/main" xmlns:r="http://schemas.openxmlformats.org/officeDocument/2006/relationships" xmlns:p="http://schemas.openxmlformats.org/presentationml/2006/main">
+  <p:cSld>
+    <p:spTree>
+      <p:nvGrpSpPr>
+        <p:cNvPr id="1" name=""/>
+        <p:cNvGrpSpPr/>
+        <p:nvPr/>
+      </p:nvGrpSpPr>
+      <p:grpSpPr>
+        <a:xfrm>
+          <a:off x="0" y="0"/>
+          <a:ext cx="0" cy="0"/>
+          <a:chOff x="0" y="0"/>
+          <a:chExt cx="0" cy="0"/>
+        </a:xfrm>
+      </p:grpSpPr>
+      <p:sp>
+        <p:nvSpPr>
+          <p:cNvPr id="2" name="Title 1">
+            <a:extLst>
+              <a:ext uri="{FF2B5EF4-FFF2-40B4-BE49-F238E27FC236}">
+                <a16:creationId xmlns:a16="http://schemas.microsoft.com/office/drawing/2014/main" id="{2B533BED-E48C-5E7F-2273-C55CCE98516B}"/>
+              </a:ext>
+            </a:extLst>
+          </p:cNvPr>
+          <p:cNvSpPr>
+            <a:spLocks noGrp="1"/>
+          </p:cNvSpPr>
+          <p:nvPr>
+            <p:ph type="title"/>
+          </p:nvPr>
+        </p:nvSpPr>
+        <p:spPr>
+          <a:xfrm>
+            <a:off x="432987" y="194991"/>
+            <a:ext cx="10515600" cy="1325563"/>
+          </a:xfrm>
+        </p:spPr>
+        <p:txBody>
+          <a:bodyPr/>
+          <a:lstStyle/>
+          <a:p>
+            <a:r>
+              <a:rPr lang="en-TW" b="1" dirty="0"/>
+              <a:t>Experiment 3 - Oversampling</a:t>
+            </a:r>
+          </a:p>
+        </p:txBody>
+      </p:sp>
+      <p:sp>
+        <p:nvSpPr>
+          <p:cNvPr id="4" name="Slide Number Placeholder 3">
+            <a:extLst>
+              <a:ext uri="{FF2B5EF4-FFF2-40B4-BE49-F238E27FC236}">
+                <a16:creationId xmlns:a16="http://schemas.microsoft.com/office/drawing/2014/main" id="{5CD44B9F-7DE8-0932-BD70-B0BA453E653B}"/>
+              </a:ext>
+            </a:extLst>
+          </p:cNvPr>
+          <p:cNvSpPr>
+            <a:spLocks noGrp="1"/>
+          </p:cNvSpPr>
+          <p:nvPr>
+            <p:ph type="sldNum" sz="quarter" idx="12"/>
+          </p:nvPr>
+        </p:nvSpPr>
+        <p:spPr/>
+        <p:txBody>
+          <a:bodyPr/>
+          <a:lstStyle/>
+          <a:p>
+            <a:fld id="{DB156E10-B3DB-CB42-894C-E44038C8B0C4}" type="slidenum">
+              <a:rPr lang="en-TW" smtClean="0"/>
+              <a:t>16</a:t>
             </a:fld>
             <a:endParaRPr lang="en-TW" dirty="0"/>
           </a:p>
@@ -6311,7 +6998,7 @@
 </p:sld>
 </file>
 
-<file path=ppt/slides/slide16.xml><?xml version="1.0" encoding="utf-8"?>
+<file path=ppt/slides/slide17.xml><?xml version="1.0" encoding="utf-8"?>
 <p:sld xmlns:a="http://schemas.openxmlformats.org/drawingml/2006/main" xmlns:r="http://schemas.openxmlformats.org/officeDocument/2006/relationships" xmlns:p="http://schemas.openxmlformats.org/presentationml/2006/main">
   <p:cSld>
     <p:spTree>
@@ -6384,7 +7071,7 @@
           <a:p>
             <a:fld id="{DB156E10-B3DB-CB42-894C-E44038C8B0C4}" type="slidenum">
               <a:rPr lang="en-TW" smtClean="0"/>
-              <a:t>16</a:t>
+              <a:t>17</a:t>
             </a:fld>
             <a:endParaRPr lang="en-TW" dirty="0"/>
           </a:p>
@@ -6627,7 +7314,7 @@
 </p:sld>
 </file>
 
-<file path=ppt/slides/slide17.xml><?xml version="1.0" encoding="utf-8"?>
+<file path=ppt/slides/slide18.xml><?xml version="1.0" encoding="utf-8"?>
 <p:sld xmlns:a="http://schemas.openxmlformats.org/drawingml/2006/main" xmlns:r="http://schemas.openxmlformats.org/officeDocument/2006/relationships" xmlns:p="http://schemas.openxmlformats.org/presentationml/2006/main">
   <p:cSld>
     <p:spTree>
@@ -6700,7 +7387,7 @@
           <a:p>
             <a:fld id="{DB156E10-B3DB-CB42-894C-E44038C8B0C4}" type="slidenum">
               <a:rPr lang="en-TW" smtClean="0"/>
-              <a:t>17</a:t>
+              <a:t>18</a:t>
             </a:fld>
             <a:endParaRPr lang="en-TW" dirty="0"/>
           </a:p>
@@ -6821,7 +7508,7 @@
 </p:sld>
 </file>
 
-<file path=ppt/slides/slide18.xml><?xml version="1.0" encoding="utf-8"?>
+<file path=ppt/slides/slide19.xml><?xml version="1.0" encoding="utf-8"?>
 <p:sld xmlns:a="http://schemas.openxmlformats.org/drawingml/2006/main" xmlns:r="http://schemas.openxmlformats.org/officeDocument/2006/relationships" xmlns:p="http://schemas.openxmlformats.org/presentationml/2006/main">
   <p:cSld>
     <p:spTree>
@@ -6894,7 +7581,7 @@
           <a:p>
             <a:fld id="{DB156E10-B3DB-CB42-894C-E44038C8B0C4}" type="slidenum">
               <a:rPr lang="en-TW" smtClean="0"/>
-              <a:t>18</a:t>
+              <a:t>19</a:t>
             </a:fld>
             <a:endParaRPr lang="en-TW" dirty="0"/>
           </a:p>
@@ -7412,7 +8099,7 @@
 </p:sld>
 </file>
 
-<file path=ppt/slides/slide19.xml><?xml version="1.0" encoding="utf-8"?>
+<file path=ppt/slides/slide2.xml><?xml version="1.0" encoding="utf-8"?>
 <p:sld xmlns:a="http://schemas.openxmlformats.org/drawingml/2006/main" xmlns:r="http://schemas.openxmlformats.org/officeDocument/2006/relationships" xmlns:p="http://schemas.openxmlformats.org/presentationml/2006/main">
   <p:cSld>
     <p:spTree>
@@ -7434,6 +8121,251 @@
           <p:cNvPr id="2" name="Title 1">
             <a:extLst>
               <a:ext uri="{FF2B5EF4-FFF2-40B4-BE49-F238E27FC236}">
+                <a16:creationId xmlns:a16="http://schemas.microsoft.com/office/drawing/2014/main" id="{3CD19673-87E3-F155-70D6-C4176996AE62}"/>
+              </a:ext>
+            </a:extLst>
+          </p:cNvPr>
+          <p:cNvSpPr>
+            <a:spLocks noGrp="1"/>
+          </p:cNvSpPr>
+          <p:nvPr>
+            <p:ph type="title"/>
+          </p:nvPr>
+        </p:nvSpPr>
+        <p:spPr>
+          <a:xfrm>
+            <a:off x="536448" y="136525"/>
+            <a:ext cx="10515600" cy="1325563"/>
+          </a:xfrm>
+        </p:spPr>
+        <p:txBody>
+          <a:bodyPr/>
+          <a:lstStyle/>
+          <a:p>
+            <a:r>
+              <a:rPr lang="en-TW" b="1" dirty="0"/>
+              <a:t>Outline</a:t>
+            </a:r>
+          </a:p>
+        </p:txBody>
+      </p:sp>
+      <p:sp>
+        <p:nvSpPr>
+          <p:cNvPr id="3" name="Content Placeholder 2">
+            <a:extLst>
+              <a:ext uri="{FF2B5EF4-FFF2-40B4-BE49-F238E27FC236}">
+                <a16:creationId xmlns:a16="http://schemas.microsoft.com/office/drawing/2014/main" id="{B2F97F4C-A696-D3C3-AB2B-F5D8B5959A58}"/>
+              </a:ext>
+            </a:extLst>
+          </p:cNvPr>
+          <p:cNvSpPr>
+            <a:spLocks noGrp="1"/>
+          </p:cNvSpPr>
+          <p:nvPr>
+            <p:ph idx="1"/>
+          </p:nvPr>
+        </p:nvSpPr>
+        <p:spPr>
+          <a:xfrm>
+            <a:off x="828040" y="1170623"/>
+            <a:ext cx="10689336" cy="5030152"/>
+          </a:xfrm>
+        </p:spPr>
+        <p:txBody>
+          <a:bodyPr>
+            <a:normAutofit/>
+          </a:bodyPr>
+          <a:lstStyle/>
+          <a:p>
+            <a:pPr marL="457200" lvl="1" indent="0">
+              <a:lnSpc>
+                <a:spcPct val="110000"/>
+              </a:lnSpc>
+              <a:buNone/>
+            </a:pPr>
+            <a:endParaRPr lang="en-TW" b="1" dirty="0"/>
+          </a:p>
+          <a:p>
+            <a:pPr>
+              <a:lnSpc>
+                <a:spcPct val="110000"/>
+              </a:lnSpc>
+            </a:pPr>
+            <a:r>
+              <a:rPr lang="en-TW" b="1" dirty="0"/>
+              <a:t>GNN</a:t>
+            </a:r>
+          </a:p>
+          <a:p>
+            <a:pPr lvl="1">
+              <a:lnSpc>
+                <a:spcPct val="110000"/>
+              </a:lnSpc>
+            </a:pPr>
+            <a:r>
+              <a:rPr lang="en-US" b="1" dirty="0"/>
+              <a:t>H</a:t>
+            </a:r>
+            <a:r>
+              <a:rPr lang="en-TW" b="1" dirty="0"/>
+              <a:t>ow to solve the data imbalance</a:t>
+            </a:r>
+            <a:r>
+              <a:rPr lang="zh-TW" altLang="en-US" b="1" dirty="0"/>
+              <a:t> </a:t>
+            </a:r>
+            <a:r>
+              <a:rPr lang="en-US" altLang="zh-TW" b="1" dirty="0"/>
+              <a:t>problem</a:t>
+            </a:r>
+            <a:endParaRPr lang="en-TW" b="1" dirty="0"/>
+          </a:p>
+          <a:p>
+            <a:pPr lvl="2">
+              <a:lnSpc>
+                <a:spcPct val="110000"/>
+              </a:lnSpc>
+            </a:pPr>
+            <a:r>
+              <a:rPr lang="en-TW" b="1" dirty="0"/>
+              <a:t>Over-Sampling</a:t>
+            </a:r>
+          </a:p>
+          <a:p>
+            <a:pPr lvl="2">
+              <a:lnSpc>
+                <a:spcPct val="110000"/>
+              </a:lnSpc>
+            </a:pPr>
+            <a:r>
+              <a:rPr lang="en-US" b="1" dirty="0"/>
+              <a:t>W</a:t>
+            </a:r>
+            <a:r>
+              <a:rPr lang="en-TW" b="1" dirty="0"/>
+              <a:t>ith K-Fold Cross Validation</a:t>
+            </a:r>
+          </a:p>
+          <a:p>
+            <a:pPr lvl="2">
+              <a:lnSpc>
+                <a:spcPct val="110000"/>
+              </a:lnSpc>
+            </a:pPr>
+            <a:r>
+              <a:rPr lang="en-TW" b="1" dirty="0"/>
+              <a:t>GCN model</a:t>
+            </a:r>
+            <a:br>
+              <a:rPr lang="en-TW" b="1" dirty="0"/>
+            </a:br>
+            <a:endParaRPr lang="en-TW" b="1" dirty="0"/>
+          </a:p>
+          <a:p>
+            <a:pPr>
+              <a:lnSpc>
+                <a:spcPct val="110000"/>
+              </a:lnSpc>
+            </a:pPr>
+            <a:r>
+              <a:rPr lang="en-TW" b="1" dirty="0"/>
+              <a:t>Future Work</a:t>
+            </a:r>
+          </a:p>
+          <a:p>
+            <a:pPr>
+              <a:lnSpc>
+                <a:spcPct val="110000"/>
+              </a:lnSpc>
+            </a:pPr>
+            <a:endParaRPr lang="en-TW" dirty="0"/>
+          </a:p>
+          <a:p>
+            <a:pPr>
+              <a:lnSpc>
+                <a:spcPct val="110000"/>
+              </a:lnSpc>
+            </a:pPr>
+            <a:endParaRPr lang="en-TW" dirty="0"/>
+          </a:p>
+        </p:txBody>
+      </p:sp>
+      <p:sp>
+        <p:nvSpPr>
+          <p:cNvPr id="4" name="Slide Number Placeholder 3">
+            <a:extLst>
+              <a:ext uri="{FF2B5EF4-FFF2-40B4-BE49-F238E27FC236}">
+                <a16:creationId xmlns:a16="http://schemas.microsoft.com/office/drawing/2014/main" id="{BADFCDC4-2B6D-0898-DA05-192201896320}"/>
+              </a:ext>
+            </a:extLst>
+          </p:cNvPr>
+          <p:cNvSpPr>
+            <a:spLocks noGrp="1"/>
+          </p:cNvSpPr>
+          <p:nvPr>
+            <p:ph type="sldNum" sz="quarter" idx="12"/>
+          </p:nvPr>
+        </p:nvSpPr>
+        <p:spPr/>
+        <p:txBody>
+          <a:bodyPr/>
+          <a:lstStyle/>
+          <a:p>
+            <a:fld id="{DB156E10-B3DB-CB42-894C-E44038C8B0C4}" type="slidenum">
+              <a:rPr lang="en-TW" smtClean="0"/>
+              <a:t>2</a:t>
+            </a:fld>
+            <a:endParaRPr lang="en-TW"/>
+          </a:p>
+        </p:txBody>
+      </p:sp>
+    </p:spTree>
+    <p:extLst>
+      <p:ext uri="{BB962C8B-B14F-4D97-AF65-F5344CB8AC3E}">
+        <p14:creationId xmlns:p14="http://schemas.microsoft.com/office/powerpoint/2010/main" val="168948553"/>
+      </p:ext>
+    </p:extLst>
+  </p:cSld>
+  <p:clrMapOvr>
+    <a:masterClrMapping/>
+  </p:clrMapOvr>
+  <mc:AlternateContent xmlns:mc="http://schemas.openxmlformats.org/markup-compatibility/2006" xmlns:p159="http://schemas.microsoft.com/office/powerpoint/2015/09/main">
+    <mc:Choice Requires="p159">
+      <p:transition xmlns:p14="http://schemas.microsoft.com/office/powerpoint/2010/main" spd="slow" p14:dur="2000">
+        <p159:morph option="byObject"/>
+      </p:transition>
+    </mc:Choice>
+    <mc:Fallback xmlns="">
+      <p:transition spd="slow">
+        <p:fade/>
+      </p:transition>
+    </mc:Fallback>
+  </mc:AlternateContent>
+</p:sld>
+</file>
+
+<file path=ppt/slides/slide20.xml><?xml version="1.0" encoding="utf-8"?>
+<p:sld xmlns:a="http://schemas.openxmlformats.org/drawingml/2006/main" xmlns:r="http://schemas.openxmlformats.org/officeDocument/2006/relationships" xmlns:p="http://schemas.openxmlformats.org/presentationml/2006/main">
+  <p:cSld>
+    <p:spTree>
+      <p:nvGrpSpPr>
+        <p:cNvPr id="1" name=""/>
+        <p:cNvGrpSpPr/>
+        <p:nvPr/>
+      </p:nvGrpSpPr>
+      <p:grpSpPr>
+        <a:xfrm>
+          <a:off x="0" y="0"/>
+          <a:ext cx="0" cy="0"/>
+          <a:chOff x="0" y="0"/>
+          <a:chExt cx="0" cy="0"/>
+        </a:xfrm>
+      </p:grpSpPr>
+      <p:sp>
+        <p:nvSpPr>
+          <p:cNvPr id="2" name="Title 1">
+            <a:extLst>
+              <a:ext uri="{FF2B5EF4-FFF2-40B4-BE49-F238E27FC236}">
                 <a16:creationId xmlns:a16="http://schemas.microsoft.com/office/drawing/2014/main" id="{2B533BED-E48C-5E7F-2273-C55CCE98516B}"/>
               </a:ext>
             </a:extLst>
@@ -7485,7 +8417,7 @@
           <a:p>
             <a:fld id="{DB156E10-B3DB-CB42-894C-E44038C8B0C4}" type="slidenum">
               <a:rPr lang="en-TW" smtClean="0"/>
-              <a:t>19</a:t>
+              <a:t>20</a:t>
             </a:fld>
             <a:endParaRPr lang="en-TW" dirty="0"/>
           </a:p>
@@ -7634,7 +8566,7 @@
 </p:sld>
 </file>
 
-<file path=ppt/slides/slide2.xml><?xml version="1.0" encoding="utf-8"?>
+<file path=ppt/slides/slide21.xml><?xml version="1.0" encoding="utf-8"?>
 <p:sld xmlns:a="http://schemas.openxmlformats.org/drawingml/2006/main" xmlns:r="http://schemas.openxmlformats.org/officeDocument/2006/relationships" xmlns:p="http://schemas.openxmlformats.org/presentationml/2006/main">
   <p:cSld>
     <p:spTree>
@@ -7656,205 +8588,6 @@
           <p:cNvPr id="2" name="Title 1">
             <a:extLst>
               <a:ext uri="{FF2B5EF4-FFF2-40B4-BE49-F238E27FC236}">
-                <a16:creationId xmlns:a16="http://schemas.microsoft.com/office/drawing/2014/main" id="{3CD19673-87E3-F155-70D6-C4176996AE62}"/>
-              </a:ext>
-            </a:extLst>
-          </p:cNvPr>
-          <p:cNvSpPr>
-            <a:spLocks noGrp="1"/>
-          </p:cNvSpPr>
-          <p:nvPr>
-            <p:ph type="title"/>
-          </p:nvPr>
-        </p:nvSpPr>
-        <p:spPr>
-          <a:xfrm>
-            <a:off x="536448" y="136525"/>
-            <a:ext cx="10515600" cy="1325563"/>
-          </a:xfrm>
-        </p:spPr>
-        <p:txBody>
-          <a:bodyPr/>
-          <a:lstStyle/>
-          <a:p>
-            <a:r>
-              <a:rPr lang="en-TW" b="1" dirty="0"/>
-              <a:t>Outline</a:t>
-            </a:r>
-          </a:p>
-        </p:txBody>
-      </p:sp>
-      <p:sp>
-        <p:nvSpPr>
-          <p:cNvPr id="3" name="Content Placeholder 2">
-            <a:extLst>
-              <a:ext uri="{FF2B5EF4-FFF2-40B4-BE49-F238E27FC236}">
-                <a16:creationId xmlns:a16="http://schemas.microsoft.com/office/drawing/2014/main" id="{B2F97F4C-A696-D3C3-AB2B-F5D8B5959A58}"/>
-              </a:ext>
-            </a:extLst>
-          </p:cNvPr>
-          <p:cNvSpPr>
-            <a:spLocks noGrp="1"/>
-          </p:cNvSpPr>
-          <p:nvPr>
-            <p:ph idx="1"/>
-          </p:nvPr>
-        </p:nvSpPr>
-        <p:spPr>
-          <a:xfrm>
-            <a:off x="838200" y="1394143"/>
-            <a:ext cx="10689336" cy="5030152"/>
-          </a:xfrm>
-        </p:spPr>
-        <p:txBody>
-          <a:bodyPr>
-            <a:normAutofit/>
-          </a:bodyPr>
-          <a:lstStyle/>
-          <a:p>
-            <a:pPr marL="457200" lvl="1" indent="0">
-              <a:lnSpc>
-                <a:spcPct val="110000"/>
-              </a:lnSpc>
-              <a:buNone/>
-            </a:pPr>
-            <a:endParaRPr lang="en-TW" b="1" dirty="0"/>
-          </a:p>
-          <a:p>
-            <a:pPr>
-              <a:lnSpc>
-                <a:spcPct val="110000"/>
-              </a:lnSpc>
-            </a:pPr>
-            <a:r>
-              <a:rPr lang="en-TW" b="1" dirty="0"/>
-              <a:t>GNN</a:t>
-            </a:r>
-          </a:p>
-          <a:p>
-            <a:pPr lvl="1">
-              <a:lnSpc>
-                <a:spcPct val="110000"/>
-              </a:lnSpc>
-            </a:pPr>
-            <a:r>
-              <a:rPr lang="en-US" b="1" dirty="0"/>
-              <a:t>H</a:t>
-            </a:r>
-            <a:r>
-              <a:rPr lang="en-TW" b="1" dirty="0"/>
-              <a:t>ow to solve the data imbalance</a:t>
-            </a:r>
-            <a:br>
-              <a:rPr lang="en-TW" b="1" dirty="0"/>
-            </a:br>
-            <a:endParaRPr lang="en-TW" b="1" dirty="0"/>
-          </a:p>
-          <a:p>
-            <a:pPr>
-              <a:lnSpc>
-                <a:spcPct val="110000"/>
-              </a:lnSpc>
-            </a:pPr>
-            <a:r>
-              <a:rPr lang="en-TW" b="1" dirty="0"/>
-              <a:t>Future Work</a:t>
-            </a:r>
-          </a:p>
-          <a:p>
-            <a:pPr>
-              <a:lnSpc>
-                <a:spcPct val="110000"/>
-              </a:lnSpc>
-            </a:pPr>
-            <a:endParaRPr lang="en-TW" dirty="0"/>
-          </a:p>
-          <a:p>
-            <a:pPr>
-              <a:lnSpc>
-                <a:spcPct val="110000"/>
-              </a:lnSpc>
-            </a:pPr>
-            <a:endParaRPr lang="en-TW" dirty="0"/>
-          </a:p>
-        </p:txBody>
-      </p:sp>
-      <p:sp>
-        <p:nvSpPr>
-          <p:cNvPr id="4" name="Slide Number Placeholder 3">
-            <a:extLst>
-              <a:ext uri="{FF2B5EF4-FFF2-40B4-BE49-F238E27FC236}">
-                <a16:creationId xmlns:a16="http://schemas.microsoft.com/office/drawing/2014/main" id="{BADFCDC4-2B6D-0898-DA05-192201896320}"/>
-              </a:ext>
-            </a:extLst>
-          </p:cNvPr>
-          <p:cNvSpPr>
-            <a:spLocks noGrp="1"/>
-          </p:cNvSpPr>
-          <p:nvPr>
-            <p:ph type="sldNum" sz="quarter" idx="12"/>
-          </p:nvPr>
-        </p:nvSpPr>
-        <p:spPr/>
-        <p:txBody>
-          <a:bodyPr/>
-          <a:lstStyle/>
-          <a:p>
-            <a:fld id="{DB156E10-B3DB-CB42-894C-E44038C8B0C4}" type="slidenum">
-              <a:rPr lang="en-TW" smtClean="0"/>
-              <a:t>2</a:t>
-            </a:fld>
-            <a:endParaRPr lang="en-TW"/>
-          </a:p>
-        </p:txBody>
-      </p:sp>
-    </p:spTree>
-    <p:extLst>
-      <p:ext uri="{BB962C8B-B14F-4D97-AF65-F5344CB8AC3E}">
-        <p14:creationId xmlns:p14="http://schemas.microsoft.com/office/powerpoint/2010/main" val="168948553"/>
-      </p:ext>
-    </p:extLst>
-  </p:cSld>
-  <p:clrMapOvr>
-    <a:masterClrMapping/>
-  </p:clrMapOvr>
-  <mc:AlternateContent xmlns:mc="http://schemas.openxmlformats.org/markup-compatibility/2006" xmlns:p159="http://schemas.microsoft.com/office/powerpoint/2015/09/main">
-    <mc:Choice Requires="p159">
-      <p:transition xmlns:p14="http://schemas.microsoft.com/office/powerpoint/2010/main" spd="slow" p14:dur="2000">
-        <p159:morph option="byObject"/>
-      </p:transition>
-    </mc:Choice>
-    <mc:Fallback xmlns="">
-      <p:transition spd="slow">
-        <p:fade/>
-      </p:transition>
-    </mc:Fallback>
-  </mc:AlternateContent>
-</p:sld>
-</file>
-
-<file path=ppt/slides/slide20.xml><?xml version="1.0" encoding="utf-8"?>
-<p:sld xmlns:a="http://schemas.openxmlformats.org/drawingml/2006/main" xmlns:r="http://schemas.openxmlformats.org/officeDocument/2006/relationships" xmlns:p="http://schemas.openxmlformats.org/presentationml/2006/main">
-  <p:cSld>
-    <p:spTree>
-      <p:nvGrpSpPr>
-        <p:cNvPr id="1" name=""/>
-        <p:cNvGrpSpPr/>
-        <p:nvPr/>
-      </p:nvGrpSpPr>
-      <p:grpSpPr>
-        <a:xfrm>
-          <a:off x="0" y="0"/>
-          <a:ext cx="0" cy="0"/>
-          <a:chOff x="0" y="0"/>
-          <a:chExt cx="0" cy="0"/>
-        </a:xfrm>
-      </p:grpSpPr>
-      <p:sp>
-        <p:nvSpPr>
-          <p:cNvPr id="2" name="Title 1">
-            <a:extLst>
-              <a:ext uri="{FF2B5EF4-FFF2-40B4-BE49-F238E27FC236}">
                 <a16:creationId xmlns:a16="http://schemas.microsoft.com/office/drawing/2014/main" id="{2B533BED-E48C-5E7F-2273-C55CCE98516B}"/>
               </a:ext>
             </a:extLst>
@@ -7906,7 +8639,7 @@
           <a:p>
             <a:fld id="{DB156E10-B3DB-CB42-894C-E44038C8B0C4}" type="slidenum">
               <a:rPr lang="en-TW" smtClean="0"/>
-              <a:t>20</a:t>
+              <a:t>21</a:t>
             </a:fld>
             <a:endParaRPr lang="en-TW" dirty="0"/>
           </a:p>
@@ -8822,7 +9555,7 @@
         <p:spPr>
           <a:xfrm>
             <a:off x="568311" y="1414401"/>
-            <a:ext cx="11268761" cy="461665"/>
+            <a:ext cx="11268761" cy="1569660"/>
           </a:xfrm>
           <a:prstGeom prst="rect">
             <a:avLst/>
@@ -8841,23 +9574,112 @@
             </a:pPr>
             <a:r>
               <a:rPr lang="en-US" altLang="zh-TW" sz="2400" dirty="0"/>
-              <a:t>Current Trial: </a:t>
-            </a:r>
+              <a:t>Current Trial: hope to see the result on </a:t>
+            </a:r>
+            <a:r>
+              <a:rPr lang="en-US" altLang="zh-TW" sz="2400" b="1" dirty="0"/>
+              <a:t>training</a:t>
+            </a:r>
+            <a:r>
+              <a:rPr lang="en-US" altLang="zh-TW" sz="2400" dirty="0"/>
+              <a:t> dataset</a:t>
+            </a:r>
+          </a:p>
+          <a:p>
+            <a:pPr marL="800100" lvl="1" indent="-342900">
+              <a:buFont typeface="Arial" panose="020B0604020202020204" pitchFamily="34" charset="0"/>
+              <a:buChar char="•"/>
+            </a:pPr>
             <a:r>
               <a:rPr lang="en-US" sz="2400" dirty="0"/>
-              <a:t>Duplicate the data with single triplets </a:t>
-            </a:r>
-            <a:r>
-              <a:rPr lang="en-US" sz="2200" dirty="0">
+              <a:t>At least let the model </a:t>
+            </a:r>
+            <a:r>
+              <a:rPr lang="en-US" sz="2400" b="1" dirty="0"/>
+              <a:t>overfit</a:t>
+            </a:r>
+            <a:r>
+              <a:rPr lang="en-US" sz="2400" dirty="0"/>
+              <a:t> first(remember the data with single triplet)</a:t>
+            </a:r>
+          </a:p>
+          <a:p>
+            <a:pPr marL="800100" lvl="1" indent="-342900">
+              <a:buFont typeface="Arial" panose="020B0604020202020204" pitchFamily="34" charset="0"/>
+              <a:buChar char="•"/>
+            </a:pPr>
+            <a:r>
+              <a:rPr lang="en-US" sz="2400" dirty="0"/>
+              <a:t>U</a:t>
+            </a:r>
+            <a:r>
+              <a:rPr lang="en-TW" sz="2400" dirty="0"/>
+              <a:t>se data with </a:t>
+            </a:r>
+            <a:r>
+              <a:rPr lang="en-TW" sz="2400" b="1" dirty="0"/>
+              <a:t>320 </a:t>
+            </a:r>
+            <a:r>
+              <a:rPr lang="en-TW" sz="2400" dirty="0"/>
+              <a:t>times single triplet </a:t>
+            </a:r>
+            <a:r>
+              <a:rPr lang="en-TW" sz="2200" dirty="0">
                 <a:sym typeface="Wingdings" pitchFamily="2" charset="2"/>
               </a:rPr>
               <a:t></a:t>
             </a:r>
             <a:r>
-              <a:rPr lang="en-US" sz="2400" dirty="0">
+              <a:rPr lang="en-TW" sz="2400" dirty="0">
                 <a:sym typeface="Wingdings" pitchFamily="2" charset="2"/>
               </a:rPr>
-              <a:t> 20, 40, 80, 320 times</a:t>
+              <a:t> # of training data = </a:t>
+            </a:r>
+            <a:r>
+              <a:rPr lang="en-TW" sz="2400" b="0" i="0" dirty="0">
+                <a:solidFill>
+                  <a:srgbClr val="000000"/>
+                </a:solidFill>
+                <a:effectLst/>
+                <a:latin typeface="Helvetica Neue" panose="02000503000000020004" pitchFamily="2" charset="0"/>
+              </a:rPr>
+              <a:t>13657600 </a:t>
+            </a:r>
+            <a:endParaRPr lang="en-TW" sz="2400" dirty="0"/>
+          </a:p>
+          <a:p>
+            <a:pPr marL="800100" lvl="1" indent="-342900">
+              <a:buFont typeface="Arial" panose="020B0604020202020204" pitchFamily="34" charset="0"/>
+              <a:buChar char="•"/>
+            </a:pPr>
+            <a:r>
+              <a:rPr lang="en-US" sz="2400" dirty="0"/>
+              <a:t>L</a:t>
+            </a:r>
+            <a:r>
+              <a:rPr lang="en-TW" sz="2400" dirty="0"/>
+              <a:t>arger hidden </a:t>
+            </a:r>
+            <a:r>
+              <a:rPr lang="en-TW" sz="2400" b="1" dirty="0"/>
+              <a:t>dimension</a:t>
+            </a:r>
+            <a:r>
+              <a:rPr lang="en-TW" sz="2400" dirty="0"/>
+              <a:t> </a:t>
+            </a:r>
+            <a:r>
+              <a:rPr lang="en-TW" sz="2200" dirty="0">
+                <a:sym typeface="Wingdings" pitchFamily="2" charset="2"/>
+              </a:rPr>
+              <a:t></a:t>
+            </a:r>
+            <a:r>
+              <a:rPr lang="en-TW" sz="2400" dirty="0">
+                <a:sym typeface="Wingdings" pitchFamily="2" charset="2"/>
+              </a:rPr>
+              <a:t> more neurons to remember the data</a:t>
             </a:r>
             <a:endParaRPr lang="en-TW" sz="2400" dirty="0"/>
           </a:p>
@@ -8865,10 +9687,10 @@
       </p:sp>
       <p:pic>
         <p:nvPicPr>
-          <p:cNvPr id="7" name="Picture 6">
-            <a:extLst>
-              <a:ext uri="{FF2B5EF4-FFF2-40B4-BE49-F238E27FC236}">
-                <a16:creationId xmlns:a16="http://schemas.microsoft.com/office/drawing/2014/main" id="{892E52AC-0E67-CCD1-1166-ECB39FB59737}"/>
+          <p:cNvPr id="5" name="Picture 4">
+            <a:extLst>
+              <a:ext uri="{FF2B5EF4-FFF2-40B4-BE49-F238E27FC236}">
+                <a16:creationId xmlns:a16="http://schemas.microsoft.com/office/drawing/2014/main" id="{25E5F993-F6A2-A4F6-E813-49909507185B}"/>
               </a:ext>
             </a:extLst>
           </p:cNvPr>
@@ -8885,55 +9707,20 @@
         </p:blipFill>
         <p:spPr>
           <a:xfrm>
-            <a:off x="1201293" y="5111750"/>
-            <a:ext cx="5207000" cy="1244600"/>
+            <a:off x="522601" y="4946905"/>
+            <a:ext cx="5511800" cy="622124"/>
           </a:xfrm>
           <a:prstGeom prst="rect">
             <a:avLst/>
           </a:prstGeom>
         </p:spPr>
       </p:pic>
-      <p:sp>
-        <p:nvSpPr>
-          <p:cNvPr id="8" name="TextBox 7">
-            <a:extLst>
-              <a:ext uri="{FF2B5EF4-FFF2-40B4-BE49-F238E27FC236}">
-                <a16:creationId xmlns:a16="http://schemas.microsoft.com/office/drawing/2014/main" id="{76D972DD-0555-01AC-7D14-F02801FCA7F2}"/>
-              </a:ext>
-            </a:extLst>
-          </p:cNvPr>
-          <p:cNvSpPr txBox="1"/>
-          <p:nvPr/>
-        </p:nvSpPr>
-        <p:spPr>
-          <a:xfrm>
-            <a:off x="161994" y="5549384"/>
-            <a:ext cx="990977" cy="369332"/>
-          </a:xfrm>
-          <a:prstGeom prst="rect">
-            <a:avLst/>
-          </a:prstGeom>
-          <a:noFill/>
-        </p:spPr>
-        <p:txBody>
-          <a:bodyPr wrap="none" rtlCol="0">
-            <a:spAutoFit/>
-          </a:bodyPr>
-          <a:lstStyle/>
-          <a:p>
-            <a:r>
-              <a:rPr lang="en-TW" dirty="0"/>
-              <a:t>80 times</a:t>
-            </a:r>
-          </a:p>
-        </p:txBody>
-      </p:sp>
       <p:pic>
         <p:nvPicPr>
           <p:cNvPr id="12" name="Picture 11">
             <a:extLst>
               <a:ext uri="{FF2B5EF4-FFF2-40B4-BE49-F238E27FC236}">
-                <a16:creationId xmlns:a16="http://schemas.microsoft.com/office/drawing/2014/main" id="{3E40C777-F9B9-13AF-9257-DBA45FFC0AC4}"/>
+                <a16:creationId xmlns:a16="http://schemas.microsoft.com/office/drawing/2014/main" id="{19C5D9B8-AF13-1201-2490-3A5C7D62271B}"/>
               </a:ext>
             </a:extLst>
           </p:cNvPr>
@@ -8950,8 +9737,8 @@
         </p:blipFill>
         <p:spPr>
           <a:xfrm>
-            <a:off x="1201293" y="3790702"/>
-            <a:ext cx="5207000" cy="1206500"/>
+            <a:off x="6157601" y="4948642"/>
+            <a:ext cx="5634998" cy="728851"/>
           </a:xfrm>
           <a:prstGeom prst="rect">
             <a:avLst/>
@@ -8960,10 +9747,10 @@
       </p:pic>
       <p:pic>
         <p:nvPicPr>
-          <p:cNvPr id="15" name="Picture 14">
-            <a:extLst>
-              <a:ext uri="{FF2B5EF4-FFF2-40B4-BE49-F238E27FC236}">
-                <a16:creationId xmlns:a16="http://schemas.microsoft.com/office/drawing/2014/main" id="{A332D99E-B192-E98E-821B-1EFE48FCFC08}"/>
+          <p:cNvPr id="14" name="Picture 13">
+            <a:extLst>
+              <a:ext uri="{FF2B5EF4-FFF2-40B4-BE49-F238E27FC236}">
+                <a16:creationId xmlns:a16="http://schemas.microsoft.com/office/drawing/2014/main" id="{12A75FC0-6840-591A-D38D-7672E4D827E4}"/>
               </a:ext>
             </a:extLst>
           </p:cNvPr>
@@ -8980,90 +9767,20 @@
         </p:blipFill>
         <p:spPr>
           <a:xfrm>
-            <a:off x="1226693" y="2447946"/>
-            <a:ext cx="5181600" cy="1270000"/>
+            <a:off x="6336680" y="3873940"/>
+            <a:ext cx="5422900" cy="965200"/>
           </a:xfrm>
           <a:prstGeom prst="rect">
             <a:avLst/>
           </a:prstGeom>
         </p:spPr>
       </p:pic>
-      <p:sp>
-        <p:nvSpPr>
-          <p:cNvPr id="16" name="TextBox 15">
-            <a:extLst>
-              <a:ext uri="{FF2B5EF4-FFF2-40B4-BE49-F238E27FC236}">
-                <a16:creationId xmlns:a16="http://schemas.microsoft.com/office/drawing/2014/main" id="{FADF55D8-92CE-CA6E-E408-A61F6EA76742}"/>
-              </a:ext>
-            </a:extLst>
-          </p:cNvPr>
-          <p:cNvSpPr txBox="1"/>
-          <p:nvPr/>
-        </p:nvSpPr>
-        <p:spPr>
-          <a:xfrm>
-            <a:off x="161993" y="4219048"/>
-            <a:ext cx="990977" cy="369332"/>
-          </a:xfrm>
-          <a:prstGeom prst="rect">
-            <a:avLst/>
-          </a:prstGeom>
-          <a:noFill/>
-        </p:spPr>
-        <p:txBody>
-          <a:bodyPr wrap="none" rtlCol="0">
-            <a:spAutoFit/>
-          </a:bodyPr>
-          <a:lstStyle/>
-          <a:p>
-            <a:r>
-              <a:rPr lang="en-TW" dirty="0"/>
-              <a:t>40 times</a:t>
-            </a:r>
-          </a:p>
-        </p:txBody>
-      </p:sp>
-      <p:sp>
-        <p:nvSpPr>
-          <p:cNvPr id="17" name="TextBox 16">
-            <a:extLst>
-              <a:ext uri="{FF2B5EF4-FFF2-40B4-BE49-F238E27FC236}">
-                <a16:creationId xmlns:a16="http://schemas.microsoft.com/office/drawing/2014/main" id="{1C4B9190-F177-330E-10F7-0C98F8014ACB}"/>
-              </a:ext>
-            </a:extLst>
-          </p:cNvPr>
-          <p:cNvSpPr txBox="1"/>
-          <p:nvPr/>
-        </p:nvSpPr>
-        <p:spPr>
-          <a:xfrm>
-            <a:off x="161405" y="2898280"/>
-            <a:ext cx="990977" cy="369332"/>
-          </a:xfrm>
-          <a:prstGeom prst="rect">
-            <a:avLst/>
-          </a:prstGeom>
-          <a:noFill/>
-        </p:spPr>
-        <p:txBody>
-          <a:bodyPr wrap="none" rtlCol="0">
-            <a:spAutoFit/>
-          </a:bodyPr>
-          <a:lstStyle/>
-          <a:p>
-            <a:r>
-              <a:rPr lang="en-TW" dirty="0"/>
-              <a:t>20 times</a:t>
-            </a:r>
-          </a:p>
-        </p:txBody>
-      </p:sp>
       <p:pic>
         <p:nvPicPr>
-          <p:cNvPr id="19" name="Picture 18">
-            <a:extLst>
-              <a:ext uri="{FF2B5EF4-FFF2-40B4-BE49-F238E27FC236}">
-                <a16:creationId xmlns:a16="http://schemas.microsoft.com/office/drawing/2014/main" id="{2073933C-0287-DFC8-459E-9016B06FE925}"/>
+          <p:cNvPr id="16" name="Picture 15">
+            <a:extLst>
+              <a:ext uri="{FF2B5EF4-FFF2-40B4-BE49-F238E27FC236}">
+                <a16:creationId xmlns:a16="http://schemas.microsoft.com/office/drawing/2014/main" id="{117826D2-0B5B-85E5-B35E-C59CBD5D7A5A}"/>
               </a:ext>
             </a:extLst>
           </p:cNvPr>
@@ -9080,78 +9797,104 @@
         </p:blipFill>
         <p:spPr>
           <a:xfrm>
-            <a:off x="6556915" y="2503250"/>
-            <a:ext cx="5054600" cy="1104900"/>
+            <a:off x="649601" y="3879712"/>
+            <a:ext cx="5384800" cy="952500"/>
           </a:xfrm>
           <a:prstGeom prst="rect">
             <a:avLst/>
           </a:prstGeom>
         </p:spPr>
       </p:pic>
-      <p:pic>
-        <p:nvPicPr>
-          <p:cNvPr id="21" name="Picture 20">
-            <a:extLst>
-              <a:ext uri="{FF2B5EF4-FFF2-40B4-BE49-F238E27FC236}">
-                <a16:creationId xmlns:a16="http://schemas.microsoft.com/office/drawing/2014/main" id="{19A4305F-495A-8454-DF94-16515B9C313D}"/>
-              </a:ext>
-            </a:extLst>
-          </p:cNvPr>
-          <p:cNvPicPr>
-            <a:picLocks noChangeAspect="1"/>
-          </p:cNvPicPr>
+      <p:sp>
+        <p:nvSpPr>
+          <p:cNvPr id="3" name="TextBox 2">
+            <a:extLst>
+              <a:ext uri="{FF2B5EF4-FFF2-40B4-BE49-F238E27FC236}">
+                <a16:creationId xmlns:a16="http://schemas.microsoft.com/office/drawing/2014/main" id="{1703C65B-CA61-33DD-6D7D-6B47E7F8350E}"/>
+              </a:ext>
+            </a:extLst>
+          </p:cNvPr>
+          <p:cNvSpPr txBox="1"/>
           <p:nvPr/>
-        </p:nvPicPr>
-        <p:blipFill>
-          <a:blip r:embed="rId7"/>
-          <a:stretch>
-            <a:fillRect/>
-          </a:stretch>
-        </p:blipFill>
+        </p:nvSpPr>
         <p:spPr>
           <a:xfrm>
-            <a:off x="6493105" y="3968502"/>
-            <a:ext cx="5118410" cy="1028700"/>
+            <a:off x="568311" y="3429000"/>
+            <a:ext cx="2198038" cy="369332"/>
           </a:xfrm>
           <a:prstGeom prst="rect">
             <a:avLst/>
           </a:prstGeom>
+          <a:noFill/>
         </p:spPr>
-      </p:pic>
-      <p:pic>
-        <p:nvPicPr>
-          <p:cNvPr id="23" name="Picture 22">
-            <a:extLst>
-              <a:ext uri="{FF2B5EF4-FFF2-40B4-BE49-F238E27FC236}">
-                <a16:creationId xmlns:a16="http://schemas.microsoft.com/office/drawing/2014/main" id="{09F89658-A67A-313E-EAB0-841038B298FE}"/>
-              </a:ext>
-            </a:extLst>
-          </p:cNvPr>
-          <p:cNvPicPr>
-            <a:picLocks noChangeAspect="1"/>
-          </p:cNvPicPr>
+        <p:txBody>
+          <a:bodyPr wrap="none" rtlCol="0">
+            <a:spAutoFit/>
+          </a:bodyPr>
+          <a:lstStyle/>
+          <a:p>
+            <a:pPr marL="285750" indent="-285750">
+              <a:buFont typeface="Arial" panose="020B0604020202020204" pitchFamily="34" charset="0"/>
+              <a:buChar char="•"/>
+            </a:pPr>
+            <a:r>
+              <a:rPr lang="en-US" dirty="0"/>
+              <a:t>H</a:t>
+            </a:r>
+            <a:r>
+              <a:rPr lang="en-TW" dirty="0"/>
+              <a:t>idden_dim = 256</a:t>
+            </a:r>
+          </a:p>
+        </p:txBody>
+      </p:sp>
+      <p:sp>
+        <p:nvSpPr>
+          <p:cNvPr id="6" name="TextBox 5">
+            <a:extLst>
+              <a:ext uri="{FF2B5EF4-FFF2-40B4-BE49-F238E27FC236}">
+                <a16:creationId xmlns:a16="http://schemas.microsoft.com/office/drawing/2014/main" id="{694C306D-65CC-A877-6576-AF863D86C123}"/>
+              </a:ext>
+            </a:extLst>
+          </p:cNvPr>
+          <p:cNvSpPr txBox="1"/>
           <p:nvPr/>
-        </p:nvPicPr>
-        <p:blipFill>
-          <a:blip r:embed="rId8"/>
-          <a:stretch>
-            <a:fillRect/>
-          </a:stretch>
-        </p:blipFill>
+        </p:nvSpPr>
         <p:spPr>
           <a:xfrm>
-            <a:off x="6366415" y="5302436"/>
-            <a:ext cx="5245100" cy="1028700"/>
+            <a:off x="6202691" y="3429000"/>
+            <a:ext cx="2198038" cy="369332"/>
           </a:xfrm>
           <a:prstGeom prst="rect">
             <a:avLst/>
           </a:prstGeom>
+          <a:noFill/>
         </p:spPr>
-      </p:pic>
+        <p:txBody>
+          <a:bodyPr wrap="none" rtlCol="0">
+            <a:spAutoFit/>
+          </a:bodyPr>
+          <a:lstStyle/>
+          <a:p>
+            <a:pPr marL="285750" indent="-285750">
+              <a:buFont typeface="Arial" panose="020B0604020202020204" pitchFamily="34" charset="0"/>
+              <a:buChar char="•"/>
+            </a:pPr>
+            <a:r>
+              <a:rPr lang="en-US" dirty="0"/>
+              <a:t>H</a:t>
+            </a:r>
+            <a:r>
+              <a:rPr lang="en-TW" dirty="0"/>
+              <a:t>idden_dim = 512</a:t>
+            </a:r>
+          </a:p>
+        </p:txBody>
+      </p:sp>
     </p:spTree>
     <p:extLst>
       <p:ext uri="{BB962C8B-B14F-4D97-AF65-F5344CB8AC3E}">
-        <p14:creationId xmlns:p14="http://schemas.microsoft.com/office/powerpoint/2010/main" val="2597300154"/>
+        <p14:creationId xmlns:p14="http://schemas.microsoft.com/office/powerpoint/2010/main" val="3416472417"/>
       </p:ext>
     </p:extLst>
   </p:cSld>
@@ -9252,149 +9995,12 @@
           </a:p>
         </p:txBody>
       </p:sp>
-      <p:sp>
-        <p:nvSpPr>
-          <p:cNvPr id="10" name="TextBox 9">
-            <a:extLst>
-              <a:ext uri="{FF2B5EF4-FFF2-40B4-BE49-F238E27FC236}">
-                <a16:creationId xmlns:a16="http://schemas.microsoft.com/office/drawing/2014/main" id="{711571ED-9573-706A-BDFA-548120472BE4}"/>
-              </a:ext>
-            </a:extLst>
-          </p:cNvPr>
-          <p:cNvSpPr txBox="1"/>
-          <p:nvPr/>
-        </p:nvSpPr>
-        <p:spPr>
-          <a:xfrm>
-            <a:off x="568311" y="1414401"/>
-            <a:ext cx="11268761" cy="1569660"/>
-          </a:xfrm>
-          <a:prstGeom prst="rect">
-            <a:avLst/>
-          </a:prstGeom>
-          <a:noFill/>
-        </p:spPr>
-        <p:txBody>
-          <a:bodyPr wrap="square" rtlCol="0">
-            <a:spAutoFit/>
-          </a:bodyPr>
-          <a:lstStyle/>
-          <a:p>
-            <a:pPr marL="342900" indent="-342900">
-              <a:buFont typeface="Arial" panose="020B0604020202020204" pitchFamily="34" charset="0"/>
-              <a:buChar char="•"/>
-            </a:pPr>
-            <a:r>
-              <a:rPr lang="en-US" altLang="zh-TW" sz="2400" dirty="0"/>
-              <a:t>Current Trial: hope to see the result on </a:t>
-            </a:r>
-            <a:r>
-              <a:rPr lang="en-US" altLang="zh-TW" sz="2400" b="1" dirty="0"/>
-              <a:t>training</a:t>
-            </a:r>
-            <a:r>
-              <a:rPr lang="en-US" altLang="zh-TW" sz="2400" dirty="0"/>
-              <a:t> dataset</a:t>
-            </a:r>
-          </a:p>
-          <a:p>
-            <a:pPr marL="800100" lvl="1" indent="-342900">
-              <a:buFont typeface="Arial" panose="020B0604020202020204" pitchFamily="34" charset="0"/>
-              <a:buChar char="•"/>
-            </a:pPr>
-            <a:r>
-              <a:rPr lang="en-US" sz="2400" dirty="0"/>
-              <a:t>At least let the model </a:t>
-            </a:r>
-            <a:r>
-              <a:rPr lang="en-US" sz="2400" b="1" dirty="0"/>
-              <a:t>overfit</a:t>
-            </a:r>
-            <a:r>
-              <a:rPr lang="en-US" sz="2400" dirty="0"/>
-              <a:t> first(remember the data with single triplet)</a:t>
-            </a:r>
-          </a:p>
-          <a:p>
-            <a:pPr marL="800100" lvl="1" indent="-342900">
-              <a:buFont typeface="Arial" panose="020B0604020202020204" pitchFamily="34" charset="0"/>
-              <a:buChar char="•"/>
-            </a:pPr>
-            <a:r>
-              <a:rPr lang="en-US" sz="2400" dirty="0"/>
-              <a:t>U</a:t>
-            </a:r>
-            <a:r>
-              <a:rPr lang="en-TW" sz="2400" dirty="0"/>
-              <a:t>se data with </a:t>
-            </a:r>
-            <a:r>
-              <a:rPr lang="en-TW" sz="2400" b="1" dirty="0"/>
-              <a:t>320 </a:t>
-            </a:r>
-            <a:r>
-              <a:rPr lang="en-TW" sz="2400" dirty="0"/>
-              <a:t>times single triplet </a:t>
-            </a:r>
-            <a:r>
-              <a:rPr lang="en-TW" sz="2200" dirty="0">
-                <a:sym typeface="Wingdings" pitchFamily="2" charset="2"/>
-              </a:rPr>
-              <a:t></a:t>
-            </a:r>
-            <a:r>
-              <a:rPr lang="en-TW" sz="2400" dirty="0">
-                <a:sym typeface="Wingdings" pitchFamily="2" charset="2"/>
-              </a:rPr>
-              <a:t> # of training data = </a:t>
-            </a:r>
-            <a:r>
-              <a:rPr lang="en-TW" sz="2400" b="0" i="0" dirty="0">
-                <a:solidFill>
-                  <a:srgbClr val="000000"/>
-                </a:solidFill>
-                <a:effectLst/>
-                <a:latin typeface="Helvetica Neue" panose="02000503000000020004" pitchFamily="2" charset="0"/>
-              </a:rPr>
-              <a:t>13657600 </a:t>
-            </a:r>
-            <a:endParaRPr lang="en-TW" sz="2400" dirty="0"/>
-          </a:p>
-          <a:p>
-            <a:pPr marL="800100" lvl="1" indent="-342900">
-              <a:buFont typeface="Arial" panose="020B0604020202020204" pitchFamily="34" charset="0"/>
-              <a:buChar char="•"/>
-            </a:pPr>
-            <a:r>
-              <a:rPr lang="en-US" sz="2400" dirty="0"/>
-              <a:t>L</a:t>
-            </a:r>
-            <a:r>
-              <a:rPr lang="en-TW" sz="2400" dirty="0"/>
-              <a:t>arger hidden dimension </a:t>
-            </a:r>
-            <a:r>
-              <a:rPr lang="en-TW" sz="2200" dirty="0">
-                <a:sym typeface="Wingdings" pitchFamily="2" charset="2"/>
-              </a:rPr>
-              <a:t></a:t>
-            </a:r>
-            <a:r>
-              <a:rPr lang="en-TW" sz="2400" dirty="0">
-                <a:sym typeface="Wingdings" pitchFamily="2" charset="2"/>
-              </a:rPr>
-              <a:t> more neurons to remember the data</a:t>
-            </a:r>
-            <a:endParaRPr lang="en-TW" sz="2400" dirty="0"/>
-          </a:p>
-        </p:txBody>
-      </p:sp>
       <p:pic>
         <p:nvPicPr>
-          <p:cNvPr id="5" name="Picture 4">
-            <a:extLst>
-              <a:ext uri="{FF2B5EF4-FFF2-40B4-BE49-F238E27FC236}">
-                <a16:creationId xmlns:a16="http://schemas.microsoft.com/office/drawing/2014/main" id="{25E5F993-F6A2-A4F6-E813-49909507185B}"/>
+          <p:cNvPr id="6" name="Picture 5">
+            <a:extLst>
+              <a:ext uri="{FF2B5EF4-FFF2-40B4-BE49-F238E27FC236}">
+                <a16:creationId xmlns:a16="http://schemas.microsoft.com/office/drawing/2014/main" id="{40F69F20-0060-D263-F1DC-41D6CD8A4E7E}"/>
               </a:ext>
             </a:extLst>
           </p:cNvPr>
@@ -9411,231 +10017,7 @@
         </p:blipFill>
         <p:spPr>
           <a:xfrm>
-            <a:off x="522601" y="4946905"/>
-            <a:ext cx="5511800" cy="622124"/>
-          </a:xfrm>
-          <a:prstGeom prst="rect">
-            <a:avLst/>
-          </a:prstGeom>
-        </p:spPr>
-      </p:pic>
-      <p:pic>
-        <p:nvPicPr>
-          <p:cNvPr id="12" name="Picture 11">
-            <a:extLst>
-              <a:ext uri="{FF2B5EF4-FFF2-40B4-BE49-F238E27FC236}">
-                <a16:creationId xmlns:a16="http://schemas.microsoft.com/office/drawing/2014/main" id="{19C5D9B8-AF13-1201-2490-3A5C7D62271B}"/>
-              </a:ext>
-            </a:extLst>
-          </p:cNvPr>
-          <p:cNvPicPr>
-            <a:picLocks noChangeAspect="1"/>
-          </p:cNvPicPr>
-          <p:nvPr/>
-        </p:nvPicPr>
-        <p:blipFill>
-          <a:blip r:embed="rId4"/>
-          <a:stretch>
-            <a:fillRect/>
-          </a:stretch>
-        </p:blipFill>
-        <p:spPr>
-          <a:xfrm>
-            <a:off x="6157601" y="4948642"/>
-            <a:ext cx="5634998" cy="728851"/>
-          </a:xfrm>
-          <a:prstGeom prst="rect">
-            <a:avLst/>
-          </a:prstGeom>
-        </p:spPr>
-      </p:pic>
-      <p:pic>
-        <p:nvPicPr>
-          <p:cNvPr id="14" name="Picture 13">
-            <a:extLst>
-              <a:ext uri="{FF2B5EF4-FFF2-40B4-BE49-F238E27FC236}">
-                <a16:creationId xmlns:a16="http://schemas.microsoft.com/office/drawing/2014/main" id="{12A75FC0-6840-591A-D38D-7672E4D827E4}"/>
-              </a:ext>
-            </a:extLst>
-          </p:cNvPr>
-          <p:cNvPicPr>
-            <a:picLocks noChangeAspect="1"/>
-          </p:cNvPicPr>
-          <p:nvPr/>
-        </p:nvPicPr>
-        <p:blipFill>
-          <a:blip r:embed="rId5"/>
-          <a:stretch>
-            <a:fillRect/>
-          </a:stretch>
-        </p:blipFill>
-        <p:spPr>
-          <a:xfrm>
-            <a:off x="6336680" y="3873940"/>
-            <a:ext cx="5422900" cy="965200"/>
-          </a:xfrm>
-          <a:prstGeom prst="rect">
-            <a:avLst/>
-          </a:prstGeom>
-        </p:spPr>
-      </p:pic>
-      <p:pic>
-        <p:nvPicPr>
-          <p:cNvPr id="16" name="Picture 15">
-            <a:extLst>
-              <a:ext uri="{FF2B5EF4-FFF2-40B4-BE49-F238E27FC236}">
-                <a16:creationId xmlns:a16="http://schemas.microsoft.com/office/drawing/2014/main" id="{117826D2-0B5B-85E5-B35E-C59CBD5D7A5A}"/>
-              </a:ext>
-            </a:extLst>
-          </p:cNvPr>
-          <p:cNvPicPr>
-            <a:picLocks noChangeAspect="1"/>
-          </p:cNvPicPr>
-          <p:nvPr/>
-        </p:nvPicPr>
-        <p:blipFill>
-          <a:blip r:embed="rId6"/>
-          <a:stretch>
-            <a:fillRect/>
-          </a:stretch>
-        </p:blipFill>
-        <p:spPr>
-          <a:xfrm>
-            <a:off x="649601" y="3879712"/>
-            <a:ext cx="5384800" cy="952500"/>
-          </a:xfrm>
-          <a:prstGeom prst="rect">
-            <a:avLst/>
-          </a:prstGeom>
-        </p:spPr>
-      </p:pic>
-    </p:spTree>
-    <p:extLst>
-      <p:ext uri="{BB962C8B-B14F-4D97-AF65-F5344CB8AC3E}">
-        <p14:creationId xmlns:p14="http://schemas.microsoft.com/office/powerpoint/2010/main" val="3416472417"/>
-      </p:ext>
-    </p:extLst>
-  </p:cSld>
-  <p:clrMapOvr>
-    <a:masterClrMapping/>
-  </p:clrMapOvr>
-  <mc:AlternateContent xmlns:mc="http://schemas.openxmlformats.org/markup-compatibility/2006" xmlns:p159="http://schemas.microsoft.com/office/powerpoint/2015/09/main">
-    <mc:Choice Requires="p159">
-      <p:transition xmlns:p14="http://schemas.microsoft.com/office/powerpoint/2010/main" spd="slow" p14:dur="2000">
-        <p159:morph option="byObject"/>
-      </p:transition>
-    </mc:Choice>
-    <mc:Fallback xmlns="">
-      <p:transition spd="slow">
-        <p:fade/>
-      </p:transition>
-    </mc:Fallback>
-  </mc:AlternateContent>
-</p:sld>
-</file>
-
-<file path=ppt/slides/slide8.xml><?xml version="1.0" encoding="utf-8"?>
-<p:sld xmlns:a="http://schemas.openxmlformats.org/drawingml/2006/main" xmlns:r="http://schemas.openxmlformats.org/officeDocument/2006/relationships" xmlns:p="http://schemas.openxmlformats.org/presentationml/2006/main">
-  <p:cSld>
-    <p:spTree>
-      <p:nvGrpSpPr>
-        <p:cNvPr id="1" name=""/>
-        <p:cNvGrpSpPr/>
-        <p:nvPr/>
-      </p:nvGrpSpPr>
-      <p:grpSpPr>
-        <a:xfrm>
-          <a:off x="0" y="0"/>
-          <a:ext cx="0" cy="0"/>
-          <a:chOff x="0" y="0"/>
-          <a:chExt cx="0" cy="0"/>
-        </a:xfrm>
-      </p:grpSpPr>
-      <p:sp>
-        <p:nvSpPr>
-          <p:cNvPr id="2" name="Title 1">
-            <a:extLst>
-              <a:ext uri="{FF2B5EF4-FFF2-40B4-BE49-F238E27FC236}">
-                <a16:creationId xmlns:a16="http://schemas.microsoft.com/office/drawing/2014/main" id="{2B533BED-E48C-5E7F-2273-C55CCE98516B}"/>
-              </a:ext>
-            </a:extLst>
-          </p:cNvPr>
-          <p:cNvSpPr>
-            <a:spLocks noGrp="1"/>
-          </p:cNvSpPr>
-          <p:nvPr>
-            <p:ph type="title"/>
-          </p:nvPr>
-        </p:nvSpPr>
-        <p:spPr>
-          <a:xfrm>
-            <a:off x="432987" y="194991"/>
-            <a:ext cx="10515600" cy="1325563"/>
-          </a:xfrm>
-        </p:spPr>
-        <p:txBody>
-          <a:bodyPr/>
-          <a:lstStyle/>
-          <a:p>
-            <a:r>
-              <a:rPr lang="en-TW" b="1" dirty="0"/>
-              <a:t>Experiment 3 - Oversampling</a:t>
-            </a:r>
-          </a:p>
-        </p:txBody>
-      </p:sp>
-      <p:sp>
-        <p:nvSpPr>
-          <p:cNvPr id="4" name="Slide Number Placeholder 3">
-            <a:extLst>
-              <a:ext uri="{FF2B5EF4-FFF2-40B4-BE49-F238E27FC236}">
-                <a16:creationId xmlns:a16="http://schemas.microsoft.com/office/drawing/2014/main" id="{5CD44B9F-7DE8-0932-BD70-B0BA453E653B}"/>
-              </a:ext>
-            </a:extLst>
-          </p:cNvPr>
-          <p:cNvSpPr>
-            <a:spLocks noGrp="1"/>
-          </p:cNvSpPr>
-          <p:nvPr>
-            <p:ph type="sldNum" sz="quarter" idx="12"/>
-          </p:nvPr>
-        </p:nvSpPr>
-        <p:spPr/>
-        <p:txBody>
-          <a:bodyPr/>
-          <a:lstStyle/>
-          <a:p>
-            <a:fld id="{DB156E10-B3DB-CB42-894C-E44038C8B0C4}" type="slidenum">
-              <a:rPr lang="en-TW" smtClean="0"/>
-              <a:t>8</a:t>
-            </a:fld>
-            <a:endParaRPr lang="en-TW" dirty="0"/>
-          </a:p>
-        </p:txBody>
-      </p:sp>
-      <p:pic>
-        <p:nvPicPr>
-          <p:cNvPr id="6" name="Picture 5">
-            <a:extLst>
-              <a:ext uri="{FF2B5EF4-FFF2-40B4-BE49-F238E27FC236}">
-                <a16:creationId xmlns:a16="http://schemas.microsoft.com/office/drawing/2014/main" id="{40F69F20-0060-D263-F1DC-41D6CD8A4E7E}"/>
-              </a:ext>
-            </a:extLst>
-          </p:cNvPr>
-          <p:cNvPicPr>
-            <a:picLocks noChangeAspect="1"/>
-          </p:cNvPicPr>
-          <p:nvPr/>
-        </p:nvPicPr>
-        <p:blipFill>
-          <a:blip r:embed="rId3"/>
-          <a:stretch>
-            <a:fillRect/>
-          </a:stretch>
-        </p:blipFill>
-        <p:spPr>
-          <a:xfrm>
-            <a:off x="432987" y="1289693"/>
+            <a:off x="432987" y="1405124"/>
             <a:ext cx="11505534" cy="5066657"/>
           </a:xfrm>
           <a:prstGeom prst="rect">
@@ -9673,6 +10055,41 @@
           </a:prstGeom>
         </p:spPr>
       </p:pic>
+      <p:sp>
+        <p:nvSpPr>
+          <p:cNvPr id="3" name="TextBox 2">
+            <a:extLst>
+              <a:ext uri="{FF2B5EF4-FFF2-40B4-BE49-F238E27FC236}">
+                <a16:creationId xmlns:a16="http://schemas.microsoft.com/office/drawing/2014/main" id="{A8843E4A-4D13-E598-CE9C-ED4DE8D91FD2}"/>
+              </a:ext>
+            </a:extLst>
+          </p:cNvPr>
+          <p:cNvSpPr txBox="1"/>
+          <p:nvPr/>
+        </p:nvSpPr>
+        <p:spPr>
+          <a:xfrm>
+            <a:off x="668846" y="1212777"/>
+            <a:ext cx="3435794" cy="307777"/>
+          </a:xfrm>
+          <a:prstGeom prst="rect">
+            <a:avLst/>
+          </a:prstGeom>
+          <a:noFill/>
+        </p:spPr>
+        <p:txBody>
+          <a:bodyPr wrap="square" rtlCol="0">
+            <a:spAutoFit/>
+          </a:bodyPr>
+          <a:lstStyle/>
+          <a:p>
+            <a:r>
+              <a:rPr lang="en-TW" sz="1400" dirty="0"/>
+              <a:t>Bar Chart of hidden dimension = 256:</a:t>
+            </a:r>
+          </a:p>
+        </p:txBody>
+      </p:sp>
     </p:spTree>
     <p:extLst>
       <p:ext uri="{BB962C8B-B14F-4D97-AF65-F5344CB8AC3E}">
@@ -9834,7 +10251,7 @@
 </p:sld>
 </file>
 
-<file path=ppt/slides/slide9.xml><?xml version="1.0" encoding="utf-8"?>
+<file path=ppt/slides/slide8.xml><?xml version="1.0" encoding="utf-8"?>
 <p:sld xmlns:a="http://schemas.openxmlformats.org/drawingml/2006/main" xmlns:r="http://schemas.openxmlformats.org/officeDocument/2006/relationships" xmlns:p="http://schemas.openxmlformats.org/presentationml/2006/main">
   <p:cSld>
     <p:spTree>
@@ -9907,7 +10324,7 @@
           <a:p>
             <a:fld id="{DB156E10-B3DB-CB42-894C-E44038C8B0C4}" type="slidenum">
               <a:rPr lang="en-TW" smtClean="0"/>
-              <a:t>9</a:t>
+              <a:t>8</a:t>
             </a:fld>
             <a:endParaRPr lang="en-TW" dirty="0"/>
           </a:p>
@@ -9943,10 +10360,536 @@
           </a:prstGeom>
         </p:spPr>
       </p:pic>
+      <p:pic>
+        <p:nvPicPr>
+          <p:cNvPr id="6" name="Picture 5">
+            <a:extLst>
+              <a:ext uri="{FF2B5EF4-FFF2-40B4-BE49-F238E27FC236}">
+                <a16:creationId xmlns:a16="http://schemas.microsoft.com/office/drawing/2014/main" id="{1D8415A8-9B1C-130D-9A30-F7BE74C8CEF2}"/>
+              </a:ext>
+            </a:extLst>
+          </p:cNvPr>
+          <p:cNvPicPr>
+            <a:picLocks noChangeAspect="1"/>
+          </p:cNvPicPr>
+          <p:nvPr/>
+        </p:nvPicPr>
+        <p:blipFill>
+          <a:blip r:embed="rId4"/>
+          <a:stretch>
+            <a:fillRect/>
+          </a:stretch>
+        </p:blipFill>
+        <p:spPr>
+          <a:xfrm>
+            <a:off x="3333750" y="2214739"/>
+            <a:ext cx="6540500" cy="825500"/>
+          </a:xfrm>
+          <a:prstGeom prst="rect">
+            <a:avLst/>
+          </a:prstGeom>
+        </p:spPr>
+      </p:pic>
     </p:spTree>
     <p:extLst>
       <p:ext uri="{BB962C8B-B14F-4D97-AF65-F5344CB8AC3E}">
         <p14:creationId xmlns:p14="http://schemas.microsoft.com/office/powerpoint/2010/main" val="557268766"/>
+      </p:ext>
+    </p:extLst>
+  </p:cSld>
+  <p:clrMapOvr>
+    <a:masterClrMapping/>
+  </p:clrMapOvr>
+  <mc:AlternateContent xmlns:mc="http://schemas.openxmlformats.org/markup-compatibility/2006" xmlns:p159="http://schemas.microsoft.com/office/powerpoint/2015/09/main">
+    <mc:Choice Requires="p159">
+      <p:transition xmlns:p14="http://schemas.microsoft.com/office/powerpoint/2010/main" spd="slow" p14:dur="2000">
+        <p159:morph option="byObject"/>
+      </p:transition>
+    </mc:Choice>
+    <mc:Fallback xmlns="">
+      <p:transition spd="slow">
+        <p:fade/>
+      </p:transition>
+    </mc:Fallback>
+  </mc:AlternateContent>
+  <p:timing>
+    <p:tnLst>
+      <p:par>
+        <p:cTn id="1" dur="indefinite" restart="never" nodeType="tmRoot">
+          <p:childTnLst>
+            <p:seq concurrent="1" nextAc="seek">
+              <p:cTn id="2" dur="indefinite" nodeType="mainSeq">
+                <p:childTnLst>
+                  <p:par>
+                    <p:cTn id="3" fill="hold">
+                      <p:stCondLst>
+                        <p:cond delay="indefinite"/>
+                      </p:stCondLst>
+                      <p:childTnLst>
+                        <p:par>
+                          <p:cTn id="4" fill="hold">
+                            <p:stCondLst>
+                              <p:cond delay="0"/>
+                            </p:stCondLst>
+                            <p:childTnLst>
+                              <p:par>
+                                <p:cTn id="5" presetID="3" presetClass="entr" presetSubtype="10" fill="hold" nodeType="clickEffect">
+                                  <p:stCondLst>
+                                    <p:cond delay="0"/>
+                                  </p:stCondLst>
+                                  <p:childTnLst>
+                                    <p:set>
+                                      <p:cBhvr>
+                                        <p:cTn id="6" dur="1" fill="hold">
+                                          <p:stCondLst>
+                                            <p:cond delay="0"/>
+                                          </p:stCondLst>
+                                        </p:cTn>
+                                        <p:tgtEl>
+                                          <p:spTgt spid="6"/>
+                                        </p:tgtEl>
+                                        <p:attrNameLst>
+                                          <p:attrName>style.visibility</p:attrName>
+                                        </p:attrNameLst>
+                                      </p:cBhvr>
+                                      <p:to>
+                                        <p:strVal val="visible"/>
+                                      </p:to>
+                                    </p:set>
+                                    <p:animEffect transition="in" filter="blinds(horizontal)">
+                                      <p:cBhvr>
+                                        <p:cTn id="7" dur="500"/>
+                                        <p:tgtEl>
+                                          <p:spTgt spid="6"/>
+                                        </p:tgtEl>
+                                      </p:cBhvr>
+                                    </p:animEffect>
+                                  </p:childTnLst>
+                                </p:cTn>
+                              </p:par>
+                            </p:childTnLst>
+                          </p:cTn>
+                        </p:par>
+                      </p:childTnLst>
+                    </p:cTn>
+                  </p:par>
+                </p:childTnLst>
+              </p:cTn>
+              <p:prevCondLst>
+                <p:cond evt="onPrev" delay="0">
+                  <p:tgtEl>
+                    <p:sldTgt/>
+                  </p:tgtEl>
+                </p:cond>
+              </p:prevCondLst>
+              <p:nextCondLst>
+                <p:cond evt="onNext" delay="0">
+                  <p:tgtEl>
+                    <p:sldTgt/>
+                  </p:tgtEl>
+                </p:cond>
+              </p:nextCondLst>
+            </p:seq>
+          </p:childTnLst>
+        </p:cTn>
+      </p:par>
+    </p:tnLst>
+  </p:timing>
+</p:sld>
+</file>
+
+<file path=ppt/slides/slide9.xml><?xml version="1.0" encoding="utf-8"?>
+<p:sld xmlns:a="http://schemas.openxmlformats.org/drawingml/2006/main" xmlns:r="http://schemas.openxmlformats.org/officeDocument/2006/relationships" xmlns:p="http://schemas.openxmlformats.org/presentationml/2006/main">
+  <p:cSld>
+    <p:spTree>
+      <p:nvGrpSpPr>
+        <p:cNvPr id="1" name=""/>
+        <p:cNvGrpSpPr/>
+        <p:nvPr/>
+      </p:nvGrpSpPr>
+      <p:grpSpPr>
+        <a:xfrm>
+          <a:off x="0" y="0"/>
+          <a:ext cx="0" cy="0"/>
+          <a:chOff x="0" y="0"/>
+          <a:chExt cx="0" cy="0"/>
+        </a:xfrm>
+      </p:grpSpPr>
+      <p:sp>
+        <p:nvSpPr>
+          <p:cNvPr id="2" name="Title 1">
+            <a:extLst>
+              <a:ext uri="{FF2B5EF4-FFF2-40B4-BE49-F238E27FC236}">
+                <a16:creationId xmlns:a16="http://schemas.microsoft.com/office/drawing/2014/main" id="{2B533BED-E48C-5E7F-2273-C55CCE98516B}"/>
+              </a:ext>
+            </a:extLst>
+          </p:cNvPr>
+          <p:cNvSpPr>
+            <a:spLocks noGrp="1"/>
+          </p:cNvSpPr>
+          <p:nvPr>
+            <p:ph type="title"/>
+          </p:nvPr>
+        </p:nvSpPr>
+        <p:spPr>
+          <a:xfrm>
+            <a:off x="432987" y="194991"/>
+            <a:ext cx="10515600" cy="1325563"/>
+          </a:xfrm>
+        </p:spPr>
+        <p:txBody>
+          <a:bodyPr/>
+          <a:lstStyle/>
+          <a:p>
+            <a:r>
+              <a:rPr lang="en-TW" b="1" dirty="0"/>
+              <a:t>Experiment 3 – K-Fold Cross Validation</a:t>
+            </a:r>
+          </a:p>
+        </p:txBody>
+      </p:sp>
+      <p:sp>
+        <p:nvSpPr>
+          <p:cNvPr id="4" name="Slide Number Placeholder 3">
+            <a:extLst>
+              <a:ext uri="{FF2B5EF4-FFF2-40B4-BE49-F238E27FC236}">
+                <a16:creationId xmlns:a16="http://schemas.microsoft.com/office/drawing/2014/main" id="{5CD44B9F-7DE8-0932-BD70-B0BA453E653B}"/>
+              </a:ext>
+            </a:extLst>
+          </p:cNvPr>
+          <p:cNvSpPr>
+            <a:spLocks noGrp="1"/>
+          </p:cNvSpPr>
+          <p:nvPr>
+            <p:ph type="sldNum" sz="quarter" idx="12"/>
+          </p:nvPr>
+        </p:nvSpPr>
+        <p:spPr/>
+        <p:txBody>
+          <a:bodyPr/>
+          <a:lstStyle/>
+          <a:p>
+            <a:fld id="{DB156E10-B3DB-CB42-894C-E44038C8B0C4}" type="slidenum">
+              <a:rPr lang="en-TW" smtClean="0"/>
+              <a:t>9</a:t>
+            </a:fld>
+            <a:endParaRPr lang="en-TW" dirty="0"/>
+          </a:p>
+        </p:txBody>
+      </p:sp>
+      <p:pic>
+        <p:nvPicPr>
+          <p:cNvPr id="5" name="Picture 4">
+            <a:extLst>
+              <a:ext uri="{FF2B5EF4-FFF2-40B4-BE49-F238E27FC236}">
+                <a16:creationId xmlns:a16="http://schemas.microsoft.com/office/drawing/2014/main" id="{3CAA92D8-61A3-D227-9069-5C9B54A0EDD1}"/>
+              </a:ext>
+            </a:extLst>
+          </p:cNvPr>
+          <p:cNvPicPr>
+            <a:picLocks noChangeAspect="1"/>
+          </p:cNvPicPr>
+          <p:nvPr/>
+        </p:nvPicPr>
+        <p:blipFill>
+          <a:blip r:embed="rId3"/>
+          <a:stretch>
+            <a:fillRect/>
+          </a:stretch>
+        </p:blipFill>
+        <p:spPr>
+          <a:xfrm>
+            <a:off x="683260" y="1988240"/>
+            <a:ext cx="5698423" cy="3370762"/>
+          </a:xfrm>
+          <a:prstGeom prst="rect">
+            <a:avLst/>
+          </a:prstGeom>
+        </p:spPr>
+      </p:pic>
+      <p:sp>
+        <p:nvSpPr>
+          <p:cNvPr id="6" name="TextBox 5">
+            <a:extLst>
+              <a:ext uri="{FF2B5EF4-FFF2-40B4-BE49-F238E27FC236}">
+                <a16:creationId xmlns:a16="http://schemas.microsoft.com/office/drawing/2014/main" id="{957EE02D-4D94-CFE1-82D7-90FEE065D32F}"/>
+              </a:ext>
+            </a:extLst>
+          </p:cNvPr>
+          <p:cNvSpPr txBox="1"/>
+          <p:nvPr/>
+        </p:nvSpPr>
+        <p:spPr>
+          <a:xfrm>
+            <a:off x="6522721" y="1988240"/>
+            <a:ext cx="5097779" cy="3416320"/>
+          </a:xfrm>
+          <a:prstGeom prst="rect">
+            <a:avLst/>
+          </a:prstGeom>
+          <a:noFill/>
+        </p:spPr>
+        <p:txBody>
+          <a:bodyPr wrap="square" rtlCol="0">
+            <a:spAutoFit/>
+          </a:bodyPr>
+          <a:lstStyle/>
+          <a:p>
+            <a:pPr marL="285750" indent="-285750">
+              <a:buFont typeface="Arial" panose="020B0604020202020204" pitchFamily="34" charset="0"/>
+              <a:buChar char="•"/>
+            </a:pPr>
+            <a:r>
+              <a:rPr lang="en-US" dirty="0">
+                <a:solidFill>
+                  <a:srgbClr val="111111"/>
+                </a:solidFill>
+                <a:latin typeface="open sans" panose="020B0606030504020204" pitchFamily="34" charset="0"/>
+              </a:rPr>
+              <a:t>C</a:t>
+            </a:r>
+            <a:r>
+              <a:rPr lang="en-US" b="0" i="0" dirty="0">
+                <a:solidFill>
+                  <a:srgbClr val="111111"/>
+                </a:solidFill>
+                <a:effectLst/>
+                <a:latin typeface="open sans" panose="020B0606030504020204" pitchFamily="34" charset="0"/>
+              </a:rPr>
+              <a:t>ross-validation should always be done </a:t>
+            </a:r>
+            <a:r>
+              <a:rPr lang="en-US" b="1" i="0" dirty="0">
+                <a:solidFill>
+                  <a:srgbClr val="111111"/>
+                </a:solidFill>
+                <a:effectLst/>
+                <a:latin typeface="open sans" panose="020B0606030504020204" pitchFamily="34" charset="0"/>
+              </a:rPr>
+              <a:t>before</a:t>
+            </a:r>
+            <a:r>
+              <a:rPr lang="en-US" b="0" i="0" dirty="0">
+                <a:solidFill>
+                  <a:srgbClr val="111111"/>
+                </a:solidFill>
+                <a:effectLst/>
+                <a:latin typeface="open sans" panose="020B0606030504020204" pitchFamily="34" charset="0"/>
+              </a:rPr>
+              <a:t> over-sampling the data, just as how feature selection should be implemented.</a:t>
+            </a:r>
+          </a:p>
+          <a:p>
+            <a:pPr marL="285750" indent="-285750">
+              <a:buFont typeface="Arial" panose="020B0604020202020204" pitchFamily="34" charset="0"/>
+              <a:buChar char="•"/>
+            </a:pPr>
+            <a:endParaRPr lang="en-US" b="0" i="0" dirty="0">
+              <a:solidFill>
+                <a:srgbClr val="111111"/>
+              </a:solidFill>
+              <a:effectLst/>
+              <a:latin typeface="open sans" panose="020B0606030504020204" pitchFamily="34" charset="0"/>
+            </a:endParaRPr>
+          </a:p>
+          <a:p>
+            <a:pPr marL="285750" indent="-285750">
+              <a:buFont typeface="Arial" panose="020B0604020202020204" pitchFamily="34" charset="0"/>
+              <a:buChar char="•"/>
+            </a:pPr>
+            <a:endParaRPr lang="en-US" b="0" i="0" dirty="0">
+              <a:solidFill>
+                <a:srgbClr val="111111"/>
+              </a:solidFill>
+              <a:effectLst/>
+              <a:latin typeface="open sans" panose="020B0606030504020204" pitchFamily="34" charset="0"/>
+            </a:endParaRPr>
+          </a:p>
+          <a:p>
+            <a:pPr marL="285750" indent="-285750">
+              <a:buFont typeface="Arial" panose="020B0604020202020204" pitchFamily="34" charset="0"/>
+              <a:buChar char="•"/>
+            </a:pPr>
+            <a:r>
+              <a:rPr lang="en-US" b="0" i="0" dirty="0">
+                <a:solidFill>
+                  <a:srgbClr val="111111"/>
+                </a:solidFill>
+                <a:effectLst/>
+                <a:latin typeface="open sans" panose="020B0606030504020204" pitchFamily="34" charset="0"/>
+              </a:rPr>
+              <a:t>Only by </a:t>
+            </a:r>
+            <a:r>
+              <a:rPr lang="en-US" b="1" i="0" dirty="0">
+                <a:solidFill>
+                  <a:srgbClr val="111111"/>
+                </a:solidFill>
+                <a:effectLst/>
+                <a:latin typeface="open sans" panose="020B0606030504020204" pitchFamily="34" charset="0"/>
+              </a:rPr>
+              <a:t>resampling</a:t>
+            </a:r>
+            <a:r>
+              <a:rPr lang="en-US" b="0" i="0" dirty="0">
+                <a:solidFill>
+                  <a:srgbClr val="111111"/>
+                </a:solidFill>
+                <a:effectLst/>
+                <a:latin typeface="open sans" panose="020B0606030504020204" pitchFamily="34" charset="0"/>
+              </a:rPr>
+              <a:t> the data repeatedly, </a:t>
+            </a:r>
+            <a:r>
+              <a:rPr lang="en-US" b="1" i="0" dirty="0">
+                <a:solidFill>
+                  <a:srgbClr val="111111"/>
+                </a:solidFill>
+                <a:effectLst/>
+                <a:latin typeface="open sans" panose="020B0606030504020204" pitchFamily="34" charset="0"/>
+              </a:rPr>
+              <a:t>randomness</a:t>
+            </a:r>
+            <a:r>
+              <a:rPr lang="en-US" b="0" i="0" dirty="0">
+                <a:solidFill>
+                  <a:srgbClr val="111111"/>
+                </a:solidFill>
+                <a:effectLst/>
+                <a:latin typeface="open sans" panose="020B0606030504020204" pitchFamily="34" charset="0"/>
+              </a:rPr>
+              <a:t> can be introduced into the dataset to make sure that there won’t be an </a:t>
+            </a:r>
+            <a:r>
+              <a:rPr lang="en-US" b="1" i="0" dirty="0">
+                <a:solidFill>
+                  <a:srgbClr val="111111"/>
+                </a:solidFill>
+                <a:effectLst/>
+                <a:latin typeface="open sans" panose="020B0606030504020204" pitchFamily="34" charset="0"/>
+              </a:rPr>
+              <a:t>overfitting</a:t>
+            </a:r>
+            <a:r>
+              <a:rPr lang="en-US" b="0" i="0" dirty="0">
+                <a:solidFill>
+                  <a:srgbClr val="111111"/>
+                </a:solidFill>
+                <a:effectLst/>
+                <a:latin typeface="open sans" panose="020B0606030504020204" pitchFamily="34" charset="0"/>
+              </a:rPr>
+              <a:t> problem.</a:t>
+            </a:r>
+          </a:p>
+          <a:p>
+            <a:pPr marL="285750" indent="-285750">
+              <a:buFont typeface="Arial" panose="020B0604020202020204" pitchFamily="34" charset="0"/>
+              <a:buChar char="•"/>
+            </a:pPr>
+            <a:endParaRPr lang="en-US" dirty="0">
+              <a:solidFill>
+                <a:srgbClr val="111111"/>
+              </a:solidFill>
+              <a:latin typeface="open sans" panose="020B0606030504020204" pitchFamily="34" charset="0"/>
+            </a:endParaRPr>
+          </a:p>
+          <a:p>
+            <a:pPr marL="285750" indent="-285750">
+              <a:buFont typeface="Arial" panose="020B0604020202020204" pitchFamily="34" charset="0"/>
+              <a:buChar char="•"/>
+            </a:pPr>
+            <a:endParaRPr lang="en-US" dirty="0">
+              <a:solidFill>
+                <a:srgbClr val="111111"/>
+              </a:solidFill>
+              <a:latin typeface="open sans" panose="020B0606030504020204" pitchFamily="34" charset="0"/>
+            </a:endParaRPr>
+          </a:p>
+          <a:p>
+            <a:pPr marL="285750" indent="-285750">
+              <a:buFont typeface="Arial" panose="020B0604020202020204" pitchFamily="34" charset="0"/>
+              <a:buChar char="•"/>
+            </a:pPr>
+            <a:r>
+              <a:rPr lang="en-TW" dirty="0">
+                <a:solidFill>
+                  <a:srgbClr val="111111"/>
+                </a:solidFill>
+                <a:latin typeface="open sans" panose="020B0606030504020204" pitchFamily="34" charset="0"/>
+              </a:rPr>
+              <a:t>Training is not finished yet</a:t>
+            </a:r>
+            <a:endParaRPr lang="en-US" dirty="0">
+              <a:solidFill>
+                <a:srgbClr val="111111"/>
+              </a:solidFill>
+              <a:latin typeface="open sans" panose="020B0606030504020204" pitchFamily="34" charset="0"/>
+            </a:endParaRPr>
+          </a:p>
+        </p:txBody>
+      </p:sp>
+      <p:sp>
+        <p:nvSpPr>
+          <p:cNvPr id="7" name="TextBox 6">
+            <a:extLst>
+              <a:ext uri="{FF2B5EF4-FFF2-40B4-BE49-F238E27FC236}">
+                <a16:creationId xmlns:a16="http://schemas.microsoft.com/office/drawing/2014/main" id="{208B17BC-A157-0584-0B37-C6291F0D7628}"/>
+              </a:ext>
+            </a:extLst>
+          </p:cNvPr>
+          <p:cNvSpPr txBox="1"/>
+          <p:nvPr/>
+        </p:nvSpPr>
+        <p:spPr>
+          <a:xfrm>
+            <a:off x="838200" y="6211669"/>
+            <a:ext cx="8712200" cy="646331"/>
+          </a:xfrm>
+          <a:prstGeom prst="rect">
+            <a:avLst/>
+          </a:prstGeom>
+          <a:noFill/>
+        </p:spPr>
+        <p:txBody>
+          <a:bodyPr wrap="square" rtlCol="0">
+            <a:spAutoFit/>
+          </a:bodyPr>
+          <a:lstStyle/>
+          <a:p>
+            <a:r>
+              <a:rPr lang="en-US" altLang="zh-TW" dirty="0">
+                <a:hlinkClick r:id="rId4"/>
+              </a:rPr>
+              <a:t>https://</a:t>
+            </a:r>
+            <a:r>
+              <a:rPr lang="en-US" altLang="zh-TW" dirty="0" err="1">
+                <a:hlinkClick r:id="rId4"/>
+              </a:rPr>
+              <a:t>www.kdnuggets.com</a:t>
+            </a:r>
+            <a:r>
+              <a:rPr lang="en-US" altLang="zh-TW" dirty="0">
+                <a:hlinkClick r:id="rId4"/>
+              </a:rPr>
+              <a:t>/2017/06/7-techniques-handle-imbalanced-data.html</a:t>
+            </a:r>
+          </a:p>
+          <a:p>
+            <a:r>
+              <a:rPr lang="en-TW" dirty="0">
+                <a:hlinkClick r:id="rId4"/>
+              </a:rPr>
+              <a:t> </a:t>
+            </a:r>
+            <a:endParaRPr lang="en-TW" dirty="0"/>
+          </a:p>
+        </p:txBody>
+      </p:sp>
+    </p:spTree>
+    <p:extLst>
+      <p:ext uri="{BB962C8B-B14F-4D97-AF65-F5344CB8AC3E}">
+        <p14:creationId xmlns:p14="http://schemas.microsoft.com/office/powerpoint/2010/main" val="3479373269"/>
       </p:ext>
     </p:extLst>
   </p:cSld>
